--- a/Part_1_Resources_for_computational_modellers/5_Model_sharing/2_OSB.pptx
+++ b/Part_1_Resources_for_computational_modellers/5_Model_sharing/2_OSB.pptx
@@ -38,7 +38,7 @@
       </p:grpSpPr>
       <p:sp>
         <p:nvSpPr>
-          <p:cNvPr id="78" name="PlaceHolder 1"/>
+          <p:cNvPr id="72" name="PlaceHolder 1"/>
           <p:cNvSpPr>
             <a:spLocks noGrp="1"/>
           </p:cNvSpPr>
@@ -88,7 +88,7 @@
       </p:sp>
       <p:sp>
         <p:nvSpPr>
-          <p:cNvPr id="79" name="PlaceHolder 2"/>
+          <p:cNvPr id="73" name="PlaceHolder 2"/>
           <p:cNvSpPr>
             <a:spLocks noGrp="1"/>
           </p:cNvSpPr>
@@ -120,7 +120,7 @@
                 </a:uFill>
                 <a:latin typeface="Times New Roman"/>
               </a:rPr>
-              <a:t>&lt;header&gt;</a:t>
+              <a:t> </a:t>
             </a:r>
             <a:endParaRPr b="0" lang="en-GB" sz="1400" spc="-1" strike="noStrike">
               <a:solidFill>
@@ -138,7 +138,7 @@
       </p:sp>
       <p:sp>
         <p:nvSpPr>
-          <p:cNvPr id="80" name="PlaceHolder 3"/>
+          <p:cNvPr id="74" name="PlaceHolder 3"/>
           <p:cNvSpPr>
             <a:spLocks noGrp="1"/>
           </p:cNvSpPr>
@@ -171,7 +171,7 @@
                 </a:uFill>
                 <a:latin typeface="Times New Roman"/>
               </a:rPr>
-              <a:t>&lt;date/time&gt;</a:t>
+              <a:t> </a:t>
             </a:r>
             <a:endParaRPr b="0" lang="en-GB" sz="1400" spc="-1" strike="noStrike">
               <a:solidFill>
@@ -189,7 +189,7 @@
       </p:sp>
       <p:sp>
         <p:nvSpPr>
-          <p:cNvPr id="81" name="PlaceHolder 4"/>
+          <p:cNvPr id="75" name="PlaceHolder 4"/>
           <p:cNvSpPr>
             <a:spLocks noGrp="1"/>
           </p:cNvSpPr>
@@ -221,7 +221,7 @@
                 </a:uFill>
                 <a:latin typeface="Times New Roman"/>
               </a:rPr>
-              <a:t>&lt;footer&gt;</a:t>
+              <a:t> </a:t>
             </a:r>
             <a:endParaRPr b="0" lang="en-GB" sz="1400" spc="-1" strike="noStrike">
               <a:solidFill>
@@ -239,7 +239,7 @@
       </p:sp>
       <p:sp>
         <p:nvSpPr>
-          <p:cNvPr id="82" name="PlaceHolder 5"/>
+          <p:cNvPr id="76" name="PlaceHolder 5"/>
           <p:cNvSpPr>
             <a:spLocks noGrp="1"/>
           </p:cNvSpPr>
@@ -260,7 +260,7 @@
           <a:bodyPr lIns="0" rIns="0" tIns="0" bIns="0" anchor="b"/>
           <a:p>
             <a:pPr algn="r"/>
-            <a:fld id="{3685ADE3-B128-4B80-8E01-A2B965B602DC}" type="slidenum">
+            <a:fld id="{652CD317-1F6D-4419-8E4E-1EDDAB6CC426}" type="slidenum">
               <a:rPr b="0" lang="en-GB" sz="1400" spc="-1" strike="noStrike">
                 <a:solidFill>
                   <a:srgbClr val="000000"/>
@@ -272,7 +272,7 @@
                 </a:uFill>
                 <a:latin typeface="Times New Roman"/>
               </a:rPr>
-              <a:t>&lt;number&gt;</a:t>
+              <a:t>1</a:t>
             </a:fld>
             <a:endParaRPr b="0" lang="en-GB" sz="1400" spc="-1" strike="noStrike">
               <a:solidFill>
@@ -313,14 +313,14 @@
       </p:grpSpPr>
       <p:sp>
         <p:nvSpPr>
-          <p:cNvPr id="92" name="TextShape 1"/>
-          <p:cNvSpPr txBox="1"/>
+          <p:cNvPr id="104" name="CustomShape 1"/>
+          <p:cNvSpPr/>
           <p:nvPr/>
         </p:nvSpPr>
         <p:spPr>
           <a:xfrm>
             <a:off x="4278240" y="10156680"/>
-            <a:ext cx="3279240" cy="533160"/>
+            <a:ext cx="3278880" cy="532800"/>
           </a:xfrm>
           <a:prstGeom prst="rect">
             <a:avLst/>
@@ -330,6 +330,12 @@
             <a:noFill/>
           </a:ln>
         </p:spPr>
+        <p:style>
+          <a:lnRef idx="0"/>
+          <a:fillRef idx="0"/>
+          <a:effectRef idx="0"/>
+          <a:fontRef idx="minor"/>
+        </p:style>
         <p:txBody>
           <a:bodyPr lIns="0" rIns="0" tIns="0" bIns="0" anchor="b"/>
           <a:p>
@@ -338,7 +344,7 @@
                 <a:spcPct val="100000"/>
               </a:lnSpc>
             </a:pPr>
-            <a:fld id="{6EBA4BC9-7615-418B-825A-07F4FF0A83F0}" type="slidenum">
+            <a:fld id="{9F59C1E5-B448-4B18-A058-C48B2148856E}" type="slidenum">
               <a:rPr b="0" lang="en-GB" sz="1400" spc="-1" strike="noStrike">
                 <a:solidFill>
                   <a:srgbClr val="000000"/>
@@ -351,25 +357,25 @@
                 <a:latin typeface="Times New Roman"/>
                 <a:ea typeface="DejaVu Sans"/>
               </a:rPr>
-              <a:t>&lt;number&gt;</a:t>
+              <a:t>1</a:t>
             </a:fld>
-            <a:endParaRPr b="0" lang="en-GB" sz="1400" spc="-1" strike="noStrike">
-              <a:solidFill>
-                <a:srgbClr val="000000"/>
-              </a:solidFill>
-              <a:uFill>
-                <a:solidFill>
-                  <a:srgbClr val="ffffff"/>
-                </a:solidFill>
-              </a:uFill>
-              <a:latin typeface="Times New Roman"/>
+            <a:endParaRPr b="0" lang="en-GB" sz="1800" spc="-1" strike="noStrike">
+              <a:solidFill>
+                <a:srgbClr val="000000"/>
+              </a:solidFill>
+              <a:uFill>
+                <a:solidFill>
+                  <a:srgbClr val="ffffff"/>
+                </a:solidFill>
+              </a:uFill>
+              <a:latin typeface="Arial"/>
             </a:endParaRPr>
           </a:p>
         </p:txBody>
       </p:sp>
       <p:sp>
         <p:nvSpPr>
-          <p:cNvPr id="93" name="PlaceHolder 2"/>
+          <p:cNvPr id="105" name="PlaceHolder 2"/>
           <p:cNvSpPr>
             <a:spLocks noGrp="1"/>
           </p:cNvSpPr>
@@ -380,7 +386,7 @@
         <p:spPr>
           <a:xfrm>
             <a:off x="755640" y="5078520"/>
-            <a:ext cx="6048000" cy="4811400"/>
+            <a:ext cx="6047640" cy="4811040"/>
           </a:xfrm>
           <a:prstGeom prst="rect">
             <a:avLst/>
@@ -427,14 +433,14 @@
       </p:grpSpPr>
       <p:sp>
         <p:nvSpPr>
-          <p:cNvPr id="94" name="TextShape 1"/>
-          <p:cNvSpPr txBox="1"/>
+          <p:cNvPr id="106" name="CustomShape 1"/>
+          <p:cNvSpPr/>
           <p:nvPr/>
         </p:nvSpPr>
         <p:spPr>
           <a:xfrm>
             <a:off x="4278240" y="10156680"/>
-            <a:ext cx="3279240" cy="533160"/>
+            <a:ext cx="3278880" cy="532800"/>
           </a:xfrm>
           <a:prstGeom prst="rect">
             <a:avLst/>
@@ -444,6 +450,12 @@
             <a:noFill/>
           </a:ln>
         </p:spPr>
+        <p:style>
+          <a:lnRef idx="0"/>
+          <a:fillRef idx="0"/>
+          <a:effectRef idx="0"/>
+          <a:fontRef idx="minor"/>
+        </p:style>
         <p:txBody>
           <a:bodyPr lIns="0" rIns="0" tIns="0" bIns="0" anchor="b"/>
           <a:p>
@@ -452,7 +464,7 @@
                 <a:spcPct val="100000"/>
               </a:lnSpc>
             </a:pPr>
-            <a:fld id="{522B44F1-73D6-48BC-8BD3-FD46E916C0C7}" type="slidenum">
+            <a:fld id="{E95AFED9-5088-412B-89A2-F5156A3EE229}" type="slidenum">
               <a:rPr b="0" lang="en-GB" sz="1400" spc="-1" strike="noStrike">
                 <a:solidFill>
                   <a:srgbClr val="000000"/>
@@ -465,25 +477,25 @@
                 <a:latin typeface="Times New Roman"/>
                 <a:ea typeface="DejaVu Sans"/>
               </a:rPr>
-              <a:t>&lt;number&gt;</a:t>
+              <a:t>1</a:t>
             </a:fld>
-            <a:endParaRPr b="0" lang="en-GB" sz="1400" spc="-1" strike="noStrike">
-              <a:solidFill>
-                <a:srgbClr val="000000"/>
-              </a:solidFill>
-              <a:uFill>
-                <a:solidFill>
-                  <a:srgbClr val="ffffff"/>
-                </a:solidFill>
-              </a:uFill>
-              <a:latin typeface="Times New Roman"/>
+            <a:endParaRPr b="0" lang="en-GB" sz="1800" spc="-1" strike="noStrike">
+              <a:solidFill>
+                <a:srgbClr val="000000"/>
+              </a:solidFill>
+              <a:uFill>
+                <a:solidFill>
+                  <a:srgbClr val="ffffff"/>
+                </a:solidFill>
+              </a:uFill>
+              <a:latin typeface="Arial"/>
             </a:endParaRPr>
           </a:p>
         </p:txBody>
       </p:sp>
       <p:sp>
         <p:nvSpPr>
-          <p:cNvPr id="95" name="PlaceHolder 2"/>
+          <p:cNvPr id="107" name="PlaceHolder 2"/>
           <p:cNvSpPr>
             <a:spLocks noGrp="1"/>
           </p:cNvSpPr>
@@ -494,7 +506,7 @@
         <p:spPr>
           <a:xfrm>
             <a:off x="755640" y="5078520"/>
-            <a:ext cx="6048000" cy="4811400"/>
+            <a:ext cx="6047640" cy="4811040"/>
           </a:xfrm>
           <a:prstGeom prst="rect">
             <a:avLst/>
@@ -541,14 +553,14 @@
       </p:grpSpPr>
       <p:sp>
         <p:nvSpPr>
-          <p:cNvPr id="96" name="TextShape 1"/>
-          <p:cNvSpPr txBox="1"/>
+          <p:cNvPr id="108" name="CustomShape 1"/>
+          <p:cNvSpPr/>
           <p:nvPr/>
         </p:nvSpPr>
         <p:spPr>
           <a:xfrm>
             <a:off x="4278240" y="10156680"/>
-            <a:ext cx="3279240" cy="533160"/>
+            <a:ext cx="3278880" cy="532800"/>
           </a:xfrm>
           <a:prstGeom prst="rect">
             <a:avLst/>
@@ -558,6 +570,12 @@
             <a:noFill/>
           </a:ln>
         </p:spPr>
+        <p:style>
+          <a:lnRef idx="0"/>
+          <a:fillRef idx="0"/>
+          <a:effectRef idx="0"/>
+          <a:fontRef idx="minor"/>
+        </p:style>
         <p:txBody>
           <a:bodyPr lIns="0" rIns="0" tIns="0" bIns="0" anchor="b"/>
           <a:p>
@@ -566,7 +584,7 @@
                 <a:spcPct val="100000"/>
               </a:lnSpc>
             </a:pPr>
-            <a:fld id="{C6C59D0B-45F3-4A2A-A9D8-932294BCFCFC}" type="slidenum">
+            <a:fld id="{8888AA3A-116B-4307-B8D6-51A773638C69}" type="slidenum">
               <a:rPr b="0" lang="en-GB" sz="1400" spc="-1" strike="noStrike">
                 <a:solidFill>
                   <a:srgbClr val="000000"/>
@@ -579,25 +597,25 @@
                 <a:latin typeface="Times New Roman"/>
                 <a:ea typeface="DejaVu Sans"/>
               </a:rPr>
-              <a:t>&lt;number&gt;</a:t>
+              <a:t>1</a:t>
             </a:fld>
-            <a:endParaRPr b="0" lang="en-GB" sz="1400" spc="-1" strike="noStrike">
-              <a:solidFill>
-                <a:srgbClr val="000000"/>
-              </a:solidFill>
-              <a:uFill>
-                <a:solidFill>
-                  <a:srgbClr val="ffffff"/>
-                </a:solidFill>
-              </a:uFill>
-              <a:latin typeface="Times New Roman"/>
+            <a:endParaRPr b="0" lang="en-GB" sz="1800" spc="-1" strike="noStrike">
+              <a:solidFill>
+                <a:srgbClr val="000000"/>
+              </a:solidFill>
+              <a:uFill>
+                <a:solidFill>
+                  <a:srgbClr val="ffffff"/>
+                </a:solidFill>
+              </a:uFill>
+              <a:latin typeface="Arial"/>
             </a:endParaRPr>
           </a:p>
         </p:txBody>
       </p:sp>
       <p:sp>
         <p:nvSpPr>
-          <p:cNvPr id="97" name="PlaceHolder 2"/>
+          <p:cNvPr id="109" name="PlaceHolder 2"/>
           <p:cNvSpPr>
             <a:spLocks noGrp="1"/>
           </p:cNvSpPr>
@@ -608,7 +626,7 @@
         <p:spPr>
           <a:xfrm>
             <a:off x="755640" y="5078520"/>
-            <a:ext cx="6048000" cy="4811400"/>
+            <a:ext cx="6047640" cy="4811040"/>
           </a:xfrm>
           <a:prstGeom prst="rect">
             <a:avLst/>
@@ -655,14 +673,14 @@
       </p:grpSpPr>
       <p:sp>
         <p:nvSpPr>
-          <p:cNvPr id="98" name="TextShape 1"/>
-          <p:cNvSpPr txBox="1"/>
+          <p:cNvPr id="110" name="CustomShape 1"/>
+          <p:cNvSpPr/>
           <p:nvPr/>
         </p:nvSpPr>
         <p:spPr>
           <a:xfrm>
             <a:off x="4278240" y="10156680"/>
-            <a:ext cx="3279240" cy="533160"/>
+            <a:ext cx="3278880" cy="532800"/>
           </a:xfrm>
           <a:prstGeom prst="rect">
             <a:avLst/>
@@ -672,6 +690,12 @@
             <a:noFill/>
           </a:ln>
         </p:spPr>
+        <p:style>
+          <a:lnRef idx="0"/>
+          <a:fillRef idx="0"/>
+          <a:effectRef idx="0"/>
+          <a:fontRef idx="minor"/>
+        </p:style>
         <p:txBody>
           <a:bodyPr lIns="0" rIns="0" tIns="0" bIns="0" anchor="b"/>
           <a:p>
@@ -680,7 +704,7 @@
                 <a:spcPct val="100000"/>
               </a:lnSpc>
             </a:pPr>
-            <a:fld id="{A71F2DB8-7CA7-412C-BD17-BBA912E1FFB6}" type="slidenum">
+            <a:fld id="{FC5299F1-98B2-4382-A9C3-6E7099F3E142}" type="slidenum">
               <a:rPr b="0" lang="en-GB" sz="1400" spc="-1" strike="noStrike">
                 <a:solidFill>
                   <a:srgbClr val="000000"/>
@@ -693,25 +717,25 @@
                 <a:latin typeface="Times New Roman"/>
                 <a:ea typeface="DejaVu Sans"/>
               </a:rPr>
-              <a:t>&lt;number&gt;</a:t>
+              <a:t>1</a:t>
             </a:fld>
-            <a:endParaRPr b="0" lang="en-GB" sz="1400" spc="-1" strike="noStrike">
-              <a:solidFill>
-                <a:srgbClr val="000000"/>
-              </a:solidFill>
-              <a:uFill>
-                <a:solidFill>
-                  <a:srgbClr val="ffffff"/>
-                </a:solidFill>
-              </a:uFill>
-              <a:latin typeface="Times New Roman"/>
+            <a:endParaRPr b="0" lang="en-GB" sz="1800" spc="-1" strike="noStrike">
+              <a:solidFill>
+                <a:srgbClr val="000000"/>
+              </a:solidFill>
+              <a:uFill>
+                <a:solidFill>
+                  <a:srgbClr val="ffffff"/>
+                </a:solidFill>
+              </a:uFill>
+              <a:latin typeface="Arial"/>
             </a:endParaRPr>
           </a:p>
         </p:txBody>
       </p:sp>
       <p:sp>
         <p:nvSpPr>
-          <p:cNvPr id="99" name="PlaceHolder 2"/>
+          <p:cNvPr id="111" name="PlaceHolder 2"/>
           <p:cNvSpPr>
             <a:spLocks noGrp="1"/>
           </p:cNvSpPr>
@@ -722,7 +746,7 @@
         <p:spPr>
           <a:xfrm>
             <a:off x="755640" y="5078520"/>
-            <a:ext cx="6048000" cy="4811400"/>
+            <a:ext cx="6047640" cy="4811040"/>
           </a:xfrm>
           <a:prstGeom prst="rect">
             <a:avLst/>
@@ -791,7 +815,7 @@
       </p:grpSpPr>
       <p:sp>
         <p:nvSpPr>
-          <p:cNvPr id="26" name="PlaceHolder 1"/>
+          <p:cNvPr id="23" name="PlaceHolder 1"/>
           <p:cNvSpPr>
             <a:spLocks noGrp="1"/>
           </p:cNvSpPr>
@@ -801,8 +825,8 @@
         </p:nvSpPr>
         <p:spPr>
           <a:xfrm>
-            <a:off x="503280" y="301680"/>
-            <a:ext cx="9069120" cy="1260000"/>
+            <a:off x="504000" y="301320"/>
+            <a:ext cx="9072000" cy="1261800"/>
           </a:xfrm>
           <a:prstGeom prst="rect">
             <a:avLst/>
@@ -811,6 +835,7 @@
         <p:txBody>
           <a:bodyPr lIns="0" rIns="0" tIns="0" bIns="0" anchor="ctr"/>
           <a:p>
+            <a:pPr algn="ctr"/>
             <a:endParaRPr b="0" lang="en-GB" sz="4400" spc="-1" strike="noStrike">
               <a:solidFill>
                 <a:srgbClr val="000000"/>
@@ -827,7 +852,7 @@
       </p:sp>
       <p:sp>
         <p:nvSpPr>
-          <p:cNvPr id="27" name="PlaceHolder 2"/>
+          <p:cNvPr id="24" name="PlaceHolder 2"/>
           <p:cNvSpPr>
             <a:spLocks noGrp="1"/>
           </p:cNvSpPr>
@@ -837,8 +862,8 @@
         </p:nvSpPr>
         <p:spPr>
           <a:xfrm>
-            <a:off x="503280" y="1768320"/>
-            <a:ext cx="9069120" cy="2090160"/>
+            <a:off x="504000" y="1768680"/>
+            <a:ext cx="9072000" cy="2090880"/>
           </a:xfrm>
           <a:prstGeom prst="rect">
             <a:avLst/>
@@ -863,7 +888,7 @@
       </p:sp>
       <p:sp>
         <p:nvSpPr>
-          <p:cNvPr id="28" name="PlaceHolder 3"/>
+          <p:cNvPr id="25" name="PlaceHolder 3"/>
           <p:cNvSpPr>
             <a:spLocks noGrp="1"/>
           </p:cNvSpPr>
@@ -873,8 +898,8 @@
         </p:nvSpPr>
         <p:spPr>
           <a:xfrm>
-            <a:off x="503280" y="4057560"/>
-            <a:ext cx="9069120" cy="2090160"/>
+            <a:off x="504000" y="4058640"/>
+            <a:ext cx="9072000" cy="2090880"/>
           </a:xfrm>
           <a:prstGeom prst="rect">
             <a:avLst/>
@@ -921,7 +946,7 @@
       </p:grpSpPr>
       <p:sp>
         <p:nvSpPr>
-          <p:cNvPr id="29" name="PlaceHolder 1"/>
+          <p:cNvPr id="26" name="PlaceHolder 1"/>
           <p:cNvSpPr>
             <a:spLocks noGrp="1"/>
           </p:cNvSpPr>
@@ -931,8 +956,8 @@
         </p:nvSpPr>
         <p:spPr>
           <a:xfrm>
-            <a:off x="503280" y="301680"/>
-            <a:ext cx="9069120" cy="1260000"/>
+            <a:off x="504000" y="301320"/>
+            <a:ext cx="9072000" cy="1261800"/>
           </a:xfrm>
           <a:prstGeom prst="rect">
             <a:avLst/>
@@ -941,6 +966,7 @@
         <p:txBody>
           <a:bodyPr lIns="0" rIns="0" tIns="0" bIns="0" anchor="ctr"/>
           <a:p>
+            <a:pPr algn="ctr"/>
             <a:endParaRPr b="0" lang="en-GB" sz="4400" spc="-1" strike="noStrike">
               <a:solidFill>
                 <a:srgbClr val="000000"/>
@@ -957,7 +983,7 @@
       </p:sp>
       <p:sp>
         <p:nvSpPr>
-          <p:cNvPr id="30" name="PlaceHolder 2"/>
+          <p:cNvPr id="27" name="PlaceHolder 2"/>
           <p:cNvSpPr>
             <a:spLocks noGrp="1"/>
           </p:cNvSpPr>
@@ -967,8 +993,8 @@
         </p:nvSpPr>
         <p:spPr>
           <a:xfrm>
-            <a:off x="503280" y="1768320"/>
-            <a:ext cx="4425480" cy="2090160"/>
+            <a:off x="504000" y="1768680"/>
+            <a:ext cx="4426920" cy="2090880"/>
           </a:xfrm>
           <a:prstGeom prst="rect">
             <a:avLst/>
@@ -993,7 +1019,7 @@
       </p:sp>
       <p:sp>
         <p:nvSpPr>
-          <p:cNvPr id="31" name="PlaceHolder 3"/>
+          <p:cNvPr id="28" name="PlaceHolder 3"/>
           <p:cNvSpPr>
             <a:spLocks noGrp="1"/>
           </p:cNvSpPr>
@@ -1003,8 +1029,8 @@
         </p:nvSpPr>
         <p:spPr>
           <a:xfrm>
-            <a:off x="5150520" y="1768320"/>
-            <a:ext cx="4425480" cy="2090160"/>
+            <a:off x="5152680" y="1768680"/>
+            <a:ext cx="4426920" cy="2090880"/>
           </a:xfrm>
           <a:prstGeom prst="rect">
             <a:avLst/>
@@ -1029,7 +1055,7 @@
       </p:sp>
       <p:sp>
         <p:nvSpPr>
-          <p:cNvPr id="32" name="PlaceHolder 4"/>
+          <p:cNvPr id="29" name="PlaceHolder 4"/>
           <p:cNvSpPr>
             <a:spLocks noGrp="1"/>
           </p:cNvSpPr>
@@ -1039,8 +1065,8 @@
         </p:nvSpPr>
         <p:spPr>
           <a:xfrm>
-            <a:off x="5150520" y="4057560"/>
-            <a:ext cx="4425480" cy="2090160"/>
+            <a:off x="5152680" y="4058640"/>
+            <a:ext cx="4426920" cy="2090880"/>
           </a:xfrm>
           <a:prstGeom prst="rect">
             <a:avLst/>
@@ -1065,7 +1091,7 @@
       </p:sp>
       <p:sp>
         <p:nvSpPr>
-          <p:cNvPr id="33" name="PlaceHolder 5"/>
+          <p:cNvPr id="30" name="PlaceHolder 5"/>
           <p:cNvSpPr>
             <a:spLocks noGrp="1"/>
           </p:cNvSpPr>
@@ -1075,8 +1101,8 @@
         </p:nvSpPr>
         <p:spPr>
           <a:xfrm>
-            <a:off x="503280" y="4057560"/>
-            <a:ext cx="4425480" cy="2090160"/>
+            <a:off x="504000" y="4058640"/>
+            <a:ext cx="4426920" cy="2090880"/>
           </a:xfrm>
           <a:prstGeom prst="rect">
             <a:avLst/>
@@ -1123,7 +1149,7 @@
       </p:grpSpPr>
       <p:sp>
         <p:nvSpPr>
-          <p:cNvPr id="34" name="PlaceHolder 1"/>
+          <p:cNvPr id="31" name="PlaceHolder 1"/>
           <p:cNvSpPr>
             <a:spLocks noGrp="1"/>
           </p:cNvSpPr>
@@ -1133,8 +1159,8 @@
         </p:nvSpPr>
         <p:spPr>
           <a:xfrm>
-            <a:off x="503280" y="301680"/>
-            <a:ext cx="9069120" cy="1260000"/>
+            <a:off x="504000" y="301320"/>
+            <a:ext cx="9072000" cy="1261800"/>
           </a:xfrm>
           <a:prstGeom prst="rect">
             <a:avLst/>
@@ -1143,6 +1169,7 @@
         <p:txBody>
           <a:bodyPr lIns="0" rIns="0" tIns="0" bIns="0" anchor="ctr"/>
           <a:p>
+            <a:pPr algn="ctr"/>
             <a:endParaRPr b="0" lang="en-GB" sz="4400" spc="-1" strike="noStrike">
               <a:solidFill>
                 <a:srgbClr val="000000"/>
@@ -1159,7 +1186,7 @@
       </p:sp>
       <p:sp>
         <p:nvSpPr>
-          <p:cNvPr id="35" name="PlaceHolder 2"/>
+          <p:cNvPr id="32" name="PlaceHolder 2"/>
           <p:cNvSpPr>
             <a:spLocks noGrp="1"/>
           </p:cNvSpPr>
@@ -1169,8 +1196,8 @@
         </p:nvSpPr>
         <p:spPr>
           <a:xfrm>
-            <a:off x="503280" y="1768320"/>
-            <a:ext cx="9069120" cy="4382640"/>
+            <a:off x="504000" y="1768680"/>
+            <a:ext cx="9072000" cy="4384080"/>
           </a:xfrm>
           <a:prstGeom prst="rect">
             <a:avLst/>
@@ -1195,7 +1222,7 @@
       </p:sp>
       <p:sp>
         <p:nvSpPr>
-          <p:cNvPr id="36" name="PlaceHolder 3"/>
+          <p:cNvPr id="33" name="PlaceHolder 3"/>
           <p:cNvSpPr>
             <a:spLocks noGrp="1"/>
           </p:cNvSpPr>
@@ -1205,8 +1232,8 @@
         </p:nvSpPr>
         <p:spPr>
           <a:xfrm>
-            <a:off x="503280" y="1768320"/>
-            <a:ext cx="9069120" cy="4382640"/>
+            <a:off x="504000" y="1768680"/>
+            <a:ext cx="9072000" cy="4384080"/>
           </a:xfrm>
           <a:prstGeom prst="rect">
             <a:avLst/>
@@ -1231,7 +1258,7 @@
       </p:sp>
       <p:pic>
         <p:nvPicPr>
-          <p:cNvPr id="37" name="" descr=""/>
+          <p:cNvPr id="34" name="" descr=""/>
           <p:cNvPicPr/>
           <p:nvPr/>
         </p:nvPicPr>
@@ -1241,8 +1268,8 @@
         </p:blipFill>
         <p:spPr>
           <a:xfrm>
-            <a:off x="2291400" y="1768320"/>
-            <a:ext cx="5492880" cy="4382640"/>
+            <a:off x="2292480" y="1768680"/>
+            <a:ext cx="5494680" cy="4384080"/>
           </a:xfrm>
           <a:prstGeom prst="rect">
             <a:avLst/>
@@ -1254,7 +1281,7 @@
       </p:pic>
       <p:pic>
         <p:nvPicPr>
-          <p:cNvPr id="38" name="" descr=""/>
+          <p:cNvPr id="35" name="" descr=""/>
           <p:cNvPicPr/>
           <p:nvPr/>
         </p:nvPicPr>
@@ -1264,8 +1291,8 @@
         </p:blipFill>
         <p:spPr>
           <a:xfrm>
-            <a:off x="2291400" y="1768320"/>
-            <a:ext cx="5492880" cy="4382640"/>
+            <a:off x="2292480" y="1768680"/>
+            <a:ext cx="5494680" cy="4384080"/>
           </a:xfrm>
           <a:prstGeom prst="rect">
             <a:avLst/>
@@ -1321,7 +1348,7 @@
       </p:grpSpPr>
       <p:sp>
         <p:nvSpPr>
-          <p:cNvPr id="44" name="PlaceHolder 1"/>
+          <p:cNvPr id="38" name="PlaceHolder 1"/>
           <p:cNvSpPr>
             <a:spLocks noGrp="1"/>
           </p:cNvSpPr>
@@ -1331,8 +1358,8 @@
         </p:nvSpPr>
         <p:spPr>
           <a:xfrm>
-            <a:off x="503280" y="301680"/>
-            <a:ext cx="9069120" cy="1260000"/>
+            <a:off x="504000" y="301320"/>
+            <a:ext cx="9072000" cy="1261800"/>
           </a:xfrm>
           <a:prstGeom prst="rect">
             <a:avLst/>
@@ -1341,6 +1368,7 @@
         <p:txBody>
           <a:bodyPr lIns="0" rIns="0" tIns="0" bIns="0" anchor="ctr"/>
           <a:p>
+            <a:pPr algn="ctr"/>
             <a:endParaRPr b="0" lang="en-GB" sz="4400" spc="-1" strike="noStrike">
               <a:solidFill>
                 <a:srgbClr val="000000"/>
@@ -1357,7 +1385,7 @@
       </p:sp>
       <p:sp>
         <p:nvSpPr>
-          <p:cNvPr id="45" name="PlaceHolder 2"/>
+          <p:cNvPr id="39" name="PlaceHolder 2"/>
           <p:cNvSpPr>
             <a:spLocks noGrp="1"/>
           </p:cNvSpPr>
@@ -1367,8 +1395,8 @@
         </p:nvSpPr>
         <p:spPr>
           <a:xfrm>
-            <a:off x="503280" y="1768320"/>
-            <a:ext cx="9069120" cy="4382640"/>
+            <a:off x="504000" y="1768680"/>
+            <a:ext cx="9072000" cy="4384080"/>
           </a:xfrm>
           <a:prstGeom prst="rect">
             <a:avLst/>
@@ -1416,7 +1444,7 @@
       </p:grpSpPr>
       <p:sp>
         <p:nvSpPr>
-          <p:cNvPr id="46" name="PlaceHolder 1"/>
+          <p:cNvPr id="40" name="PlaceHolder 1"/>
           <p:cNvSpPr>
             <a:spLocks noGrp="1"/>
           </p:cNvSpPr>
@@ -1426,8 +1454,8 @@
         </p:nvSpPr>
         <p:spPr>
           <a:xfrm>
-            <a:off x="503280" y="301680"/>
-            <a:ext cx="9069120" cy="1260000"/>
+            <a:off x="504000" y="301320"/>
+            <a:ext cx="9072000" cy="1261800"/>
           </a:xfrm>
           <a:prstGeom prst="rect">
             <a:avLst/>
@@ -1436,6 +1464,7 @@
         <p:txBody>
           <a:bodyPr lIns="0" rIns="0" tIns="0" bIns="0" anchor="ctr"/>
           <a:p>
+            <a:pPr algn="ctr"/>
             <a:endParaRPr b="0" lang="en-GB" sz="4400" spc="-1" strike="noStrike">
               <a:solidFill>
                 <a:srgbClr val="000000"/>
@@ -1452,7 +1481,7 @@
       </p:sp>
       <p:sp>
         <p:nvSpPr>
-          <p:cNvPr id="47" name="PlaceHolder 2"/>
+          <p:cNvPr id="41" name="PlaceHolder 2"/>
           <p:cNvSpPr>
             <a:spLocks noGrp="1"/>
           </p:cNvSpPr>
@@ -1462,8 +1491,8 @@
         </p:nvSpPr>
         <p:spPr>
           <a:xfrm>
-            <a:off x="503280" y="1768320"/>
-            <a:ext cx="9069120" cy="4382640"/>
+            <a:off x="504000" y="1768680"/>
+            <a:ext cx="9072000" cy="4384080"/>
           </a:xfrm>
           <a:prstGeom prst="rect">
             <a:avLst/>
@@ -1510,7 +1539,7 @@
       </p:grpSpPr>
       <p:sp>
         <p:nvSpPr>
-          <p:cNvPr id="48" name="PlaceHolder 1"/>
+          <p:cNvPr id="42" name="PlaceHolder 1"/>
           <p:cNvSpPr>
             <a:spLocks noGrp="1"/>
           </p:cNvSpPr>
@@ -1520,8 +1549,8 @@
         </p:nvSpPr>
         <p:spPr>
           <a:xfrm>
-            <a:off x="503280" y="301680"/>
-            <a:ext cx="9069120" cy="1260000"/>
+            <a:off x="504000" y="301320"/>
+            <a:ext cx="9072000" cy="1261800"/>
           </a:xfrm>
           <a:prstGeom prst="rect">
             <a:avLst/>
@@ -1530,6 +1559,7 @@
         <p:txBody>
           <a:bodyPr lIns="0" rIns="0" tIns="0" bIns="0" anchor="ctr"/>
           <a:p>
+            <a:pPr algn="ctr"/>
             <a:endParaRPr b="0" lang="en-GB" sz="4400" spc="-1" strike="noStrike">
               <a:solidFill>
                 <a:srgbClr val="000000"/>
@@ -1546,7 +1576,7 @@
       </p:sp>
       <p:sp>
         <p:nvSpPr>
-          <p:cNvPr id="49" name="PlaceHolder 2"/>
+          <p:cNvPr id="43" name="PlaceHolder 2"/>
           <p:cNvSpPr>
             <a:spLocks noGrp="1"/>
           </p:cNvSpPr>
@@ -1556,8 +1586,8 @@
         </p:nvSpPr>
         <p:spPr>
           <a:xfrm>
-            <a:off x="503280" y="1768320"/>
-            <a:ext cx="4425480" cy="4382640"/>
+            <a:off x="504000" y="1768680"/>
+            <a:ext cx="4426920" cy="4384080"/>
           </a:xfrm>
           <a:prstGeom prst="rect">
             <a:avLst/>
@@ -1582,7 +1612,7 @@
       </p:sp>
       <p:sp>
         <p:nvSpPr>
-          <p:cNvPr id="50" name="PlaceHolder 3"/>
+          <p:cNvPr id="44" name="PlaceHolder 3"/>
           <p:cNvSpPr>
             <a:spLocks noGrp="1"/>
           </p:cNvSpPr>
@@ -1592,8 +1622,8 @@
         </p:nvSpPr>
         <p:spPr>
           <a:xfrm>
-            <a:off x="5150520" y="1768320"/>
-            <a:ext cx="4425480" cy="4382640"/>
+            <a:off x="5152680" y="1768680"/>
+            <a:ext cx="4426920" cy="4384080"/>
           </a:xfrm>
           <a:prstGeom prst="rect">
             <a:avLst/>
@@ -1640,7 +1670,7 @@
       </p:grpSpPr>
       <p:sp>
         <p:nvSpPr>
-          <p:cNvPr id="51" name="PlaceHolder 1"/>
+          <p:cNvPr id="45" name="PlaceHolder 1"/>
           <p:cNvSpPr>
             <a:spLocks noGrp="1"/>
           </p:cNvSpPr>
@@ -1650,8 +1680,8 @@
         </p:nvSpPr>
         <p:spPr>
           <a:xfrm>
-            <a:off x="503280" y="301680"/>
-            <a:ext cx="9069120" cy="1260000"/>
+            <a:off x="504000" y="301320"/>
+            <a:ext cx="9072000" cy="1261800"/>
           </a:xfrm>
           <a:prstGeom prst="rect">
             <a:avLst/>
@@ -1660,6 +1690,7 @@
         <p:txBody>
           <a:bodyPr lIns="0" rIns="0" tIns="0" bIns="0" anchor="ctr"/>
           <a:p>
+            <a:pPr algn="ctr"/>
             <a:endParaRPr b="0" lang="en-GB" sz="4400" spc="-1" strike="noStrike">
               <a:solidFill>
                 <a:srgbClr val="000000"/>
@@ -1698,7 +1729,7 @@
       </p:grpSpPr>
       <p:sp>
         <p:nvSpPr>
-          <p:cNvPr id="52" name="PlaceHolder 1"/>
+          <p:cNvPr id="46" name="PlaceHolder 1"/>
           <p:cNvSpPr>
             <a:spLocks noGrp="1"/>
           </p:cNvSpPr>
@@ -1708,8 +1739,8 @@
         </p:nvSpPr>
         <p:spPr>
           <a:xfrm>
-            <a:off x="503280" y="301680"/>
-            <a:ext cx="9069120" cy="5842080"/>
+            <a:off x="504000" y="301320"/>
+            <a:ext cx="9072000" cy="5850360"/>
           </a:xfrm>
           <a:prstGeom prst="rect">
             <a:avLst/>
@@ -1757,7 +1788,7 @@
       </p:grpSpPr>
       <p:sp>
         <p:nvSpPr>
-          <p:cNvPr id="53" name="PlaceHolder 1"/>
+          <p:cNvPr id="47" name="PlaceHolder 1"/>
           <p:cNvSpPr>
             <a:spLocks noGrp="1"/>
           </p:cNvSpPr>
@@ -1767,8 +1798,8 @@
         </p:nvSpPr>
         <p:spPr>
           <a:xfrm>
-            <a:off x="503280" y="301680"/>
-            <a:ext cx="9069120" cy="1260000"/>
+            <a:off x="504000" y="301320"/>
+            <a:ext cx="9072000" cy="1261800"/>
           </a:xfrm>
           <a:prstGeom prst="rect">
             <a:avLst/>
@@ -1777,6 +1808,7 @@
         <p:txBody>
           <a:bodyPr lIns="0" rIns="0" tIns="0" bIns="0" anchor="ctr"/>
           <a:p>
+            <a:pPr algn="ctr"/>
             <a:endParaRPr b="0" lang="en-GB" sz="4400" spc="-1" strike="noStrike">
               <a:solidFill>
                 <a:srgbClr val="000000"/>
@@ -1793,7 +1825,7 @@
       </p:sp>
       <p:sp>
         <p:nvSpPr>
-          <p:cNvPr id="54" name="PlaceHolder 2"/>
+          <p:cNvPr id="48" name="PlaceHolder 2"/>
           <p:cNvSpPr>
             <a:spLocks noGrp="1"/>
           </p:cNvSpPr>
@@ -1803,8 +1835,8 @@
         </p:nvSpPr>
         <p:spPr>
           <a:xfrm>
-            <a:off x="503280" y="1768320"/>
-            <a:ext cx="4425480" cy="2090160"/>
+            <a:off x="504000" y="1768680"/>
+            <a:ext cx="4426920" cy="2090880"/>
           </a:xfrm>
           <a:prstGeom prst="rect">
             <a:avLst/>
@@ -1829,7 +1861,7 @@
       </p:sp>
       <p:sp>
         <p:nvSpPr>
-          <p:cNvPr id="55" name="PlaceHolder 3"/>
+          <p:cNvPr id="49" name="PlaceHolder 3"/>
           <p:cNvSpPr>
             <a:spLocks noGrp="1"/>
           </p:cNvSpPr>
@@ -1839,8 +1871,8 @@
         </p:nvSpPr>
         <p:spPr>
           <a:xfrm>
-            <a:off x="503280" y="4057560"/>
-            <a:ext cx="4425480" cy="2090160"/>
+            <a:off x="504000" y="4058640"/>
+            <a:ext cx="4426920" cy="2090880"/>
           </a:xfrm>
           <a:prstGeom prst="rect">
             <a:avLst/>
@@ -1865,7 +1897,7 @@
       </p:sp>
       <p:sp>
         <p:nvSpPr>
-          <p:cNvPr id="56" name="PlaceHolder 4"/>
+          <p:cNvPr id="50" name="PlaceHolder 4"/>
           <p:cNvSpPr>
             <a:spLocks noGrp="1"/>
           </p:cNvSpPr>
@@ -1875,8 +1907,8 @@
         </p:nvSpPr>
         <p:spPr>
           <a:xfrm>
-            <a:off x="5150520" y="1768320"/>
-            <a:ext cx="4425480" cy="4382640"/>
+            <a:off x="5152680" y="1768680"/>
+            <a:ext cx="4426920" cy="4384080"/>
           </a:xfrm>
           <a:prstGeom prst="rect">
             <a:avLst/>
@@ -1923,7 +1955,7 @@
       </p:grpSpPr>
       <p:sp>
         <p:nvSpPr>
-          <p:cNvPr id="5" name="PlaceHolder 1"/>
+          <p:cNvPr id="2" name="PlaceHolder 1"/>
           <p:cNvSpPr>
             <a:spLocks noGrp="1"/>
           </p:cNvSpPr>
@@ -1933,8 +1965,8 @@
         </p:nvSpPr>
         <p:spPr>
           <a:xfrm>
-            <a:off x="503280" y="301680"/>
-            <a:ext cx="9069120" cy="1260000"/>
+            <a:off x="504000" y="301320"/>
+            <a:ext cx="9072000" cy="1261800"/>
           </a:xfrm>
           <a:prstGeom prst="rect">
             <a:avLst/>
@@ -1943,6 +1975,7 @@
         <p:txBody>
           <a:bodyPr lIns="0" rIns="0" tIns="0" bIns="0" anchor="ctr"/>
           <a:p>
+            <a:pPr algn="ctr"/>
             <a:endParaRPr b="0" lang="en-GB" sz="4400" spc="-1" strike="noStrike">
               <a:solidFill>
                 <a:srgbClr val="000000"/>
@@ -1959,7 +1992,7 @@
       </p:sp>
       <p:sp>
         <p:nvSpPr>
-          <p:cNvPr id="6" name="PlaceHolder 2"/>
+          <p:cNvPr id="3" name="PlaceHolder 2"/>
           <p:cNvSpPr>
             <a:spLocks noGrp="1"/>
           </p:cNvSpPr>
@@ -1969,8 +2002,8 @@
         </p:nvSpPr>
         <p:spPr>
           <a:xfrm>
-            <a:off x="503280" y="1768320"/>
-            <a:ext cx="9069120" cy="4382640"/>
+            <a:off x="504000" y="1768680"/>
+            <a:ext cx="9072000" cy="4384080"/>
           </a:xfrm>
           <a:prstGeom prst="rect">
             <a:avLst/>
@@ -2018,7 +2051,7 @@
       </p:grpSpPr>
       <p:sp>
         <p:nvSpPr>
-          <p:cNvPr id="57" name="PlaceHolder 1"/>
+          <p:cNvPr id="51" name="PlaceHolder 1"/>
           <p:cNvSpPr>
             <a:spLocks noGrp="1"/>
           </p:cNvSpPr>
@@ -2028,8 +2061,8 @@
         </p:nvSpPr>
         <p:spPr>
           <a:xfrm>
-            <a:off x="503280" y="301680"/>
-            <a:ext cx="9069120" cy="1260000"/>
+            <a:off x="504000" y="301320"/>
+            <a:ext cx="9072000" cy="1261800"/>
           </a:xfrm>
           <a:prstGeom prst="rect">
             <a:avLst/>
@@ -2038,6 +2071,7 @@
         <p:txBody>
           <a:bodyPr lIns="0" rIns="0" tIns="0" bIns="0" anchor="ctr"/>
           <a:p>
+            <a:pPr algn="ctr"/>
             <a:endParaRPr b="0" lang="en-GB" sz="4400" spc="-1" strike="noStrike">
               <a:solidFill>
                 <a:srgbClr val="000000"/>
@@ -2054,7 +2088,7 @@
       </p:sp>
       <p:sp>
         <p:nvSpPr>
-          <p:cNvPr id="58" name="PlaceHolder 2"/>
+          <p:cNvPr id="52" name="PlaceHolder 2"/>
           <p:cNvSpPr>
             <a:spLocks noGrp="1"/>
           </p:cNvSpPr>
@@ -2064,8 +2098,8 @@
         </p:nvSpPr>
         <p:spPr>
           <a:xfrm>
-            <a:off x="503280" y="1768320"/>
-            <a:ext cx="4425480" cy="4382640"/>
+            <a:off x="504000" y="1768680"/>
+            <a:ext cx="4426920" cy="4384080"/>
           </a:xfrm>
           <a:prstGeom prst="rect">
             <a:avLst/>
@@ -2090,7 +2124,7 @@
       </p:sp>
       <p:sp>
         <p:nvSpPr>
-          <p:cNvPr id="59" name="PlaceHolder 3"/>
+          <p:cNvPr id="53" name="PlaceHolder 3"/>
           <p:cNvSpPr>
             <a:spLocks noGrp="1"/>
           </p:cNvSpPr>
@@ -2100,8 +2134,8 @@
         </p:nvSpPr>
         <p:spPr>
           <a:xfrm>
-            <a:off x="5150520" y="1768320"/>
-            <a:ext cx="4425480" cy="2090160"/>
+            <a:off x="5152680" y="1768680"/>
+            <a:ext cx="4426920" cy="2090880"/>
           </a:xfrm>
           <a:prstGeom prst="rect">
             <a:avLst/>
@@ -2126,7 +2160,7 @@
       </p:sp>
       <p:sp>
         <p:nvSpPr>
-          <p:cNvPr id="60" name="PlaceHolder 4"/>
+          <p:cNvPr id="54" name="PlaceHolder 4"/>
           <p:cNvSpPr>
             <a:spLocks noGrp="1"/>
           </p:cNvSpPr>
@@ -2136,8 +2170,8 @@
         </p:nvSpPr>
         <p:spPr>
           <a:xfrm>
-            <a:off x="5150520" y="4057560"/>
-            <a:ext cx="4425480" cy="2090160"/>
+            <a:off x="5152680" y="4058640"/>
+            <a:ext cx="4426920" cy="2090880"/>
           </a:xfrm>
           <a:prstGeom prst="rect">
             <a:avLst/>
@@ -2184,7 +2218,7 @@
       </p:grpSpPr>
       <p:sp>
         <p:nvSpPr>
-          <p:cNvPr id="61" name="PlaceHolder 1"/>
+          <p:cNvPr id="55" name="PlaceHolder 1"/>
           <p:cNvSpPr>
             <a:spLocks noGrp="1"/>
           </p:cNvSpPr>
@@ -2194,8 +2228,8 @@
         </p:nvSpPr>
         <p:spPr>
           <a:xfrm>
-            <a:off x="503280" y="301680"/>
-            <a:ext cx="9069120" cy="1260000"/>
+            <a:off x="504000" y="301320"/>
+            <a:ext cx="9072000" cy="1261800"/>
           </a:xfrm>
           <a:prstGeom prst="rect">
             <a:avLst/>
@@ -2204,6 +2238,7 @@
         <p:txBody>
           <a:bodyPr lIns="0" rIns="0" tIns="0" bIns="0" anchor="ctr"/>
           <a:p>
+            <a:pPr algn="ctr"/>
             <a:endParaRPr b="0" lang="en-GB" sz="4400" spc="-1" strike="noStrike">
               <a:solidFill>
                 <a:srgbClr val="000000"/>
@@ -2220,7 +2255,7 @@
       </p:sp>
       <p:sp>
         <p:nvSpPr>
-          <p:cNvPr id="62" name="PlaceHolder 2"/>
+          <p:cNvPr id="56" name="PlaceHolder 2"/>
           <p:cNvSpPr>
             <a:spLocks noGrp="1"/>
           </p:cNvSpPr>
@@ -2230,8 +2265,8 @@
         </p:nvSpPr>
         <p:spPr>
           <a:xfrm>
-            <a:off x="503280" y="1768320"/>
-            <a:ext cx="4425480" cy="2090160"/>
+            <a:off x="504000" y="1768680"/>
+            <a:ext cx="4426920" cy="2090880"/>
           </a:xfrm>
           <a:prstGeom prst="rect">
             <a:avLst/>
@@ -2256,7 +2291,7 @@
       </p:sp>
       <p:sp>
         <p:nvSpPr>
-          <p:cNvPr id="63" name="PlaceHolder 3"/>
+          <p:cNvPr id="57" name="PlaceHolder 3"/>
           <p:cNvSpPr>
             <a:spLocks noGrp="1"/>
           </p:cNvSpPr>
@@ -2266,8 +2301,8 @@
         </p:nvSpPr>
         <p:spPr>
           <a:xfrm>
-            <a:off x="5150520" y="1768320"/>
-            <a:ext cx="4425480" cy="2090160"/>
+            <a:off x="5152680" y="1768680"/>
+            <a:ext cx="4426920" cy="2090880"/>
           </a:xfrm>
           <a:prstGeom prst="rect">
             <a:avLst/>
@@ -2292,7 +2327,7 @@
       </p:sp>
       <p:sp>
         <p:nvSpPr>
-          <p:cNvPr id="64" name="PlaceHolder 4"/>
+          <p:cNvPr id="58" name="PlaceHolder 4"/>
           <p:cNvSpPr>
             <a:spLocks noGrp="1"/>
           </p:cNvSpPr>
@@ -2302,8 +2337,8 @@
         </p:nvSpPr>
         <p:spPr>
           <a:xfrm>
-            <a:off x="503280" y="4057560"/>
-            <a:ext cx="9069120" cy="2090160"/>
+            <a:off x="504000" y="4058640"/>
+            <a:ext cx="9072000" cy="2090880"/>
           </a:xfrm>
           <a:prstGeom prst="rect">
             <a:avLst/>
@@ -2350,7 +2385,7 @@
       </p:grpSpPr>
       <p:sp>
         <p:nvSpPr>
-          <p:cNvPr id="65" name="PlaceHolder 1"/>
+          <p:cNvPr id="59" name="PlaceHolder 1"/>
           <p:cNvSpPr>
             <a:spLocks noGrp="1"/>
           </p:cNvSpPr>
@@ -2360,8 +2395,8 @@
         </p:nvSpPr>
         <p:spPr>
           <a:xfrm>
-            <a:off x="503280" y="301680"/>
-            <a:ext cx="9069120" cy="1260000"/>
+            <a:off x="504000" y="301320"/>
+            <a:ext cx="9072000" cy="1261800"/>
           </a:xfrm>
           <a:prstGeom prst="rect">
             <a:avLst/>
@@ -2370,6 +2405,7 @@
         <p:txBody>
           <a:bodyPr lIns="0" rIns="0" tIns="0" bIns="0" anchor="ctr"/>
           <a:p>
+            <a:pPr algn="ctr"/>
             <a:endParaRPr b="0" lang="en-GB" sz="4400" spc="-1" strike="noStrike">
               <a:solidFill>
                 <a:srgbClr val="000000"/>
@@ -2386,7 +2422,7 @@
       </p:sp>
       <p:sp>
         <p:nvSpPr>
-          <p:cNvPr id="66" name="PlaceHolder 2"/>
+          <p:cNvPr id="60" name="PlaceHolder 2"/>
           <p:cNvSpPr>
             <a:spLocks noGrp="1"/>
           </p:cNvSpPr>
@@ -2396,8 +2432,8 @@
         </p:nvSpPr>
         <p:spPr>
           <a:xfrm>
-            <a:off x="503280" y="1768320"/>
-            <a:ext cx="9069120" cy="2090160"/>
+            <a:off x="504000" y="1768680"/>
+            <a:ext cx="9072000" cy="2090880"/>
           </a:xfrm>
           <a:prstGeom prst="rect">
             <a:avLst/>
@@ -2422,7 +2458,7 @@
       </p:sp>
       <p:sp>
         <p:nvSpPr>
-          <p:cNvPr id="67" name="PlaceHolder 3"/>
+          <p:cNvPr id="61" name="PlaceHolder 3"/>
           <p:cNvSpPr>
             <a:spLocks noGrp="1"/>
           </p:cNvSpPr>
@@ -2432,8 +2468,8 @@
         </p:nvSpPr>
         <p:spPr>
           <a:xfrm>
-            <a:off x="503280" y="4057560"/>
-            <a:ext cx="9069120" cy="2090160"/>
+            <a:off x="504000" y="4058640"/>
+            <a:ext cx="9072000" cy="2090880"/>
           </a:xfrm>
           <a:prstGeom prst="rect">
             <a:avLst/>
@@ -2480,7 +2516,7 @@
       </p:grpSpPr>
       <p:sp>
         <p:nvSpPr>
-          <p:cNvPr id="68" name="PlaceHolder 1"/>
+          <p:cNvPr id="62" name="PlaceHolder 1"/>
           <p:cNvSpPr>
             <a:spLocks noGrp="1"/>
           </p:cNvSpPr>
@@ -2490,8 +2526,8 @@
         </p:nvSpPr>
         <p:spPr>
           <a:xfrm>
-            <a:off x="503280" y="301680"/>
-            <a:ext cx="9069120" cy="1260000"/>
+            <a:off x="504000" y="301320"/>
+            <a:ext cx="9072000" cy="1261800"/>
           </a:xfrm>
           <a:prstGeom prst="rect">
             <a:avLst/>
@@ -2500,6 +2536,7 @@
         <p:txBody>
           <a:bodyPr lIns="0" rIns="0" tIns="0" bIns="0" anchor="ctr"/>
           <a:p>
+            <a:pPr algn="ctr"/>
             <a:endParaRPr b="0" lang="en-GB" sz="4400" spc="-1" strike="noStrike">
               <a:solidFill>
                 <a:srgbClr val="000000"/>
@@ -2516,7 +2553,7 @@
       </p:sp>
       <p:sp>
         <p:nvSpPr>
-          <p:cNvPr id="69" name="PlaceHolder 2"/>
+          <p:cNvPr id="63" name="PlaceHolder 2"/>
           <p:cNvSpPr>
             <a:spLocks noGrp="1"/>
           </p:cNvSpPr>
@@ -2526,8 +2563,8 @@
         </p:nvSpPr>
         <p:spPr>
           <a:xfrm>
-            <a:off x="503280" y="1768320"/>
-            <a:ext cx="4425480" cy="2090160"/>
+            <a:off x="504000" y="1768680"/>
+            <a:ext cx="4426920" cy="2090880"/>
           </a:xfrm>
           <a:prstGeom prst="rect">
             <a:avLst/>
@@ -2552,7 +2589,7 @@
       </p:sp>
       <p:sp>
         <p:nvSpPr>
-          <p:cNvPr id="70" name="PlaceHolder 3"/>
+          <p:cNvPr id="64" name="PlaceHolder 3"/>
           <p:cNvSpPr>
             <a:spLocks noGrp="1"/>
           </p:cNvSpPr>
@@ -2562,8 +2599,8 @@
         </p:nvSpPr>
         <p:spPr>
           <a:xfrm>
-            <a:off x="5150520" y="1768320"/>
-            <a:ext cx="4425480" cy="2090160"/>
+            <a:off x="5152680" y="1768680"/>
+            <a:ext cx="4426920" cy="2090880"/>
           </a:xfrm>
           <a:prstGeom prst="rect">
             <a:avLst/>
@@ -2588,7 +2625,7 @@
       </p:sp>
       <p:sp>
         <p:nvSpPr>
-          <p:cNvPr id="71" name="PlaceHolder 4"/>
+          <p:cNvPr id="65" name="PlaceHolder 4"/>
           <p:cNvSpPr>
             <a:spLocks noGrp="1"/>
           </p:cNvSpPr>
@@ -2598,8 +2635,8 @@
         </p:nvSpPr>
         <p:spPr>
           <a:xfrm>
-            <a:off x="5150520" y="4057560"/>
-            <a:ext cx="4425480" cy="2090160"/>
+            <a:off x="5152680" y="4058640"/>
+            <a:ext cx="4426920" cy="2090880"/>
           </a:xfrm>
           <a:prstGeom prst="rect">
             <a:avLst/>
@@ -2624,7 +2661,7 @@
       </p:sp>
       <p:sp>
         <p:nvSpPr>
-          <p:cNvPr id="72" name="PlaceHolder 5"/>
+          <p:cNvPr id="66" name="PlaceHolder 5"/>
           <p:cNvSpPr>
             <a:spLocks noGrp="1"/>
           </p:cNvSpPr>
@@ -2634,8 +2671,8 @@
         </p:nvSpPr>
         <p:spPr>
           <a:xfrm>
-            <a:off x="503280" y="4057560"/>
-            <a:ext cx="4425480" cy="2090160"/>
+            <a:off x="504000" y="4058640"/>
+            <a:ext cx="4426920" cy="2090880"/>
           </a:xfrm>
           <a:prstGeom prst="rect">
             <a:avLst/>
@@ -2682,7 +2719,7 @@
       </p:grpSpPr>
       <p:sp>
         <p:nvSpPr>
-          <p:cNvPr id="73" name="PlaceHolder 1"/>
+          <p:cNvPr id="67" name="PlaceHolder 1"/>
           <p:cNvSpPr>
             <a:spLocks noGrp="1"/>
           </p:cNvSpPr>
@@ -2692,8 +2729,8 @@
         </p:nvSpPr>
         <p:spPr>
           <a:xfrm>
-            <a:off x="503280" y="301680"/>
-            <a:ext cx="9069120" cy="1260000"/>
+            <a:off x="504000" y="301320"/>
+            <a:ext cx="9072000" cy="1261800"/>
           </a:xfrm>
           <a:prstGeom prst="rect">
             <a:avLst/>
@@ -2702,6 +2739,7 @@
         <p:txBody>
           <a:bodyPr lIns="0" rIns="0" tIns="0" bIns="0" anchor="ctr"/>
           <a:p>
+            <a:pPr algn="ctr"/>
             <a:endParaRPr b="0" lang="en-GB" sz="4400" spc="-1" strike="noStrike">
               <a:solidFill>
                 <a:srgbClr val="000000"/>
@@ -2718,7 +2756,7 @@
       </p:sp>
       <p:sp>
         <p:nvSpPr>
-          <p:cNvPr id="74" name="PlaceHolder 2"/>
+          <p:cNvPr id="68" name="PlaceHolder 2"/>
           <p:cNvSpPr>
             <a:spLocks noGrp="1"/>
           </p:cNvSpPr>
@@ -2728,8 +2766,8 @@
         </p:nvSpPr>
         <p:spPr>
           <a:xfrm>
-            <a:off x="503280" y="1768320"/>
-            <a:ext cx="9069120" cy="4382640"/>
+            <a:off x="504000" y="1768680"/>
+            <a:ext cx="9072000" cy="4384080"/>
           </a:xfrm>
           <a:prstGeom prst="rect">
             <a:avLst/>
@@ -2754,7 +2792,7 @@
       </p:sp>
       <p:sp>
         <p:nvSpPr>
-          <p:cNvPr id="75" name="PlaceHolder 3"/>
+          <p:cNvPr id="69" name="PlaceHolder 3"/>
           <p:cNvSpPr>
             <a:spLocks noGrp="1"/>
           </p:cNvSpPr>
@@ -2764,8 +2802,8 @@
         </p:nvSpPr>
         <p:spPr>
           <a:xfrm>
-            <a:off x="503280" y="1768320"/>
-            <a:ext cx="9069120" cy="4382640"/>
+            <a:off x="504000" y="1768680"/>
+            <a:ext cx="9072000" cy="4384080"/>
           </a:xfrm>
           <a:prstGeom prst="rect">
             <a:avLst/>
@@ -2790,7 +2828,7 @@
       </p:sp>
       <p:pic>
         <p:nvPicPr>
-          <p:cNvPr id="76" name="" descr=""/>
+          <p:cNvPr id="70" name="" descr=""/>
           <p:cNvPicPr/>
           <p:nvPr/>
         </p:nvPicPr>
@@ -2800,8 +2838,8 @@
         </p:blipFill>
         <p:spPr>
           <a:xfrm>
-            <a:off x="2291400" y="1768320"/>
-            <a:ext cx="5492880" cy="4382640"/>
+            <a:off x="2292480" y="1768680"/>
+            <a:ext cx="5494680" cy="4384080"/>
           </a:xfrm>
           <a:prstGeom prst="rect">
             <a:avLst/>
@@ -2813,7 +2851,7 @@
       </p:pic>
       <p:pic>
         <p:nvPicPr>
-          <p:cNvPr id="77" name="" descr=""/>
+          <p:cNvPr id="71" name="" descr=""/>
           <p:cNvPicPr/>
           <p:nvPr/>
         </p:nvPicPr>
@@ -2823,8 +2861,8 @@
         </p:blipFill>
         <p:spPr>
           <a:xfrm>
-            <a:off x="2291400" y="1768320"/>
-            <a:ext cx="5492880" cy="4382640"/>
+            <a:off x="2292480" y="1768680"/>
+            <a:ext cx="5494680" cy="4384080"/>
           </a:xfrm>
           <a:prstGeom prst="rect">
             <a:avLst/>
@@ -2858,7 +2896,7 @@
       </p:grpSpPr>
       <p:sp>
         <p:nvSpPr>
-          <p:cNvPr id="7" name="PlaceHolder 1"/>
+          <p:cNvPr id="4" name="PlaceHolder 1"/>
           <p:cNvSpPr>
             <a:spLocks noGrp="1"/>
           </p:cNvSpPr>
@@ -2868,8 +2906,8 @@
         </p:nvSpPr>
         <p:spPr>
           <a:xfrm>
-            <a:off x="503280" y="301680"/>
-            <a:ext cx="9069120" cy="1260000"/>
+            <a:off x="504000" y="301320"/>
+            <a:ext cx="9072000" cy="1261800"/>
           </a:xfrm>
           <a:prstGeom prst="rect">
             <a:avLst/>
@@ -2878,6 +2916,7 @@
         <p:txBody>
           <a:bodyPr lIns="0" rIns="0" tIns="0" bIns="0" anchor="ctr"/>
           <a:p>
+            <a:pPr algn="ctr"/>
             <a:endParaRPr b="0" lang="en-GB" sz="4400" spc="-1" strike="noStrike">
               <a:solidFill>
                 <a:srgbClr val="000000"/>
@@ -2894,7 +2933,7 @@
       </p:sp>
       <p:sp>
         <p:nvSpPr>
-          <p:cNvPr id="8" name="PlaceHolder 2"/>
+          <p:cNvPr id="5" name="PlaceHolder 2"/>
           <p:cNvSpPr>
             <a:spLocks noGrp="1"/>
           </p:cNvSpPr>
@@ -2904,8 +2943,8 @@
         </p:nvSpPr>
         <p:spPr>
           <a:xfrm>
-            <a:off x="503280" y="1768320"/>
-            <a:ext cx="9069120" cy="4382640"/>
+            <a:off x="504000" y="1768680"/>
+            <a:ext cx="9072000" cy="4384080"/>
           </a:xfrm>
           <a:prstGeom prst="rect">
             <a:avLst/>
@@ -2952,7 +2991,7 @@
       </p:grpSpPr>
       <p:sp>
         <p:nvSpPr>
-          <p:cNvPr id="9" name="PlaceHolder 1"/>
+          <p:cNvPr id="6" name="PlaceHolder 1"/>
           <p:cNvSpPr>
             <a:spLocks noGrp="1"/>
           </p:cNvSpPr>
@@ -2962,8 +3001,8 @@
         </p:nvSpPr>
         <p:spPr>
           <a:xfrm>
-            <a:off x="503280" y="301680"/>
-            <a:ext cx="9069120" cy="1260000"/>
+            <a:off x="504000" y="301320"/>
+            <a:ext cx="9072000" cy="1261800"/>
           </a:xfrm>
           <a:prstGeom prst="rect">
             <a:avLst/>
@@ -2972,6 +3011,7 @@
         <p:txBody>
           <a:bodyPr lIns="0" rIns="0" tIns="0" bIns="0" anchor="ctr"/>
           <a:p>
+            <a:pPr algn="ctr"/>
             <a:endParaRPr b="0" lang="en-GB" sz="4400" spc="-1" strike="noStrike">
               <a:solidFill>
                 <a:srgbClr val="000000"/>
@@ -2988,7 +3028,7 @@
       </p:sp>
       <p:sp>
         <p:nvSpPr>
-          <p:cNvPr id="10" name="PlaceHolder 2"/>
+          <p:cNvPr id="7" name="PlaceHolder 2"/>
           <p:cNvSpPr>
             <a:spLocks noGrp="1"/>
           </p:cNvSpPr>
@@ -2998,8 +3038,8 @@
         </p:nvSpPr>
         <p:spPr>
           <a:xfrm>
-            <a:off x="503280" y="1768320"/>
-            <a:ext cx="4425480" cy="4382640"/>
+            <a:off x="504000" y="1768680"/>
+            <a:ext cx="4426920" cy="4384080"/>
           </a:xfrm>
           <a:prstGeom prst="rect">
             <a:avLst/>
@@ -3024,7 +3064,7 @@
       </p:sp>
       <p:sp>
         <p:nvSpPr>
-          <p:cNvPr id="11" name="PlaceHolder 3"/>
+          <p:cNvPr id="8" name="PlaceHolder 3"/>
           <p:cNvSpPr>
             <a:spLocks noGrp="1"/>
           </p:cNvSpPr>
@@ -3034,8 +3074,8 @@
         </p:nvSpPr>
         <p:spPr>
           <a:xfrm>
-            <a:off x="5150520" y="1768320"/>
-            <a:ext cx="4425480" cy="4382640"/>
+            <a:off x="5152680" y="1768680"/>
+            <a:ext cx="4426920" cy="4384080"/>
           </a:xfrm>
           <a:prstGeom prst="rect">
             <a:avLst/>
@@ -3082,7 +3122,7 @@
       </p:grpSpPr>
       <p:sp>
         <p:nvSpPr>
-          <p:cNvPr id="12" name="PlaceHolder 1"/>
+          <p:cNvPr id="9" name="PlaceHolder 1"/>
           <p:cNvSpPr>
             <a:spLocks noGrp="1"/>
           </p:cNvSpPr>
@@ -3092,8 +3132,8 @@
         </p:nvSpPr>
         <p:spPr>
           <a:xfrm>
-            <a:off x="503280" y="301680"/>
-            <a:ext cx="9069120" cy="1260000"/>
+            <a:off x="504000" y="301320"/>
+            <a:ext cx="9072000" cy="1261800"/>
           </a:xfrm>
           <a:prstGeom prst="rect">
             <a:avLst/>
@@ -3102,6 +3142,7 @@
         <p:txBody>
           <a:bodyPr lIns="0" rIns="0" tIns="0" bIns="0" anchor="ctr"/>
           <a:p>
+            <a:pPr algn="ctr"/>
             <a:endParaRPr b="0" lang="en-GB" sz="4400" spc="-1" strike="noStrike">
               <a:solidFill>
                 <a:srgbClr val="000000"/>
@@ -3140,7 +3181,7 @@
       </p:grpSpPr>
       <p:sp>
         <p:nvSpPr>
-          <p:cNvPr id="13" name="PlaceHolder 1"/>
+          <p:cNvPr id="10" name="PlaceHolder 1"/>
           <p:cNvSpPr>
             <a:spLocks noGrp="1"/>
           </p:cNvSpPr>
@@ -3150,8 +3191,8 @@
         </p:nvSpPr>
         <p:spPr>
           <a:xfrm>
-            <a:off x="503280" y="301680"/>
-            <a:ext cx="9069120" cy="5842080"/>
+            <a:off x="504000" y="301320"/>
+            <a:ext cx="9072000" cy="5850360"/>
           </a:xfrm>
           <a:prstGeom prst="rect">
             <a:avLst/>
@@ -3199,7 +3240,7 @@
       </p:grpSpPr>
       <p:sp>
         <p:nvSpPr>
-          <p:cNvPr id="14" name="PlaceHolder 1"/>
+          <p:cNvPr id="11" name="PlaceHolder 1"/>
           <p:cNvSpPr>
             <a:spLocks noGrp="1"/>
           </p:cNvSpPr>
@@ -3209,8 +3250,8 @@
         </p:nvSpPr>
         <p:spPr>
           <a:xfrm>
-            <a:off x="503280" y="301680"/>
-            <a:ext cx="9069120" cy="1260000"/>
+            <a:off x="504000" y="301320"/>
+            <a:ext cx="9072000" cy="1261800"/>
           </a:xfrm>
           <a:prstGeom prst="rect">
             <a:avLst/>
@@ -3219,6 +3260,7 @@
         <p:txBody>
           <a:bodyPr lIns="0" rIns="0" tIns="0" bIns="0" anchor="ctr"/>
           <a:p>
+            <a:pPr algn="ctr"/>
             <a:endParaRPr b="0" lang="en-GB" sz="4400" spc="-1" strike="noStrike">
               <a:solidFill>
                 <a:srgbClr val="000000"/>
@@ -3235,7 +3277,7 @@
       </p:sp>
       <p:sp>
         <p:nvSpPr>
-          <p:cNvPr id="15" name="PlaceHolder 2"/>
+          <p:cNvPr id="12" name="PlaceHolder 2"/>
           <p:cNvSpPr>
             <a:spLocks noGrp="1"/>
           </p:cNvSpPr>
@@ -3245,8 +3287,8 @@
         </p:nvSpPr>
         <p:spPr>
           <a:xfrm>
-            <a:off x="503280" y="1768320"/>
-            <a:ext cx="4425480" cy="2090160"/>
+            <a:off x="504000" y="1768680"/>
+            <a:ext cx="4426920" cy="2090880"/>
           </a:xfrm>
           <a:prstGeom prst="rect">
             <a:avLst/>
@@ -3271,7 +3313,7 @@
       </p:sp>
       <p:sp>
         <p:nvSpPr>
-          <p:cNvPr id="16" name="PlaceHolder 3"/>
+          <p:cNvPr id="13" name="PlaceHolder 3"/>
           <p:cNvSpPr>
             <a:spLocks noGrp="1"/>
           </p:cNvSpPr>
@@ -3281,8 +3323,8 @@
         </p:nvSpPr>
         <p:spPr>
           <a:xfrm>
-            <a:off x="503280" y="4057560"/>
-            <a:ext cx="4425480" cy="2090160"/>
+            <a:off x="504000" y="4058640"/>
+            <a:ext cx="4426920" cy="2090880"/>
           </a:xfrm>
           <a:prstGeom prst="rect">
             <a:avLst/>
@@ -3307,7 +3349,7 @@
       </p:sp>
       <p:sp>
         <p:nvSpPr>
-          <p:cNvPr id="17" name="PlaceHolder 4"/>
+          <p:cNvPr id="14" name="PlaceHolder 4"/>
           <p:cNvSpPr>
             <a:spLocks noGrp="1"/>
           </p:cNvSpPr>
@@ -3317,8 +3359,8 @@
         </p:nvSpPr>
         <p:spPr>
           <a:xfrm>
-            <a:off x="5150520" y="1768320"/>
-            <a:ext cx="4425480" cy="4382640"/>
+            <a:off x="5152680" y="1768680"/>
+            <a:ext cx="4426920" cy="4384080"/>
           </a:xfrm>
           <a:prstGeom prst="rect">
             <a:avLst/>
@@ -3365,7 +3407,7 @@
       </p:grpSpPr>
       <p:sp>
         <p:nvSpPr>
-          <p:cNvPr id="18" name="PlaceHolder 1"/>
+          <p:cNvPr id="15" name="PlaceHolder 1"/>
           <p:cNvSpPr>
             <a:spLocks noGrp="1"/>
           </p:cNvSpPr>
@@ -3375,8 +3417,8 @@
         </p:nvSpPr>
         <p:spPr>
           <a:xfrm>
-            <a:off x="503280" y="301680"/>
-            <a:ext cx="9069120" cy="1260000"/>
+            <a:off x="504000" y="301320"/>
+            <a:ext cx="9072000" cy="1261800"/>
           </a:xfrm>
           <a:prstGeom prst="rect">
             <a:avLst/>
@@ -3385,6 +3427,7 @@
         <p:txBody>
           <a:bodyPr lIns="0" rIns="0" tIns="0" bIns="0" anchor="ctr"/>
           <a:p>
+            <a:pPr algn="ctr"/>
             <a:endParaRPr b="0" lang="en-GB" sz="4400" spc="-1" strike="noStrike">
               <a:solidFill>
                 <a:srgbClr val="000000"/>
@@ -3401,7 +3444,7 @@
       </p:sp>
       <p:sp>
         <p:nvSpPr>
-          <p:cNvPr id="19" name="PlaceHolder 2"/>
+          <p:cNvPr id="16" name="PlaceHolder 2"/>
           <p:cNvSpPr>
             <a:spLocks noGrp="1"/>
           </p:cNvSpPr>
@@ -3411,8 +3454,8 @@
         </p:nvSpPr>
         <p:spPr>
           <a:xfrm>
-            <a:off x="503280" y="1768320"/>
-            <a:ext cx="4425480" cy="4382640"/>
+            <a:off x="504000" y="1768680"/>
+            <a:ext cx="4426920" cy="4384080"/>
           </a:xfrm>
           <a:prstGeom prst="rect">
             <a:avLst/>
@@ -3437,7 +3480,7 @@
       </p:sp>
       <p:sp>
         <p:nvSpPr>
-          <p:cNvPr id="20" name="PlaceHolder 3"/>
+          <p:cNvPr id="17" name="PlaceHolder 3"/>
           <p:cNvSpPr>
             <a:spLocks noGrp="1"/>
           </p:cNvSpPr>
@@ -3447,8 +3490,8 @@
         </p:nvSpPr>
         <p:spPr>
           <a:xfrm>
-            <a:off x="5150520" y="1768320"/>
-            <a:ext cx="4425480" cy="2090160"/>
+            <a:off x="5152680" y="1768680"/>
+            <a:ext cx="4426920" cy="2090880"/>
           </a:xfrm>
           <a:prstGeom prst="rect">
             <a:avLst/>
@@ -3473,7 +3516,7 @@
       </p:sp>
       <p:sp>
         <p:nvSpPr>
-          <p:cNvPr id="21" name="PlaceHolder 4"/>
+          <p:cNvPr id="18" name="PlaceHolder 4"/>
           <p:cNvSpPr>
             <a:spLocks noGrp="1"/>
           </p:cNvSpPr>
@@ -3483,8 +3526,8 @@
         </p:nvSpPr>
         <p:spPr>
           <a:xfrm>
-            <a:off x="5150520" y="4057560"/>
-            <a:ext cx="4425480" cy="2090160"/>
+            <a:off x="5152680" y="4058640"/>
+            <a:ext cx="4426920" cy="2090880"/>
           </a:xfrm>
           <a:prstGeom prst="rect">
             <a:avLst/>
@@ -3531,7 +3574,7 @@
       </p:grpSpPr>
       <p:sp>
         <p:nvSpPr>
-          <p:cNvPr id="22" name="PlaceHolder 1"/>
+          <p:cNvPr id="19" name="PlaceHolder 1"/>
           <p:cNvSpPr>
             <a:spLocks noGrp="1"/>
           </p:cNvSpPr>
@@ -3541,8 +3584,8 @@
         </p:nvSpPr>
         <p:spPr>
           <a:xfrm>
-            <a:off x="503280" y="301680"/>
-            <a:ext cx="9069120" cy="1260000"/>
+            <a:off x="504000" y="301320"/>
+            <a:ext cx="9072000" cy="1261800"/>
           </a:xfrm>
           <a:prstGeom prst="rect">
             <a:avLst/>
@@ -3551,6 +3594,7 @@
         <p:txBody>
           <a:bodyPr lIns="0" rIns="0" tIns="0" bIns="0" anchor="ctr"/>
           <a:p>
+            <a:pPr algn="ctr"/>
             <a:endParaRPr b="0" lang="en-GB" sz="4400" spc="-1" strike="noStrike">
               <a:solidFill>
                 <a:srgbClr val="000000"/>
@@ -3567,7 +3611,7 @@
       </p:sp>
       <p:sp>
         <p:nvSpPr>
-          <p:cNvPr id="23" name="PlaceHolder 2"/>
+          <p:cNvPr id="20" name="PlaceHolder 2"/>
           <p:cNvSpPr>
             <a:spLocks noGrp="1"/>
           </p:cNvSpPr>
@@ -3577,8 +3621,8 @@
         </p:nvSpPr>
         <p:spPr>
           <a:xfrm>
-            <a:off x="503280" y="1768320"/>
-            <a:ext cx="4425480" cy="2090160"/>
+            <a:off x="504000" y="1768680"/>
+            <a:ext cx="4426920" cy="2090880"/>
           </a:xfrm>
           <a:prstGeom prst="rect">
             <a:avLst/>
@@ -3603,7 +3647,7 @@
       </p:sp>
       <p:sp>
         <p:nvSpPr>
-          <p:cNvPr id="24" name="PlaceHolder 3"/>
+          <p:cNvPr id="21" name="PlaceHolder 3"/>
           <p:cNvSpPr>
             <a:spLocks noGrp="1"/>
           </p:cNvSpPr>
@@ -3613,8 +3657,8 @@
         </p:nvSpPr>
         <p:spPr>
           <a:xfrm>
-            <a:off x="5150520" y="1768320"/>
-            <a:ext cx="4425480" cy="2090160"/>
+            <a:off x="5152680" y="1768680"/>
+            <a:ext cx="4426920" cy="2090880"/>
           </a:xfrm>
           <a:prstGeom prst="rect">
             <a:avLst/>
@@ -3639,7 +3683,7 @@
       </p:sp>
       <p:sp>
         <p:nvSpPr>
-          <p:cNvPr id="25" name="PlaceHolder 4"/>
+          <p:cNvPr id="22" name="PlaceHolder 4"/>
           <p:cNvSpPr>
             <a:spLocks noGrp="1"/>
           </p:cNvSpPr>
@@ -3649,8 +3693,8 @@
         </p:nvSpPr>
         <p:spPr>
           <a:xfrm>
-            <a:off x="503280" y="4057560"/>
-            <a:ext cx="9069120" cy="2090160"/>
+            <a:off x="504000" y="4058640"/>
+            <a:ext cx="9072000" cy="2090880"/>
           </a:xfrm>
           <a:prstGeom prst="rect">
             <a:avLst/>
@@ -3714,8 +3758,8 @@
         </p:nvSpPr>
         <p:spPr>
           <a:xfrm>
-            <a:off x="503280" y="301680"/>
-            <a:ext cx="9069120" cy="1260000"/>
+            <a:off x="504000" y="301320"/>
+            <a:ext cx="9072000" cy="1261800"/>
           </a:xfrm>
           <a:prstGeom prst="rect">
             <a:avLst/>
@@ -3724,11 +3768,7 @@
         <p:txBody>
           <a:bodyPr lIns="0" rIns="0" tIns="0" bIns="0" anchor="ctr"/>
           <a:p>
-            <a:pPr algn="ctr">
-              <a:lnSpc>
-                <a:spcPct val="93000"/>
-              </a:lnSpc>
-            </a:pPr>
+            <a:pPr algn="ctr"/>
             <a:r>
               <a:rPr b="0" lang="en-GB" sz="4400" spc="-1" strike="noStrike">
                 <a:solidFill>
@@ -3740,9 +3780,50 @@
                   </a:solidFill>
                 </a:uFill>
                 <a:latin typeface="Arial"/>
-                <a:ea typeface="Noto Sans CJK SC Regular"/>
-              </a:rPr>
-              <a:t>Click to edit Master title style</a:t>
+              </a:rPr>
+              <a:t>Click to </a:t>
+            </a:r>
+            <a:r>
+              <a:rPr b="0" lang="en-GB" sz="4400" spc="-1" strike="noStrike">
+                <a:solidFill>
+                  <a:srgbClr val="000000"/>
+                </a:solidFill>
+                <a:uFill>
+                  <a:solidFill>
+                    <a:srgbClr val="ffffff"/>
+                  </a:solidFill>
+                </a:uFill>
+                <a:latin typeface="Arial"/>
+              </a:rPr>
+              <a:t>edit the </a:t>
+            </a:r>
+            <a:r>
+              <a:rPr b="0" lang="en-GB" sz="4400" spc="-1" strike="noStrike">
+                <a:solidFill>
+                  <a:srgbClr val="000000"/>
+                </a:solidFill>
+                <a:uFill>
+                  <a:solidFill>
+                    <a:srgbClr val="ffffff"/>
+                  </a:solidFill>
+                </a:uFill>
+                <a:latin typeface="Arial"/>
+              </a:rPr>
+              <a:t>title text </a:t>
+            </a:r>
+            <a:r>
+              <a:rPr b="0" lang="en-GB" sz="4400" spc="-1" strike="noStrike">
+                <a:solidFill>
+                  <a:srgbClr val="000000"/>
+                </a:solidFill>
+                <a:uFill>
+                  <a:solidFill>
+                    <a:srgbClr val="ffffff"/>
+                  </a:solidFill>
+                </a:uFill>
+                <a:latin typeface="Arial"/>
+              </a:rPr>
+              <a:t>format</a:t>
             </a:r>
             <a:endParaRPr b="0" lang="en-GB" sz="4400" spc="-1" strike="noStrike">
               <a:solidFill>
@@ -3761,134 +3842,6 @@
       <p:sp>
         <p:nvSpPr>
           <p:cNvPr id="1" name="PlaceHolder 2"/>
-          <p:cNvSpPr>
-            <a:spLocks noGrp="1"/>
-          </p:cNvSpPr>
-          <p:nvPr>
-            <p:ph type="dt"/>
-          </p:nvPr>
-        </p:nvSpPr>
-        <p:spPr>
-          <a:xfrm>
-            <a:off x="503280" y="6886440"/>
-            <a:ext cx="2346120" cy="518760"/>
-          </a:xfrm>
-          <a:prstGeom prst="rect">
-            <a:avLst/>
-          </a:prstGeom>
-        </p:spPr>
-        <p:txBody>
-          <a:bodyPr lIns="0" rIns="0" tIns="0" bIns="0"/>
-          <a:p>
-            <a:endParaRPr b="0" lang="en-GB" sz="2400" spc="-1" strike="noStrike">
-              <a:solidFill>
-                <a:srgbClr val="000000"/>
-              </a:solidFill>
-              <a:uFill>
-                <a:solidFill>
-                  <a:srgbClr val="ffffff"/>
-                </a:solidFill>
-              </a:uFill>
-              <a:latin typeface="Times New Roman"/>
-            </a:endParaRPr>
-          </a:p>
-        </p:txBody>
-      </p:sp>
-      <p:sp>
-        <p:nvSpPr>
-          <p:cNvPr id="2" name="PlaceHolder 3"/>
-          <p:cNvSpPr>
-            <a:spLocks noGrp="1"/>
-          </p:cNvSpPr>
-          <p:nvPr>
-            <p:ph type="ftr"/>
-          </p:nvPr>
-        </p:nvSpPr>
-        <p:spPr>
-          <a:xfrm>
-            <a:off x="3448080" y="6886440"/>
-            <a:ext cx="3193560" cy="518760"/>
-          </a:xfrm>
-          <a:prstGeom prst="rect">
-            <a:avLst/>
-          </a:prstGeom>
-        </p:spPr>
-        <p:txBody>
-          <a:bodyPr lIns="0" rIns="0" tIns="0" bIns="0"/>
-          <a:p>
-            <a:endParaRPr b="0" lang="en-GB" sz="2400" spc="-1" strike="noStrike">
-              <a:solidFill>
-                <a:srgbClr val="000000"/>
-              </a:solidFill>
-              <a:uFill>
-                <a:solidFill>
-                  <a:srgbClr val="ffffff"/>
-                </a:solidFill>
-              </a:uFill>
-              <a:latin typeface="Times New Roman"/>
-            </a:endParaRPr>
-          </a:p>
-        </p:txBody>
-      </p:sp>
-      <p:sp>
-        <p:nvSpPr>
-          <p:cNvPr id="3" name="PlaceHolder 4"/>
-          <p:cNvSpPr>
-            <a:spLocks noGrp="1"/>
-          </p:cNvSpPr>
-          <p:nvPr>
-            <p:ph type="sldNum"/>
-          </p:nvPr>
-        </p:nvSpPr>
-        <p:spPr>
-          <a:xfrm>
-            <a:off x="7227720" y="6886440"/>
-            <a:ext cx="2346120" cy="518760"/>
-          </a:xfrm>
-          <a:prstGeom prst="rect">
-            <a:avLst/>
-          </a:prstGeom>
-        </p:spPr>
-        <p:txBody>
-          <a:bodyPr lIns="0" rIns="0" tIns="0" bIns="0"/>
-          <a:p>
-            <a:pPr algn="r">
-              <a:lnSpc>
-                <a:spcPct val="100000"/>
-              </a:lnSpc>
-            </a:pPr>
-            <a:fld id="{DDD64428-8B19-41B6-89F3-386295136BD3}" type="slidenum">
-              <a:rPr b="0" lang="en-GB" sz="1400" spc="-1" strike="noStrike">
-                <a:solidFill>
-                  <a:srgbClr val="000000"/>
-                </a:solidFill>
-                <a:uFill>
-                  <a:solidFill>
-                    <a:srgbClr val="ffffff"/>
-                  </a:solidFill>
-                </a:uFill>
-                <a:latin typeface="Times New Roman"/>
-                <a:ea typeface="DejaVu Sans"/>
-              </a:rPr>
-              <a:t>1</a:t>
-            </a:fld>
-            <a:endParaRPr b="0" lang="en-GB" sz="1400" spc="-1" strike="noStrike">
-              <a:solidFill>
-                <a:srgbClr val="000000"/>
-              </a:solidFill>
-              <a:uFill>
-                <a:solidFill>
-                  <a:srgbClr val="ffffff"/>
-                </a:solidFill>
-              </a:uFill>
-              <a:latin typeface="Times New Roman"/>
-            </a:endParaRPr>
-          </a:p>
-        </p:txBody>
-      </p:sp>
-      <p:sp>
-        <p:nvSpPr>
-          <p:cNvPr id="4" name="PlaceHolder 5"/>
           <p:cNvSpPr>
             <a:spLocks noGrp="1"/>
           </p:cNvSpPr>
@@ -3952,7 +3905,7 @@
               <a:buChar char=""/>
             </a:pPr>
             <a:r>
-              <a:rPr b="0" lang="en-GB" sz="2400" spc="-1" strike="noStrike">
+              <a:rPr b="0" lang="en-GB" sz="2800" spc="-1" strike="noStrike">
                 <a:solidFill>
                   <a:srgbClr val="000000"/>
                 </a:solidFill>
@@ -3965,7 +3918,7 @@
               </a:rPr>
               <a:t>Second Outline Level</a:t>
             </a:r>
-            <a:endParaRPr b="0" lang="en-GB" sz="2400" spc="-1" strike="noStrike">
+            <a:endParaRPr b="0" lang="en-GB" sz="2800" spc="-1" strike="noStrike">
               <a:solidFill>
                 <a:srgbClr val="000000"/>
               </a:solidFill>
@@ -3987,7 +3940,7 @@
               <a:buChar char=""/>
             </a:pPr>
             <a:r>
-              <a:rPr b="0" lang="en-GB" sz="2000" spc="-1" strike="noStrike">
+              <a:rPr b="0" lang="en-GB" sz="2400" spc="-1" strike="noStrike">
                 <a:solidFill>
                   <a:srgbClr val="000000"/>
                 </a:solidFill>
@@ -4000,7 +3953,7 @@
               </a:rPr>
               <a:t>Third Outline Level</a:t>
             </a:r>
-            <a:endParaRPr b="0" lang="en-GB" sz="2000" spc="-1" strike="noStrike">
+            <a:endParaRPr b="0" lang="en-GB" sz="2400" spc="-1" strike="noStrike">
               <a:solidFill>
                 <a:srgbClr val="000000"/>
               </a:solidFill>
@@ -4200,7 +4153,7 @@
       </p:grpSpPr>
       <p:sp>
         <p:nvSpPr>
-          <p:cNvPr id="39" name="PlaceHolder 1"/>
+          <p:cNvPr id="36" name="PlaceHolder 1"/>
           <p:cNvSpPr>
             <a:spLocks noGrp="1"/>
           </p:cNvSpPr>
@@ -4210,8 +4163,8 @@
         </p:nvSpPr>
         <p:spPr>
           <a:xfrm>
-            <a:off x="503280" y="301680"/>
-            <a:ext cx="9069120" cy="1260000"/>
+            <a:off x="504000" y="301320"/>
+            <a:ext cx="9072000" cy="1261800"/>
           </a:xfrm>
           <a:prstGeom prst="rect">
             <a:avLst/>
@@ -4220,11 +4173,7 @@
         <p:txBody>
           <a:bodyPr lIns="0" rIns="0" tIns="0" bIns="0" anchor="ctr"/>
           <a:p>
-            <a:pPr algn="ctr">
-              <a:lnSpc>
-                <a:spcPct val="93000"/>
-              </a:lnSpc>
-            </a:pPr>
+            <a:pPr algn="ctr"/>
             <a:r>
               <a:rPr b="0" lang="en-GB" sz="4400" spc="-1" strike="noStrike">
                 <a:solidFill>
@@ -4236,9 +4185,8 @@
                   </a:solidFill>
                 </a:uFill>
                 <a:latin typeface="Arial"/>
-                <a:ea typeface="Noto Sans CJK SC Regular"/>
-              </a:rPr>
-              <a:t>Click to edit Master title style</a:t>
+              </a:rPr>
+              <a:t>Click to edit the title text format</a:t>
             </a:r>
             <a:endParaRPr b="0" lang="en-GB" sz="4400" spc="-1" strike="noStrike">
               <a:solidFill>
@@ -4256,7 +4204,7 @@
       </p:sp>
       <p:sp>
         <p:nvSpPr>
-          <p:cNvPr id="40" name="PlaceHolder 2"/>
+          <p:cNvPr id="37" name="PlaceHolder 2"/>
           <p:cNvSpPr>
             <a:spLocks noGrp="1"/>
           </p:cNvSpPr>
@@ -4266,15 +4214,15 @@
         </p:nvSpPr>
         <p:spPr>
           <a:xfrm>
-            <a:off x="503280" y="1768320"/>
-            <a:ext cx="9069120" cy="4382640"/>
+            <a:off x="504000" y="1768680"/>
+            <a:ext cx="9072000" cy="4384080"/>
           </a:xfrm>
           <a:prstGeom prst="rect">
             <a:avLst/>
           </a:prstGeom>
         </p:spPr>
         <p:txBody>
-          <a:bodyPr lIns="0" rIns="0" tIns="28440" bIns="0"/>
+          <a:bodyPr lIns="0" rIns="0" tIns="0" bIns="0"/>
           <a:p>
             <a:pPr marL="432000" indent="-324000">
               <a:buClr>
@@ -4295,7 +4243,6 @@
                   </a:solidFill>
                 </a:uFill>
                 <a:latin typeface="Arial"/>
-                <a:ea typeface="Noto Sans CJK SC Regular"/>
               </a:rPr>
               <a:t>Click to edit the outline text format</a:t>
             </a:r>
@@ -4321,21 +4268,20 @@
               <a:buChar char=""/>
             </a:pPr>
             <a:r>
-              <a:rPr b="0" lang="en-GB" sz="3200" spc="-1" strike="noStrike">
-                <a:solidFill>
-                  <a:srgbClr val="000000"/>
-                </a:solidFill>
-                <a:uFill>
-                  <a:solidFill>
-                    <a:srgbClr val="ffffff"/>
-                  </a:solidFill>
-                </a:uFill>
-                <a:latin typeface="Arial"/>
-                <a:ea typeface="Noto Sans CJK SC Regular"/>
+              <a:rPr b="0" lang="en-GB" sz="2800" spc="-1" strike="noStrike">
+                <a:solidFill>
+                  <a:srgbClr val="000000"/>
+                </a:solidFill>
+                <a:uFill>
+                  <a:solidFill>
+                    <a:srgbClr val="ffffff"/>
+                  </a:solidFill>
+                </a:uFill>
+                <a:latin typeface="Arial"/>
               </a:rPr>
               <a:t>Second Outline Level</a:t>
             </a:r>
-            <a:endParaRPr b="0" lang="en-GB" sz="3200" spc="-1" strike="noStrike">
+            <a:endParaRPr b="0" lang="en-GB" sz="2800" spc="-1" strike="noStrike">
               <a:solidFill>
                 <a:srgbClr val="000000"/>
               </a:solidFill>
@@ -4357,21 +4303,20 @@
               <a:buChar char=""/>
             </a:pPr>
             <a:r>
-              <a:rPr b="0" lang="en-GB" sz="3200" spc="-1" strike="noStrike">
-                <a:solidFill>
-                  <a:srgbClr val="000000"/>
-                </a:solidFill>
-                <a:uFill>
-                  <a:solidFill>
-                    <a:srgbClr val="ffffff"/>
-                  </a:solidFill>
-                </a:uFill>
-                <a:latin typeface="Arial"/>
-                <a:ea typeface="Noto Sans CJK SC Regular"/>
+              <a:rPr b="0" lang="en-GB" sz="2400" spc="-1" strike="noStrike">
+                <a:solidFill>
+                  <a:srgbClr val="000000"/>
+                </a:solidFill>
+                <a:uFill>
+                  <a:solidFill>
+                    <a:srgbClr val="ffffff"/>
+                  </a:solidFill>
+                </a:uFill>
+                <a:latin typeface="Arial"/>
               </a:rPr>
               <a:t>Third Outline Level</a:t>
             </a:r>
-            <a:endParaRPr b="0" lang="en-GB" sz="3200" spc="-1" strike="noStrike">
+            <a:endParaRPr b="0" lang="en-GB" sz="2400" spc="-1" strike="noStrike">
               <a:solidFill>
                 <a:srgbClr val="000000"/>
               </a:solidFill>
@@ -4393,21 +4338,20 @@
               <a:buChar char=""/>
             </a:pPr>
             <a:r>
-              <a:rPr b="0" lang="en-GB" sz="3200" spc="-1" strike="noStrike">
-                <a:solidFill>
-                  <a:srgbClr val="000000"/>
-                </a:solidFill>
-                <a:uFill>
-                  <a:solidFill>
-                    <a:srgbClr val="ffffff"/>
-                  </a:solidFill>
-                </a:uFill>
-                <a:latin typeface="Arial"/>
-                <a:ea typeface="Noto Sans CJK SC Regular"/>
+              <a:rPr b="0" lang="en-GB" sz="2000" spc="-1" strike="noStrike">
+                <a:solidFill>
+                  <a:srgbClr val="000000"/>
+                </a:solidFill>
+                <a:uFill>
+                  <a:solidFill>
+                    <a:srgbClr val="ffffff"/>
+                  </a:solidFill>
+                </a:uFill>
+                <a:latin typeface="Arial"/>
               </a:rPr>
               <a:t>Fourth Outline Level</a:t>
             </a:r>
-            <a:endParaRPr b="0" lang="en-GB" sz="3200" spc="-1" strike="noStrike">
+            <a:endParaRPr b="0" lang="en-GB" sz="2000" spc="-1" strike="noStrike">
               <a:solidFill>
                 <a:srgbClr val="000000"/>
               </a:solidFill>
@@ -4429,21 +4373,20 @@
               <a:buChar char=""/>
             </a:pPr>
             <a:r>
-              <a:rPr b="0" lang="en-GB" sz="3200" spc="-1" strike="noStrike">
-                <a:solidFill>
-                  <a:srgbClr val="000000"/>
-                </a:solidFill>
-                <a:uFill>
-                  <a:solidFill>
-                    <a:srgbClr val="ffffff"/>
-                  </a:solidFill>
-                </a:uFill>
-                <a:latin typeface="Arial"/>
-                <a:ea typeface="Noto Sans CJK SC Regular"/>
+              <a:rPr b="0" lang="en-GB" sz="2000" spc="-1" strike="noStrike">
+                <a:solidFill>
+                  <a:srgbClr val="000000"/>
+                </a:solidFill>
+                <a:uFill>
+                  <a:solidFill>
+                    <a:srgbClr val="ffffff"/>
+                  </a:solidFill>
+                </a:uFill>
+                <a:latin typeface="Arial"/>
               </a:rPr>
               <a:t>Fifth Outline Level</a:t>
             </a:r>
-            <a:endParaRPr b="0" lang="en-GB" sz="3200" spc="-1" strike="noStrike">
+            <a:endParaRPr b="0" lang="en-GB" sz="2000" spc="-1" strike="noStrike">
               <a:solidFill>
                 <a:srgbClr val="000000"/>
               </a:solidFill>
@@ -4465,123 +4408,41 @@
               <a:buChar char=""/>
             </a:pPr>
             <a:r>
-              <a:rPr b="0" lang="en-GB" sz="3200" spc="-1" strike="noStrike">
-                <a:solidFill>
-                  <a:srgbClr val="000000"/>
-                </a:solidFill>
-                <a:uFill>
-                  <a:solidFill>
-                    <a:srgbClr val="ffffff"/>
-                  </a:solidFill>
-                </a:uFill>
-                <a:latin typeface="Arial"/>
-                <a:ea typeface="Noto Sans CJK SC Regular"/>
+              <a:rPr b="0" lang="en-GB" sz="2000" spc="-1" strike="noStrike">
+                <a:solidFill>
+                  <a:srgbClr val="000000"/>
+                </a:solidFill>
+                <a:uFill>
+                  <a:solidFill>
+                    <a:srgbClr val="ffffff"/>
+                  </a:solidFill>
+                </a:uFill>
+                <a:latin typeface="Arial"/>
               </a:rPr>
               <a:t>Sixth Outline Level</a:t>
             </a:r>
-            <a:endParaRPr b="0" lang="en-GB" sz="3200" spc="-1" strike="noStrike">
-              <a:solidFill>
-                <a:srgbClr val="000000"/>
-              </a:solidFill>
-              <a:uFill>
-                <a:solidFill>
-                  <a:srgbClr val="ffffff"/>
-                </a:solidFill>
-              </a:uFill>
-              <a:latin typeface="Arial"/>
-            </a:endParaRPr>
-          </a:p>
-          <a:p>
-            <a:pPr marL="343080" indent="-342720">
-              <a:lnSpc>
-                <a:spcPct val="100000"/>
-              </a:lnSpc>
+            <a:endParaRPr b="0" lang="en-GB" sz="2000" spc="-1" strike="noStrike">
+              <a:solidFill>
+                <a:srgbClr val="000000"/>
+              </a:solidFill>
+              <a:uFill>
+                <a:solidFill>
+                  <a:srgbClr val="ffffff"/>
+                </a:solidFill>
+              </a:uFill>
+              <a:latin typeface="Arial"/>
+            </a:endParaRPr>
+          </a:p>
+          <a:p>
+            <a:pPr lvl="6" marL="3024000" indent="-216000">
+              <a:buClr>
+                <a:srgbClr val="000000"/>
+              </a:buClr>
+              <a:buSzPct val="45000"/>
+              <a:buFont typeface="Wingdings" charset="2"/>
+              <a:buChar char=""/>
             </a:pPr>
             <a:r>
-              <a:rPr b="0" lang="en-GB" sz="3200" spc="-1" strike="noStrike">
-                <a:solidFill>
-                  <a:srgbClr val="000000"/>
-                </a:solidFill>
-                <a:uFill>
-                  <a:solidFill>
-                    <a:srgbClr val="ffffff"/>
-                  </a:solidFill>
-                </a:uFill>
-                <a:latin typeface="Arial"/>
-                <a:ea typeface="Noto Sans CJK SC Regular"/>
-              </a:rPr>
-              <a:t>Seventh Outline LevelClick to edit Master text styles</a:t>
-            </a:r>
-            <a:endParaRPr b="0" lang="en-GB" sz="3200" spc="-1" strike="noStrike">
-              <a:solidFill>
-                <a:srgbClr val="000000"/>
-              </a:solidFill>
-              <a:uFill>
-                <a:solidFill>
-                  <a:srgbClr val="ffffff"/>
-                </a:solidFill>
-              </a:uFill>
-              <a:latin typeface="Arial"/>
-            </a:endParaRPr>
-          </a:p>
-          <a:p>
-            <a:r>
-              <a:rPr b="0" lang="en-GB" sz="2800" spc="-1" strike="noStrike">
-                <a:solidFill>
-                  <a:srgbClr val="000000"/>
-                </a:solidFill>
-                <a:uFill>
-                  <a:solidFill>
-                    <a:srgbClr val="ffffff"/>
-                  </a:solidFill>
-                </a:uFill>
-                <a:latin typeface="Arial"/>
-                <a:ea typeface="Noto Sans CJK SC Regular"/>
-              </a:rPr>
-              <a:t>Second level</a:t>
-            </a:r>
-            <a:endParaRPr b="0" lang="en-GB" sz="3200" spc="-1" strike="noStrike">
-              <a:solidFill>
-                <a:srgbClr val="000000"/>
-              </a:solidFill>
-              <a:uFill>
-                <a:solidFill>
-                  <a:srgbClr val="ffffff"/>
-                </a:solidFill>
-              </a:uFill>
-              <a:latin typeface="Arial"/>
-            </a:endParaRPr>
-          </a:p>
-          <a:p>
-            <a:r>
-              <a:rPr b="0" lang="en-GB" sz="2400" spc="-1" strike="noStrike">
-                <a:solidFill>
-                  <a:srgbClr val="000000"/>
-                </a:solidFill>
-                <a:uFill>
-                  <a:solidFill>
-                    <a:srgbClr val="ffffff"/>
-                  </a:solidFill>
-                </a:uFill>
-                <a:latin typeface="Arial"/>
-                <a:ea typeface="Noto Sans CJK SC Regular"/>
-              </a:rPr>
-              <a:t>Third level</a:t>
-            </a:r>
-            <a:endParaRPr b="0" lang="en-GB" sz="3200" spc="-1" strike="noStrike">
-              <a:solidFill>
-                <a:srgbClr val="000000"/>
-              </a:solidFill>
-              <a:uFill>
-                <a:solidFill>
-                  <a:srgbClr val="ffffff"/>
-                </a:solidFill>
-              </a:uFill>
-              <a:latin typeface="Arial"/>
-            </a:endParaRPr>
-          </a:p>
-          <a:p>
-            <a:r>
               <a:rPr b="0" lang="en-GB" sz="2000" spc="-1" strike="noStrike">
                 <a:solidFill>
                   <a:srgbClr val="000000"/>
@@ -4592,176 +4453,19 @@
                   </a:solidFill>
                 </a:uFill>
                 <a:latin typeface="Arial"/>
-                <a:ea typeface="Noto Sans CJK SC Regular"/>
-              </a:rPr>
-              <a:t>Fourth level</a:t>
-            </a:r>
-            <a:endParaRPr b="0" lang="en-GB" sz="3200" spc="-1" strike="noStrike">
-              <a:solidFill>
-                <a:srgbClr val="000000"/>
-              </a:solidFill>
-              <a:uFill>
-                <a:solidFill>
-                  <a:srgbClr val="ffffff"/>
-                </a:solidFill>
-              </a:uFill>
-              <a:latin typeface="Arial"/>
-            </a:endParaRPr>
-          </a:p>
-          <a:p>
-            <a:r>
-              <a:rPr b="0" lang="en-GB" sz="2000" spc="-1" strike="noStrike">
-                <a:solidFill>
-                  <a:srgbClr val="000000"/>
-                </a:solidFill>
-                <a:uFill>
-                  <a:solidFill>
-                    <a:srgbClr val="ffffff"/>
-                  </a:solidFill>
-                </a:uFill>
-                <a:latin typeface="Arial"/>
-                <a:ea typeface="Noto Sans CJK SC Regular"/>
-              </a:rPr>
-              <a:t>Fifth level</a:t>
-            </a:r>
-            <a:endParaRPr b="0" lang="en-GB" sz="3200" spc="-1" strike="noStrike">
-              <a:solidFill>
-                <a:srgbClr val="000000"/>
-              </a:solidFill>
-              <a:uFill>
-                <a:solidFill>
-                  <a:srgbClr val="ffffff"/>
-                </a:solidFill>
-              </a:uFill>
-              <a:latin typeface="Arial"/>
-            </a:endParaRPr>
-          </a:p>
-        </p:txBody>
-      </p:sp>
-      <p:sp>
-        <p:nvSpPr>
-          <p:cNvPr id="41" name="PlaceHolder 3"/>
-          <p:cNvSpPr>
-            <a:spLocks noGrp="1"/>
-          </p:cNvSpPr>
-          <p:nvPr>
-            <p:ph type="dt"/>
-          </p:nvPr>
-        </p:nvSpPr>
-        <p:spPr>
-          <a:xfrm>
-            <a:off x="503280" y="6886440"/>
-            <a:ext cx="2346120" cy="518760"/>
-          </a:xfrm>
-          <a:prstGeom prst="rect">
-            <a:avLst/>
-          </a:prstGeom>
-        </p:spPr>
-        <p:txBody>
-          <a:bodyPr lIns="0" rIns="0" tIns="0" bIns="0"/>
-          <a:p>
-            <a:endParaRPr b="0" lang="en-GB" sz="2400" spc="-1" strike="noStrike">
-              <a:solidFill>
-                <a:srgbClr val="000000"/>
-              </a:solidFill>
-              <a:uFill>
-                <a:solidFill>
-                  <a:srgbClr val="ffffff"/>
-                </a:solidFill>
-              </a:uFill>
-              <a:latin typeface="Times New Roman"/>
-            </a:endParaRPr>
-          </a:p>
-        </p:txBody>
-      </p:sp>
-      <p:sp>
-        <p:nvSpPr>
-          <p:cNvPr id="42" name="PlaceHolder 4"/>
-          <p:cNvSpPr>
-            <a:spLocks noGrp="1"/>
-          </p:cNvSpPr>
-          <p:nvPr>
-            <p:ph type="ftr"/>
-          </p:nvPr>
-        </p:nvSpPr>
-        <p:spPr>
-          <a:xfrm>
-            <a:off x="3448080" y="6886440"/>
-            <a:ext cx="3193560" cy="518760"/>
-          </a:xfrm>
-          <a:prstGeom prst="rect">
-            <a:avLst/>
-          </a:prstGeom>
-        </p:spPr>
-        <p:txBody>
-          <a:bodyPr lIns="0" rIns="0" tIns="0" bIns="0"/>
-          <a:p>
-            <a:endParaRPr b="0" lang="en-GB" sz="2400" spc="-1" strike="noStrike">
-              <a:solidFill>
-                <a:srgbClr val="000000"/>
-              </a:solidFill>
-              <a:uFill>
-                <a:solidFill>
-                  <a:srgbClr val="ffffff"/>
-                </a:solidFill>
-              </a:uFill>
-              <a:latin typeface="Times New Roman"/>
-            </a:endParaRPr>
-          </a:p>
-        </p:txBody>
-      </p:sp>
-      <p:sp>
-        <p:nvSpPr>
-          <p:cNvPr id="43" name="PlaceHolder 5"/>
-          <p:cNvSpPr>
-            <a:spLocks noGrp="1"/>
-          </p:cNvSpPr>
-          <p:nvPr>
-            <p:ph type="sldNum"/>
-          </p:nvPr>
-        </p:nvSpPr>
-        <p:spPr>
-          <a:xfrm>
-            <a:off x="7227720" y="6886440"/>
-            <a:ext cx="2346120" cy="518760"/>
-          </a:xfrm>
-          <a:prstGeom prst="rect">
-            <a:avLst/>
-          </a:prstGeom>
-        </p:spPr>
-        <p:txBody>
-          <a:bodyPr lIns="0" rIns="0" tIns="0" bIns="0"/>
-          <a:p>
-            <a:pPr algn="r">
-              <a:lnSpc>
-                <a:spcPct val="100000"/>
-              </a:lnSpc>
-            </a:pPr>
-            <a:fld id="{3FE84DFF-67E6-4350-85FF-981E59CD10A6}" type="slidenum">
-              <a:rPr b="0" lang="en-GB" sz="1400" spc="-1" strike="noStrike">
-                <a:solidFill>
-                  <a:srgbClr val="000000"/>
-                </a:solidFill>
-                <a:uFill>
-                  <a:solidFill>
-                    <a:srgbClr val="ffffff"/>
-                  </a:solidFill>
-                </a:uFill>
-                <a:latin typeface="Times New Roman"/>
-                <a:ea typeface="DejaVu Sans"/>
-              </a:rPr>
-              <a:t>&lt;number&gt;</a:t>
-            </a:fld>
-            <a:endParaRPr b="0" lang="en-GB" sz="1400" spc="-1" strike="noStrike">
-              <a:solidFill>
-                <a:srgbClr val="000000"/>
-              </a:solidFill>
-              <a:uFill>
-                <a:solidFill>
-                  <a:srgbClr val="ffffff"/>
-                </a:solidFill>
-              </a:uFill>
-              <a:latin typeface="Times New Roman"/>
+              </a:rPr>
+              <a:t>Seventh Outline Level</a:t>
+            </a:r>
+            <a:endParaRPr b="0" lang="en-GB" sz="2000" spc="-1" strike="noStrike">
+              <a:solidFill>
+                <a:srgbClr val="000000"/>
+              </a:solidFill>
+              <a:uFill>
+                <a:solidFill>
+                  <a:srgbClr val="ffffff"/>
+                </a:solidFill>
+              </a:uFill>
+              <a:latin typeface="Arial"/>
             </a:endParaRPr>
           </a:p>
         </p:txBody>
@@ -4805,14 +4509,14 @@
       </p:grpSpPr>
       <p:sp>
         <p:nvSpPr>
-          <p:cNvPr id="83" name="TextShape 1"/>
-          <p:cNvSpPr txBox="1"/>
+          <p:cNvPr id="77" name="CustomShape 1"/>
+          <p:cNvSpPr/>
           <p:nvPr/>
         </p:nvSpPr>
         <p:spPr>
           <a:xfrm>
             <a:off x="503280" y="1474920"/>
-            <a:ext cx="9070560" cy="1261800"/>
+            <a:ext cx="9070200" cy="1261440"/>
           </a:xfrm>
           <a:prstGeom prst="rect">
             <a:avLst/>
@@ -4822,6 +4526,12 @@
             <a:noFill/>
           </a:ln>
         </p:spPr>
+        <p:style>
+          <a:lnRef idx="0"/>
+          <a:fillRef idx="0"/>
+          <a:effectRef idx="0"/>
+          <a:fontRef idx="minor"/>
+        </p:style>
         <p:txBody>
           <a:bodyPr lIns="0" rIns="0" tIns="39240" bIns="0" anchor="ctr"/>
           <a:p>
@@ -4845,7 +4555,7 @@
               </a:rPr>
               <a:t>Open Source Brain</a:t>
             </a:r>
-            <a:endParaRPr b="0" lang="en-GB" sz="4400" spc="-1" strike="noStrike">
+            <a:endParaRPr b="0" lang="en-GB" sz="1800" spc="-1" strike="noStrike">
               <a:solidFill>
                 <a:srgbClr val="000000"/>
               </a:solidFill>
@@ -4861,14 +4571,14 @@
       </p:sp>
       <p:sp>
         <p:nvSpPr>
-          <p:cNvPr id="84" name="TextShape 2"/>
-          <p:cNvSpPr txBox="1"/>
+          <p:cNvPr id="78" name="CustomShape 2"/>
+          <p:cNvSpPr/>
           <p:nvPr/>
         </p:nvSpPr>
         <p:spPr>
           <a:xfrm>
             <a:off x="503280" y="3059280"/>
-            <a:ext cx="9070560" cy="649080"/>
+            <a:ext cx="9070200" cy="648720"/>
           </a:xfrm>
           <a:prstGeom prst="rect">
             <a:avLst/>
@@ -4878,6 +4588,12 @@
             <a:noFill/>
           </a:ln>
         </p:spPr>
+        <p:style>
+          <a:lnRef idx="0"/>
+          <a:fillRef idx="0"/>
+          <a:effectRef idx="0"/>
+          <a:fontRef idx="minor"/>
+        </p:style>
         <p:txBody>
           <a:bodyPr lIns="0" rIns="0" tIns="28440" bIns="0" anchor="ctr"/>
           <a:p>
@@ -4887,9 +4603,9 @@
               </a:lnSpc>
             </a:pPr>
             <a:r>
-              <a:rPr b="0" lang="en-GB" sz="3200" spc="-1" strike="noStrike">
-                <a:solidFill>
-                  <a:srgbClr val="000000"/>
+              <a:rPr b="0" lang="en-GB" sz="3200" spc="-1" strike="noStrike" u="sng">
+                <a:solidFill>
+                  <a:srgbClr val="0000ff"/>
                 </a:solidFill>
                 <a:uFill>
                   <a:solidFill>
@@ -4902,7 +4618,7 @@
               </a:rPr>
               <a:t>http://www.opensourcebrain.org</a:t>
             </a:r>
-            <a:endParaRPr b="0" lang="en-GB" sz="3200" spc="-1" strike="noStrike">
+            <a:endParaRPr b="0" lang="en-GB" sz="1800" spc="-1" strike="noStrike">
               <a:solidFill>
                 <a:srgbClr val="000000"/>
               </a:solidFill>
@@ -4918,14 +4634,14 @@
       </p:sp>
       <p:sp>
         <p:nvSpPr>
-          <p:cNvPr id="85" name="CustomShape 3"/>
+          <p:cNvPr id="79" name="CustomShape 3"/>
           <p:cNvSpPr/>
           <p:nvPr/>
         </p:nvSpPr>
         <p:spPr>
           <a:xfrm>
             <a:off x="216000" y="7020000"/>
-            <a:ext cx="2879280" cy="396360"/>
+            <a:ext cx="2878920" cy="396000"/>
           </a:xfrm>
           <a:prstGeom prst="rect">
             <a:avLst/>
@@ -4980,14 +4696,14 @@
       </p:sp>
       <p:sp>
         <p:nvSpPr>
-          <p:cNvPr id="86" name="CustomShape 4"/>
+          <p:cNvPr id="80" name="CustomShape 4"/>
           <p:cNvSpPr/>
           <p:nvPr/>
         </p:nvSpPr>
         <p:spPr>
           <a:xfrm>
             <a:off x="1295280" y="4932360"/>
-            <a:ext cx="7488000" cy="1250640"/>
+            <a:ext cx="7487640" cy="1250280"/>
           </a:xfrm>
           <a:prstGeom prst="rect">
             <a:avLst/>
@@ -5024,23 +4740,7 @@
                 <a:latin typeface="Arial"/>
                 <a:ea typeface="Noto Sans CJK SC Regular"/>
               </a:rPr>
-              <a:t>Open Source Brain is</a:t>
-            </a:r>
-            <a:r>
-              <a:rPr b="0" lang="en-GB" sz="1800" spc="-1" strike="noStrike" u="sng">
-                <a:solidFill>
-                  <a:srgbClr val="ccccff"/>
-                </a:solidFill>
-                <a:uFill>
-                  <a:solidFill>
-                    <a:srgbClr val="ffffff"/>
-                  </a:solidFill>
-                </a:uFill>
-                <a:latin typeface="Arial"/>
-                <a:ea typeface="Noto Sans CJK SC Regular"/>
-                <a:hlinkClick r:id="rId2"/>
-              </a:rPr>
-              <a:t>…</a:t>
+              <a:t>The Open Source Brain initiative (OSB) makes computational models of neurons and networks available in open source, standardized formats such as NeuroML and PyNN, encouraging collaborative development. Models and model components can be viewed, analysed and their functional behaviour explored through online simulations in standard web browsers. </a:t>
             </a:r>
             <a:endParaRPr b="0" lang="en-GB" sz="1800" spc="-1" strike="noStrike">
               <a:solidFill>
@@ -5058,7 +4758,7 @@
       </p:sp>
       <p:sp>
         <p:nvSpPr>
-          <p:cNvPr id="87" name="Line 5"/>
+          <p:cNvPr id="81" name="Line 5"/>
           <p:cNvSpPr/>
           <p:nvPr/>
         </p:nvSpPr>
@@ -5086,14 +4786,14 @@
       </p:sp>
       <p:sp>
         <p:nvSpPr>
-          <p:cNvPr id="88" name="CustomShape 6"/>
+          <p:cNvPr id="82" name="CustomShape 6"/>
           <p:cNvSpPr/>
           <p:nvPr/>
         </p:nvSpPr>
         <p:spPr>
           <a:xfrm>
             <a:off x="6985080" y="7020000"/>
-            <a:ext cx="2879280" cy="396360"/>
+            <a:ext cx="2878920" cy="396000"/>
           </a:xfrm>
           <a:prstGeom prst="rect">
             <a:avLst/>
@@ -5195,68 +4895,29 @@
           <a:chExt cx="0" cy="0"/>
         </a:xfrm>
       </p:grpSpPr>
-      <p:sp>
-        <p:nvSpPr>
-          <p:cNvPr id="89" name="CustomShape 1"/>
-          <p:cNvSpPr/>
+      <p:pic>
+        <p:nvPicPr>
+          <p:cNvPr id="83" name="" descr=""/>
+          <p:cNvPicPr/>
           <p:nvPr/>
-        </p:nvSpPr>
-        <p:spPr>
-          <a:xfrm>
-            <a:off x="739800" y="693720"/>
-            <a:ext cx="3868200" cy="1250640"/>
+        </p:nvPicPr>
+        <p:blipFill>
+          <a:blip r:embed="rId1"/>
+          <a:stretch/>
+        </p:blipFill>
+        <p:spPr>
+          <a:xfrm>
+            <a:off x="-72000" y="288000"/>
+            <a:ext cx="10224000" cy="6973560"/>
           </a:xfrm>
           <a:prstGeom prst="rect">
             <a:avLst/>
           </a:prstGeom>
-          <a:noFill/>
           <a:ln>
             <a:noFill/>
           </a:ln>
         </p:spPr>
-        <p:style>
-          <a:lnRef idx="0"/>
-          <a:fillRef idx="0"/>
-          <a:effectRef idx="0"/>
-          <a:fontRef idx="minor"/>
-        </p:style>
-        <p:txBody>
-          <a:bodyPr lIns="90000" rIns="90000" tIns="60840" bIns="45000"/>
-          <a:p>
-            <a:pPr>
-              <a:lnSpc>
-                <a:spcPct val="93000"/>
-              </a:lnSpc>
-            </a:pPr>
-            <a:r>
-              <a:rPr b="0" i="1" lang="en-GB" sz="1800" spc="-1" strike="noStrike">
-                <a:solidFill>
-                  <a:srgbClr val="666666"/>
-                </a:solidFill>
-                <a:uFill>
-                  <a:solidFill>
-                    <a:srgbClr val="ffffff"/>
-                  </a:solidFill>
-                </a:uFill>
-                <a:latin typeface="Arial"/>
-                <a:ea typeface="Noto Sans CJK SC Regular"/>
-              </a:rPr>
-              <a:t>One slide giving an overview of the resource, example datasets, etc.</a:t>
-            </a:r>
-            <a:endParaRPr b="0" lang="en-GB" sz="1800" spc="-1" strike="noStrike">
-              <a:solidFill>
-                <a:srgbClr val="000000"/>
-              </a:solidFill>
-              <a:uFill>
-                <a:solidFill>
-                  <a:srgbClr val="ffffff"/>
-                </a:solidFill>
-              </a:uFill>
-              <a:latin typeface="Arial"/>
-            </a:endParaRPr>
-          </a:p>
-        </p:txBody>
-      </p:sp>
+      </p:pic>
     </p:spTree>
   </p:cSld>
   <p:timing>
@@ -5306,20 +4967,66 @@
           <a:chExt cx="0" cy="0"/>
         </a:xfrm>
       </p:grpSpPr>
-      <p:sp>
-        <p:nvSpPr>
-          <p:cNvPr id="90" name="CustomShape 1"/>
+      <p:pic>
+        <p:nvPicPr>
+          <p:cNvPr id="84" name="" descr=""/>
+          <p:cNvPicPr/>
+          <p:nvPr/>
+        </p:nvPicPr>
+        <p:blipFill>
+          <a:blip r:embed="rId1"/>
+          <a:stretch/>
+        </p:blipFill>
+        <p:spPr>
+          <a:xfrm>
+            <a:off x="3945600" y="2852280"/>
+            <a:ext cx="2187720" cy="2247840"/>
+          </a:xfrm>
+          <a:prstGeom prst="rect">
+            <a:avLst/>
+          </a:prstGeom>
+          <a:ln>
+            <a:noFill/>
+          </a:ln>
+        </p:spPr>
+      </p:pic>
+      <p:sp>
+        <p:nvSpPr>
+          <p:cNvPr id="85" name="CustomShape 1"/>
           <p:cNvSpPr/>
           <p:nvPr/>
         </p:nvSpPr>
         <p:spPr>
           <a:xfrm>
-            <a:off x="739800" y="693720"/>
-            <a:ext cx="3868200" cy="1250640"/>
-          </a:xfrm>
-          <a:prstGeom prst="rect">
-            <a:avLst/>
-          </a:prstGeom>
+            <a:off x="313560" y="335880"/>
+            <a:ext cx="9358200" cy="898560"/>
+          </a:xfrm>
+          <a:custGeom>
+            <a:avLst/>
+            <a:gdLst/>
+            <a:ahLst/>
+            <a:rect l="l" t="t" r="r" b="b"/>
+            <a:pathLst>
+              <a:path w="21600" h="21600">
+                <a:moveTo>
+                  <a:pt x="0" y="0"/>
+                </a:moveTo>
+                <a:lnTo>
+                  <a:pt x="21600" y="0"/>
+                </a:lnTo>
+                <a:lnTo>
+                  <a:pt x="21600" y="21600"/>
+                </a:lnTo>
+                <a:lnTo>
+                  <a:pt x="0" y="21600"/>
+                </a:lnTo>
+                <a:lnTo>
+                  <a:pt x="0" y="0"/>
+                </a:lnTo>
+                <a:close/>
+              </a:path>
+            </a:pathLst>
+          </a:custGeom>
           <a:noFill/>
           <a:ln>
             <a:noFill/>
@@ -5332,7 +5039,7 @@
           <a:fontRef idx="minor"/>
         </p:style>
         <p:txBody>
-          <a:bodyPr lIns="90000" rIns="90000" tIns="60840" bIns="45000"/>
+          <a:bodyPr lIns="0" rIns="0" tIns="0" bIns="0" anchor="ctr"/>
           <a:p>
             <a:pPr>
               <a:lnSpc>
@@ -5340,19 +5047,18 @@
               </a:lnSpc>
             </a:pPr>
             <a:r>
-              <a:rPr b="0" i="1" lang="en-GB" sz="1800" spc="-1" strike="noStrike">
-                <a:solidFill>
-                  <a:srgbClr val="808080"/>
-                </a:solidFill>
-                <a:uFill>
-                  <a:solidFill>
-                    <a:srgbClr val="ffffff"/>
-                  </a:solidFill>
-                </a:uFill>
-                <a:latin typeface="Arial"/>
-                <a:ea typeface="Noto Sans CJK SC Regular"/>
-              </a:rPr>
-              <a:t>One slide discussing current work/future plans</a:t>
+              <a:rPr b="0" lang="en-GB" sz="3200" spc="-1" strike="noStrike">
+                <a:solidFill>
+                  <a:srgbClr val="023f62"/>
+                </a:solidFill>
+                <a:uFill>
+                  <a:solidFill>
+                    <a:srgbClr val="ffffff"/>
+                  </a:solidFill>
+                </a:uFill>
+                <a:latin typeface="Arial"/>
+              </a:rPr>
+              <a:t>Models available on OSB</a:t>
             </a:r>
             <a:endParaRPr b="0" lang="en-GB" sz="1800" spc="-1" strike="noStrike">
               <a:solidFill>
@@ -5367,6 +5073,4017 @@
             </a:endParaRPr>
           </a:p>
         </p:txBody>
+      </p:sp>
+      <p:sp>
+        <p:nvSpPr>
+          <p:cNvPr id="86" name="CustomShape 2"/>
+          <p:cNvSpPr/>
+          <p:nvPr/>
+        </p:nvSpPr>
+        <p:spPr>
+          <a:xfrm>
+            <a:off x="745200" y="1956600"/>
+            <a:ext cx="2568600" cy="3011400"/>
+          </a:xfrm>
+          <a:custGeom>
+            <a:avLst/>
+            <a:gdLst/>
+            <a:ahLst/>
+            <a:rect l="0" t="0" r="r" b="b"/>
+            <a:pathLst>
+              <a:path w="7137" h="8367">
+                <a:moveTo>
+                  <a:pt x="283" y="0"/>
+                </a:moveTo>
+                <a:cubicBezTo>
+                  <a:pt x="141" y="0"/>
+                  <a:pt x="0" y="141"/>
+                  <a:pt x="0" y="283"/>
+                </a:cubicBezTo>
+                <a:lnTo>
+                  <a:pt x="0" y="8082"/>
+                </a:lnTo>
+                <a:cubicBezTo>
+                  <a:pt x="0" y="8224"/>
+                  <a:pt x="141" y="8366"/>
+                  <a:pt x="283" y="8366"/>
+                </a:cubicBezTo>
+                <a:lnTo>
+                  <a:pt x="6852" y="8366"/>
+                </a:lnTo>
+                <a:cubicBezTo>
+                  <a:pt x="6994" y="8366"/>
+                  <a:pt x="7136" y="8224"/>
+                  <a:pt x="7136" y="8082"/>
+                </a:cubicBezTo>
+                <a:lnTo>
+                  <a:pt x="7136" y="283"/>
+                </a:lnTo>
+                <a:cubicBezTo>
+                  <a:pt x="7136" y="141"/>
+                  <a:pt x="6994" y="0"/>
+                  <a:pt x="6852" y="0"/>
+                </a:cubicBezTo>
+                <a:lnTo>
+                  <a:pt x="283" y="0"/>
+                </a:lnTo>
+              </a:path>
+            </a:pathLst>
+          </a:custGeom>
+          <a:solidFill>
+            <a:srgbClr val="cfe7e5"/>
+          </a:solidFill>
+          <a:ln w="10800">
+            <a:solidFill>
+              <a:srgbClr val="808080"/>
+            </a:solidFill>
+            <a:miter/>
+          </a:ln>
+        </p:spPr>
+        <p:style>
+          <a:lnRef idx="0"/>
+          <a:fillRef idx="0"/>
+          <a:effectRef idx="0"/>
+          <a:fontRef idx="minor"/>
+        </p:style>
+        <p:txBody>
+          <a:bodyPr wrap="none" lIns="95400" rIns="95400" tIns="50400" bIns="50400"/>
+          <a:p>
+            <a:pPr algn="ctr"/>
+            <a:r>
+              <a:rPr b="1" lang="en-GB" sz="1400" spc="-1" strike="noStrike">
+                <a:solidFill>
+                  <a:srgbClr val="b80047"/>
+                </a:solidFill>
+                <a:uFill>
+                  <a:solidFill>
+                    <a:srgbClr val="ffffff"/>
+                  </a:solidFill>
+                </a:uFill>
+                <a:latin typeface="Arial"/>
+              </a:rPr>
+              <a:t>Neocortex</a:t>
+            </a:r>
+            <a:endParaRPr b="0" lang="en-GB" sz="1800" spc="-1" strike="noStrike">
+              <a:solidFill>
+                <a:srgbClr val="000000"/>
+              </a:solidFill>
+              <a:uFill>
+                <a:solidFill>
+                  <a:srgbClr val="ffffff"/>
+                </a:solidFill>
+              </a:uFill>
+              <a:latin typeface="Arial"/>
+            </a:endParaRPr>
+          </a:p>
+          <a:p>
+            <a:pPr marL="216000" indent="-216000">
+              <a:buClr>
+                <a:srgbClr val="000000"/>
+              </a:buClr>
+              <a:buSzPct val="45000"/>
+              <a:buFont typeface="Wingdings" charset="2"/>
+              <a:buChar char=""/>
+            </a:pPr>
+            <a:r>
+              <a:rPr b="0" i="1" lang="en-GB" sz="1200" spc="-1" strike="noStrike">
+                <a:solidFill>
+                  <a:srgbClr val="000000"/>
+                </a:solidFill>
+                <a:uFill>
+                  <a:solidFill>
+                    <a:srgbClr val="ffffff"/>
+                  </a:solidFill>
+                </a:uFill>
+                <a:latin typeface="Arial"/>
+              </a:rPr>
+              <a:t>Mainen et al. (1995)</a:t>
+            </a:r>
+            <a:endParaRPr b="0" lang="en-GB" sz="1800" spc="-1" strike="noStrike">
+              <a:solidFill>
+                <a:srgbClr val="000000"/>
+              </a:solidFill>
+              <a:uFill>
+                <a:solidFill>
+                  <a:srgbClr val="ffffff"/>
+                </a:solidFill>
+              </a:uFill>
+              <a:latin typeface="Arial"/>
+            </a:endParaRPr>
+          </a:p>
+          <a:p>
+            <a:pPr marL="216000" indent="-216000">
+              <a:buClr>
+                <a:srgbClr val="000000"/>
+              </a:buClr>
+              <a:buSzPct val="45000"/>
+              <a:buFont typeface="Wingdings" charset="2"/>
+              <a:buChar char=""/>
+            </a:pPr>
+            <a:r>
+              <a:rPr b="1" lang="en-GB" sz="1200" spc="-1" strike="noStrike">
+                <a:solidFill>
+                  <a:srgbClr val="000000"/>
+                </a:solidFill>
+                <a:uFill>
+                  <a:solidFill>
+                    <a:srgbClr val="ffffff"/>
+                  </a:solidFill>
+                </a:uFill>
+                <a:latin typeface="Arial"/>
+              </a:rPr>
+              <a:t>	</a:t>
+            </a:r>
+            <a:r>
+              <a:rPr b="1" lang="en-GB" sz="1200" spc="-1" strike="noStrike">
+                <a:solidFill>
+                  <a:srgbClr val="000000"/>
+                </a:solidFill>
+                <a:uFill>
+                  <a:solidFill>
+                    <a:srgbClr val="ffffff"/>
+                  </a:solidFill>
+                </a:uFill>
+                <a:latin typeface="Arial"/>
+              </a:rPr>
+              <a:t>L5 Pyramidal cell</a:t>
+            </a:r>
+            <a:endParaRPr b="0" lang="en-GB" sz="1800" spc="-1" strike="noStrike">
+              <a:solidFill>
+                <a:srgbClr val="000000"/>
+              </a:solidFill>
+              <a:uFill>
+                <a:solidFill>
+                  <a:srgbClr val="ffffff"/>
+                </a:solidFill>
+              </a:uFill>
+              <a:latin typeface="Arial"/>
+            </a:endParaRPr>
+          </a:p>
+          <a:p>
+            <a:pPr marL="216000" indent="-216000">
+              <a:buClr>
+                <a:srgbClr val="000000"/>
+              </a:buClr>
+              <a:buSzPct val="45000"/>
+              <a:buFont typeface="Wingdings" charset="2"/>
+              <a:buChar char=""/>
+            </a:pPr>
+            <a:r>
+              <a:rPr b="0" i="1" lang="en-GB" sz="1200" spc="-1" strike="noStrike">
+                <a:solidFill>
+                  <a:srgbClr val="000000"/>
+                </a:solidFill>
+                <a:uFill>
+                  <a:solidFill>
+                    <a:srgbClr val="ffffff"/>
+                  </a:solidFill>
+                </a:uFill>
+                <a:latin typeface="Arial"/>
+              </a:rPr>
+              <a:t>Rothman et al. (2010)</a:t>
+            </a:r>
+            <a:endParaRPr b="0" lang="en-GB" sz="1800" spc="-1" strike="noStrike">
+              <a:solidFill>
+                <a:srgbClr val="000000"/>
+              </a:solidFill>
+              <a:uFill>
+                <a:solidFill>
+                  <a:srgbClr val="ffffff"/>
+                </a:solidFill>
+              </a:uFill>
+              <a:latin typeface="Arial"/>
+            </a:endParaRPr>
+          </a:p>
+          <a:p>
+            <a:pPr marL="216000" indent="-216000">
+              <a:buClr>
+                <a:srgbClr val="000000"/>
+              </a:buClr>
+              <a:buSzPct val="45000"/>
+              <a:buFont typeface="Wingdings" charset="2"/>
+              <a:buChar char=""/>
+            </a:pPr>
+            <a:r>
+              <a:rPr b="1" lang="en-GB" sz="1200" spc="-1" strike="noStrike">
+                <a:solidFill>
+                  <a:srgbClr val="000000"/>
+                </a:solidFill>
+                <a:uFill>
+                  <a:solidFill>
+                    <a:srgbClr val="ffffff"/>
+                  </a:solidFill>
+                </a:uFill>
+                <a:latin typeface="Arial"/>
+              </a:rPr>
+              <a:t>	</a:t>
+            </a:r>
+            <a:r>
+              <a:rPr b="1" lang="en-GB" sz="1200" spc="-1" strike="noStrike">
+                <a:solidFill>
+                  <a:srgbClr val="000000"/>
+                </a:solidFill>
+                <a:uFill>
+                  <a:solidFill>
+                    <a:srgbClr val="ffffff"/>
+                  </a:solidFill>
+                </a:uFill>
+                <a:latin typeface="Arial"/>
+              </a:rPr>
+              <a:t>L5 Pyramidal cell</a:t>
+            </a:r>
+            <a:r>
+              <a:rPr b="1" lang="en-GB" sz="1200" spc="-1" strike="noStrike">
+                <a:solidFill>
+                  <a:srgbClr val="000000"/>
+                </a:solidFill>
+                <a:uFill>
+                  <a:solidFill>
+                    <a:srgbClr val="ffffff"/>
+                  </a:solidFill>
+                </a:uFill>
+                <a:latin typeface="Arial"/>
+              </a:rPr>
+              <a:t>	</a:t>
+            </a:r>
+            <a:endParaRPr b="0" lang="en-GB" sz="1800" spc="-1" strike="noStrike">
+              <a:solidFill>
+                <a:srgbClr val="000000"/>
+              </a:solidFill>
+              <a:uFill>
+                <a:solidFill>
+                  <a:srgbClr val="ffffff"/>
+                </a:solidFill>
+              </a:uFill>
+              <a:latin typeface="Arial"/>
+            </a:endParaRPr>
+          </a:p>
+          <a:p>
+            <a:pPr marL="216000" indent="-216000">
+              <a:buClr>
+                <a:srgbClr val="000000"/>
+              </a:buClr>
+              <a:buSzPct val="45000"/>
+              <a:buFont typeface="Wingdings" charset="2"/>
+              <a:buChar char=""/>
+            </a:pPr>
+            <a:r>
+              <a:rPr b="0" i="1" lang="en-GB" sz="1200" spc="-1" strike="noStrike">
+                <a:solidFill>
+                  <a:srgbClr val="000000"/>
+                </a:solidFill>
+                <a:uFill>
+                  <a:solidFill>
+                    <a:srgbClr val="ffffff"/>
+                  </a:solidFill>
+                </a:uFill>
+                <a:latin typeface="Arial"/>
+              </a:rPr>
+              <a:t>Hay et al (2011)</a:t>
+            </a:r>
+            <a:endParaRPr b="0" lang="en-GB" sz="1800" spc="-1" strike="noStrike">
+              <a:solidFill>
+                <a:srgbClr val="000000"/>
+              </a:solidFill>
+              <a:uFill>
+                <a:solidFill>
+                  <a:srgbClr val="ffffff"/>
+                </a:solidFill>
+              </a:uFill>
+              <a:latin typeface="Arial"/>
+            </a:endParaRPr>
+          </a:p>
+          <a:p>
+            <a:pPr marL="216000" indent="-216000">
+              <a:buClr>
+                <a:srgbClr val="000000"/>
+              </a:buClr>
+              <a:buSzPct val="45000"/>
+              <a:buFont typeface="Wingdings" charset="2"/>
+              <a:buChar char=""/>
+            </a:pPr>
+            <a:r>
+              <a:rPr b="1" lang="en-GB" sz="1200" spc="-1" strike="noStrike">
+                <a:solidFill>
+                  <a:srgbClr val="000000"/>
+                </a:solidFill>
+                <a:uFill>
+                  <a:solidFill>
+                    <a:srgbClr val="ffffff"/>
+                  </a:solidFill>
+                </a:uFill>
+                <a:latin typeface="Arial"/>
+              </a:rPr>
+              <a:t>	</a:t>
+            </a:r>
+            <a:r>
+              <a:rPr b="1" lang="en-GB" sz="1200" spc="-1" strike="noStrike">
+                <a:solidFill>
+                  <a:srgbClr val="000000"/>
+                </a:solidFill>
+                <a:uFill>
+                  <a:solidFill>
+                    <a:srgbClr val="ffffff"/>
+                  </a:solidFill>
+                </a:uFill>
+                <a:latin typeface="Arial"/>
+              </a:rPr>
+              <a:t>L5 Pyramidal cell</a:t>
+            </a:r>
+            <a:r>
+              <a:rPr b="1" lang="en-GB" sz="1200" spc="-1" strike="noStrike">
+                <a:solidFill>
+                  <a:srgbClr val="000000"/>
+                </a:solidFill>
+                <a:uFill>
+                  <a:solidFill>
+                    <a:srgbClr val="ffffff"/>
+                  </a:solidFill>
+                </a:uFill>
+                <a:latin typeface="Arial"/>
+              </a:rPr>
+              <a:t>	</a:t>
+            </a:r>
+            <a:endParaRPr b="0" lang="en-GB" sz="1800" spc="-1" strike="noStrike">
+              <a:solidFill>
+                <a:srgbClr val="000000"/>
+              </a:solidFill>
+              <a:uFill>
+                <a:solidFill>
+                  <a:srgbClr val="ffffff"/>
+                </a:solidFill>
+              </a:uFill>
+              <a:latin typeface="Arial"/>
+            </a:endParaRPr>
+          </a:p>
+          <a:p>
+            <a:pPr marL="216000" indent="-216000">
+              <a:buClr>
+                <a:srgbClr val="000000"/>
+              </a:buClr>
+              <a:buSzPct val="45000"/>
+              <a:buFont typeface="Wingdings" charset="2"/>
+              <a:buChar char=""/>
+            </a:pPr>
+            <a:r>
+              <a:rPr b="0" i="1" lang="en-GB" sz="1200" spc="-1" strike="noStrike">
+                <a:solidFill>
+                  <a:srgbClr val="000000"/>
+                </a:solidFill>
+                <a:uFill>
+                  <a:solidFill>
+                    <a:srgbClr val="ffffff"/>
+                  </a:solidFill>
+                </a:uFill>
+                <a:latin typeface="Arial"/>
+              </a:rPr>
+              <a:t>Traub et al. (2005)</a:t>
+            </a:r>
+            <a:endParaRPr b="0" lang="en-GB" sz="1800" spc="-1" strike="noStrike">
+              <a:solidFill>
+                <a:srgbClr val="000000"/>
+              </a:solidFill>
+              <a:uFill>
+                <a:solidFill>
+                  <a:srgbClr val="ffffff"/>
+                </a:solidFill>
+              </a:uFill>
+              <a:latin typeface="Arial"/>
+            </a:endParaRPr>
+          </a:p>
+          <a:p>
+            <a:pPr marL="216000" indent="-216000">
+              <a:buClr>
+                <a:srgbClr val="000000"/>
+              </a:buClr>
+              <a:buSzPct val="45000"/>
+              <a:buFont typeface="Wingdings" charset="2"/>
+              <a:buChar char=""/>
+            </a:pPr>
+            <a:r>
+              <a:rPr b="1" lang="en-GB" sz="1200" spc="-1" strike="noStrike">
+                <a:solidFill>
+                  <a:srgbClr val="000000"/>
+                </a:solidFill>
+                <a:uFill>
+                  <a:solidFill>
+                    <a:srgbClr val="ffffff"/>
+                  </a:solidFill>
+                </a:uFill>
+                <a:latin typeface="Arial"/>
+              </a:rPr>
+              <a:t>	</a:t>
+            </a:r>
+            <a:r>
+              <a:rPr b="1" lang="en-GB" sz="1200" spc="-1" strike="noStrike">
+                <a:solidFill>
+                  <a:srgbClr val="000000"/>
+                </a:solidFill>
+                <a:uFill>
+                  <a:solidFill>
+                    <a:srgbClr val="ffffff"/>
+                  </a:solidFill>
+                </a:uFill>
+                <a:latin typeface="Arial"/>
+              </a:rPr>
+              <a:t>L2/3 Pyr (FRB/RS), L4SS, </a:t>
+            </a:r>
+            <a:endParaRPr b="0" lang="en-GB" sz="1800" spc="-1" strike="noStrike">
+              <a:solidFill>
+                <a:srgbClr val="000000"/>
+              </a:solidFill>
+              <a:uFill>
+                <a:solidFill>
+                  <a:srgbClr val="ffffff"/>
+                </a:solidFill>
+              </a:uFill>
+              <a:latin typeface="Arial"/>
+            </a:endParaRPr>
+          </a:p>
+          <a:p>
+            <a:pPr marL="216000" indent="-216000">
+              <a:buClr>
+                <a:srgbClr val="000000"/>
+              </a:buClr>
+              <a:buSzPct val="45000"/>
+              <a:buFont typeface="Wingdings" charset="2"/>
+              <a:buChar char=""/>
+            </a:pPr>
+            <a:r>
+              <a:rPr b="1" lang="en-GB" sz="1200" spc="-1" strike="noStrike">
+                <a:solidFill>
+                  <a:srgbClr val="000000"/>
+                </a:solidFill>
+                <a:uFill>
+                  <a:solidFill>
+                    <a:srgbClr val="ffffff"/>
+                  </a:solidFill>
+                </a:uFill>
+                <a:latin typeface="Arial"/>
+              </a:rPr>
+              <a:t>	</a:t>
+            </a:r>
+            <a:r>
+              <a:rPr b="1" lang="en-GB" sz="1200" spc="-1" strike="noStrike">
+                <a:solidFill>
+                  <a:srgbClr val="000000"/>
+                </a:solidFill>
+                <a:uFill>
+                  <a:solidFill>
+                    <a:srgbClr val="ffffff"/>
+                  </a:solidFill>
+                </a:uFill>
+                <a:latin typeface="Arial"/>
+              </a:rPr>
+              <a:t>L5 Pyr (IB/RS), L6 Pyr,</a:t>
+            </a:r>
+            <a:endParaRPr b="0" lang="en-GB" sz="1800" spc="-1" strike="noStrike">
+              <a:solidFill>
+                <a:srgbClr val="000000"/>
+              </a:solidFill>
+              <a:uFill>
+                <a:solidFill>
+                  <a:srgbClr val="ffffff"/>
+                </a:solidFill>
+              </a:uFill>
+              <a:latin typeface="Arial"/>
+            </a:endParaRPr>
+          </a:p>
+          <a:p>
+            <a:pPr marL="216000" indent="-216000">
+              <a:buClr>
+                <a:srgbClr val="000000"/>
+              </a:buClr>
+              <a:buSzPct val="45000"/>
+              <a:buFont typeface="Wingdings" charset="2"/>
+              <a:buChar char=""/>
+            </a:pPr>
+            <a:r>
+              <a:rPr b="1" lang="en-GB" sz="1200" spc="-1" strike="noStrike">
+                <a:solidFill>
+                  <a:srgbClr val="000000"/>
+                </a:solidFill>
+                <a:uFill>
+                  <a:solidFill>
+                    <a:srgbClr val="ffffff"/>
+                  </a:solidFill>
+                </a:uFill>
+                <a:latin typeface="Arial"/>
+              </a:rPr>
+              <a:t>	</a:t>
+            </a:r>
+            <a:r>
+              <a:rPr b="1" lang="en-GB" sz="1200" spc="-1" strike="noStrike">
+                <a:solidFill>
+                  <a:srgbClr val="000000"/>
+                </a:solidFill>
+                <a:uFill>
+                  <a:solidFill>
+                    <a:srgbClr val="ffffff"/>
+                  </a:solidFill>
+                </a:uFill>
+                <a:latin typeface="Arial"/>
+              </a:rPr>
+              <a:t>Deep &amp; superficial basket, </a:t>
+            </a:r>
+            <a:endParaRPr b="0" lang="en-GB" sz="1800" spc="-1" strike="noStrike">
+              <a:solidFill>
+                <a:srgbClr val="000000"/>
+              </a:solidFill>
+              <a:uFill>
+                <a:solidFill>
+                  <a:srgbClr val="ffffff"/>
+                </a:solidFill>
+              </a:uFill>
+              <a:latin typeface="Arial"/>
+            </a:endParaRPr>
+          </a:p>
+          <a:p>
+            <a:pPr marL="216000" indent="-216000">
+              <a:buClr>
+                <a:srgbClr val="000000"/>
+              </a:buClr>
+              <a:buSzPct val="45000"/>
+              <a:buFont typeface="Wingdings" charset="2"/>
+              <a:buChar char=""/>
+            </a:pPr>
+            <a:r>
+              <a:rPr b="1" lang="en-GB" sz="1200" spc="-1" strike="noStrike">
+                <a:solidFill>
+                  <a:srgbClr val="000000"/>
+                </a:solidFill>
+                <a:uFill>
+                  <a:solidFill>
+                    <a:srgbClr val="ffffff"/>
+                  </a:solidFill>
+                </a:uFill>
+                <a:latin typeface="Arial"/>
+              </a:rPr>
+              <a:t>	</a:t>
+            </a:r>
+            <a:r>
+              <a:rPr b="1" lang="en-GB" sz="1200" spc="-1" strike="noStrike">
+                <a:solidFill>
+                  <a:srgbClr val="000000"/>
+                </a:solidFill>
+                <a:uFill>
+                  <a:solidFill>
+                    <a:srgbClr val="ffffff"/>
+                  </a:solidFill>
+                </a:uFill>
+                <a:latin typeface="Arial"/>
+              </a:rPr>
+              <a:t>axo-axonic &amp; LTS </a:t>
+            </a:r>
+            <a:endParaRPr b="0" lang="en-GB" sz="1800" spc="-1" strike="noStrike">
+              <a:solidFill>
+                <a:srgbClr val="000000"/>
+              </a:solidFill>
+              <a:uFill>
+                <a:solidFill>
+                  <a:srgbClr val="ffffff"/>
+                </a:solidFill>
+              </a:uFill>
+              <a:latin typeface="Arial"/>
+            </a:endParaRPr>
+          </a:p>
+          <a:p>
+            <a:pPr marL="216000" indent="-216000">
+              <a:buClr>
+                <a:srgbClr val="000000"/>
+              </a:buClr>
+              <a:buSzPct val="45000"/>
+              <a:buFont typeface="Wingdings" charset="2"/>
+              <a:buChar char=""/>
+            </a:pPr>
+            <a:r>
+              <a:rPr b="1" lang="en-GB" sz="1200" spc="-1" strike="noStrike">
+                <a:solidFill>
+                  <a:srgbClr val="000000"/>
+                </a:solidFill>
+                <a:uFill>
+                  <a:solidFill>
+                    <a:srgbClr val="ffffff"/>
+                  </a:solidFill>
+                </a:uFill>
+                <a:latin typeface="Arial"/>
+              </a:rPr>
+              <a:t>	</a:t>
+            </a:r>
+            <a:r>
+              <a:rPr b="1" lang="en-GB" sz="1200" spc="-1" strike="noStrike">
+                <a:solidFill>
+                  <a:srgbClr val="000000"/>
+                </a:solidFill>
+                <a:uFill>
+                  <a:solidFill>
+                    <a:srgbClr val="ffffff"/>
+                  </a:solidFill>
+                </a:uFill>
+                <a:latin typeface="Arial"/>
+              </a:rPr>
+              <a:t>interneurons,</a:t>
+            </a:r>
+            <a:endParaRPr b="0" lang="en-GB" sz="1800" spc="-1" strike="noStrike">
+              <a:solidFill>
+                <a:srgbClr val="000000"/>
+              </a:solidFill>
+              <a:uFill>
+                <a:solidFill>
+                  <a:srgbClr val="ffffff"/>
+                </a:solidFill>
+              </a:uFill>
+              <a:latin typeface="Arial"/>
+            </a:endParaRPr>
+          </a:p>
+          <a:p>
+            <a:pPr marL="216000" indent="-216000">
+              <a:buClr>
+                <a:srgbClr val="000000"/>
+              </a:buClr>
+              <a:buSzPct val="45000"/>
+              <a:buFont typeface="Wingdings" charset="2"/>
+              <a:buChar char=""/>
+            </a:pPr>
+            <a:r>
+              <a:rPr b="1" lang="en-GB" sz="1200" spc="-1" strike="noStrike">
+                <a:solidFill>
+                  <a:srgbClr val="000000"/>
+                </a:solidFill>
+                <a:uFill>
+                  <a:solidFill>
+                    <a:srgbClr val="ffffff"/>
+                  </a:solidFill>
+                </a:uFill>
+                <a:latin typeface="Arial"/>
+              </a:rPr>
+              <a:t>	</a:t>
+            </a:r>
+            <a:r>
+              <a:rPr b="1" lang="en-GB" sz="1200" spc="-1" strike="noStrike">
+                <a:solidFill>
+                  <a:srgbClr val="000000"/>
+                </a:solidFill>
+                <a:uFill>
+                  <a:solidFill>
+                    <a:srgbClr val="ffffff"/>
+                  </a:solidFill>
+                </a:uFill>
+                <a:latin typeface="Arial"/>
+              </a:rPr>
+              <a:t>Cortical column network </a:t>
+            </a:r>
+            <a:endParaRPr b="0" lang="en-GB" sz="1800" spc="-1" strike="noStrike">
+              <a:solidFill>
+                <a:srgbClr val="000000"/>
+              </a:solidFill>
+              <a:uFill>
+                <a:solidFill>
+                  <a:srgbClr val="ffffff"/>
+                </a:solidFill>
+              </a:uFill>
+              <a:latin typeface="Arial"/>
+            </a:endParaRPr>
+          </a:p>
+          <a:p>
+            <a:pPr marL="216000" indent="-216000">
+              <a:buClr>
+                <a:srgbClr val="000000"/>
+              </a:buClr>
+              <a:buSzPct val="45000"/>
+              <a:buFont typeface="Wingdings" charset="2"/>
+              <a:buChar char=""/>
+            </a:pPr>
+            <a:r>
+              <a:rPr b="1" lang="en-GB" sz="1200" spc="-1" strike="noStrike">
+                <a:solidFill>
+                  <a:srgbClr val="000000"/>
+                </a:solidFill>
+                <a:uFill>
+                  <a:solidFill>
+                    <a:srgbClr val="ffffff"/>
+                  </a:solidFill>
+                </a:uFill>
+                <a:latin typeface="Arial"/>
+              </a:rPr>
+              <a:t>	</a:t>
+            </a:r>
+            <a:r>
+              <a:rPr b="1" lang="en-GB" sz="1200" spc="-1" strike="noStrike">
+                <a:solidFill>
+                  <a:srgbClr val="000000"/>
+                </a:solidFill>
+                <a:uFill>
+                  <a:solidFill>
+                    <a:srgbClr val="ffffff"/>
+                  </a:solidFill>
+                </a:uFill>
+                <a:latin typeface="Arial"/>
+              </a:rPr>
+              <a:t>model </a:t>
+            </a:r>
+            <a:endParaRPr b="0" lang="en-GB" sz="1800" spc="-1" strike="noStrike">
+              <a:solidFill>
+                <a:srgbClr val="000000"/>
+              </a:solidFill>
+              <a:uFill>
+                <a:solidFill>
+                  <a:srgbClr val="ffffff"/>
+                </a:solidFill>
+              </a:uFill>
+              <a:latin typeface="Arial"/>
+            </a:endParaRPr>
+          </a:p>
+          <a:p>
+            <a:pPr marL="216000" indent="-216000" algn="ctr">
+              <a:buClr>
+                <a:srgbClr val="000000"/>
+              </a:buClr>
+              <a:buSzPct val="45000"/>
+              <a:buFont typeface="Wingdings" charset="2"/>
+              <a:buChar char=""/>
+            </a:pPr>
+            <a:r>
+              <a:rPr b="0" i="1" lang="en-GB" sz="1200" spc="-1" strike="noStrike">
+                <a:solidFill>
+                  <a:srgbClr val="000000"/>
+                </a:solidFill>
+                <a:uFill>
+                  <a:solidFill>
+                    <a:srgbClr val="ffffff"/>
+                  </a:solidFill>
+                </a:uFill>
+                <a:latin typeface="Arial"/>
+              </a:rPr>
+              <a:t>  </a:t>
+            </a:r>
+            <a:endParaRPr b="0" lang="en-GB" sz="1800" spc="-1" strike="noStrike">
+              <a:solidFill>
+                <a:srgbClr val="000000"/>
+              </a:solidFill>
+              <a:uFill>
+                <a:solidFill>
+                  <a:srgbClr val="ffffff"/>
+                </a:solidFill>
+              </a:uFill>
+              <a:latin typeface="Arial"/>
+            </a:endParaRPr>
+          </a:p>
+          <a:p>
+            <a:pPr marL="216000" indent="-216000" algn="ctr">
+              <a:buClr>
+                <a:srgbClr val="000000"/>
+              </a:buClr>
+              <a:buSzPct val="45000"/>
+              <a:buFont typeface="Wingdings" charset="2"/>
+              <a:buChar char=""/>
+            </a:pPr>
+            <a:r>
+              <a:rPr b="0" lang="en-GB" sz="1200" spc="-1" strike="noStrike">
+                <a:solidFill>
+                  <a:srgbClr val="000000"/>
+                </a:solidFill>
+                <a:uFill>
+                  <a:solidFill>
+                    <a:srgbClr val="ffffff"/>
+                  </a:solidFill>
+                </a:uFill>
+                <a:latin typeface="Arial"/>
+              </a:rPr>
+              <a:t>  </a:t>
+            </a:r>
+            <a:endParaRPr b="0" lang="en-GB" sz="1800" spc="-1" strike="noStrike">
+              <a:solidFill>
+                <a:srgbClr val="000000"/>
+              </a:solidFill>
+              <a:uFill>
+                <a:solidFill>
+                  <a:srgbClr val="ffffff"/>
+                </a:solidFill>
+              </a:uFill>
+              <a:latin typeface="Arial"/>
+            </a:endParaRPr>
+          </a:p>
+          <a:p>
+            <a:pPr algn="ctr"/>
+            <a:r>
+              <a:rPr b="0" lang="en-GB" sz="1800" spc="-1" strike="noStrike">
+                <a:solidFill>
+                  <a:srgbClr val="cfe7e5"/>
+                </a:solidFill>
+                <a:uFill>
+                  <a:solidFill>
+                    <a:srgbClr val="ffffff"/>
+                  </a:solidFill>
+                </a:uFill>
+                <a:latin typeface="Arial"/>
+              </a:rPr>
+              <a:t> </a:t>
+            </a:r>
+            <a:endParaRPr b="0" lang="en-GB" sz="1800" spc="-1" strike="noStrike">
+              <a:solidFill>
+                <a:srgbClr val="000000"/>
+              </a:solidFill>
+              <a:uFill>
+                <a:solidFill>
+                  <a:srgbClr val="ffffff"/>
+                </a:solidFill>
+              </a:uFill>
+              <a:latin typeface="Arial"/>
+            </a:endParaRPr>
+          </a:p>
+          <a:p>
+            <a:pPr algn="ctr"/>
+            <a:r>
+              <a:rPr b="0" lang="en-GB" sz="1800" spc="-1" strike="noStrike">
+                <a:solidFill>
+                  <a:srgbClr val="cfe7e5"/>
+                </a:solidFill>
+                <a:uFill>
+                  <a:solidFill>
+                    <a:srgbClr val="ffffff"/>
+                  </a:solidFill>
+                </a:uFill>
+                <a:latin typeface="Arial"/>
+              </a:rPr>
+              <a:t> </a:t>
+            </a:r>
+            <a:endParaRPr b="0" lang="en-GB" sz="1800" spc="-1" strike="noStrike">
+              <a:solidFill>
+                <a:srgbClr val="000000"/>
+              </a:solidFill>
+              <a:uFill>
+                <a:solidFill>
+                  <a:srgbClr val="ffffff"/>
+                </a:solidFill>
+              </a:uFill>
+              <a:latin typeface="Arial"/>
+            </a:endParaRPr>
+          </a:p>
+        </p:txBody>
+      </p:sp>
+      <p:sp>
+        <p:nvSpPr>
+          <p:cNvPr id="87" name="CustomShape 3"/>
+          <p:cNvSpPr/>
+          <p:nvPr/>
+        </p:nvSpPr>
+        <p:spPr>
+          <a:xfrm>
+            <a:off x="7023960" y="1941120"/>
+            <a:ext cx="2539800" cy="3026880"/>
+          </a:xfrm>
+          <a:custGeom>
+            <a:avLst/>
+            <a:gdLst/>
+            <a:ahLst/>
+            <a:rect l="0" t="0" r="r" b="b"/>
+            <a:pathLst>
+              <a:path w="7057" h="8410">
+                <a:moveTo>
+                  <a:pt x="214" y="0"/>
+                </a:moveTo>
+                <a:cubicBezTo>
+                  <a:pt x="107" y="0"/>
+                  <a:pt x="0" y="107"/>
+                  <a:pt x="0" y="214"/>
+                </a:cubicBezTo>
+                <a:lnTo>
+                  <a:pt x="0" y="8194"/>
+                </a:lnTo>
+                <a:cubicBezTo>
+                  <a:pt x="0" y="8301"/>
+                  <a:pt x="107" y="8409"/>
+                  <a:pt x="214" y="8409"/>
+                </a:cubicBezTo>
+                <a:lnTo>
+                  <a:pt x="6841" y="8409"/>
+                </a:lnTo>
+                <a:cubicBezTo>
+                  <a:pt x="6948" y="8409"/>
+                  <a:pt x="7056" y="8301"/>
+                  <a:pt x="7056" y="8194"/>
+                </a:cubicBezTo>
+                <a:lnTo>
+                  <a:pt x="7056" y="214"/>
+                </a:lnTo>
+                <a:cubicBezTo>
+                  <a:pt x="7056" y="107"/>
+                  <a:pt x="6948" y="0"/>
+                  <a:pt x="6841" y="0"/>
+                </a:cubicBezTo>
+                <a:lnTo>
+                  <a:pt x="214" y="0"/>
+                </a:lnTo>
+              </a:path>
+            </a:pathLst>
+          </a:custGeom>
+          <a:solidFill>
+            <a:srgbClr val="cfe7e5"/>
+          </a:solidFill>
+          <a:ln w="10800">
+            <a:solidFill>
+              <a:srgbClr val="808080"/>
+            </a:solidFill>
+            <a:miter/>
+          </a:ln>
+        </p:spPr>
+        <p:style>
+          <a:lnRef idx="0"/>
+          <a:fillRef idx="0"/>
+          <a:effectRef idx="0"/>
+          <a:fontRef idx="minor"/>
+        </p:style>
+        <p:txBody>
+          <a:bodyPr wrap="none" lIns="95400" rIns="95400" tIns="50400" bIns="50400"/>
+          <a:p>
+            <a:pPr algn="ctr"/>
+            <a:r>
+              <a:rPr b="1" lang="en-GB" sz="1400" spc="-1" strike="noStrike">
+                <a:solidFill>
+                  <a:srgbClr val="b80047"/>
+                </a:solidFill>
+                <a:uFill>
+                  <a:solidFill>
+                    <a:srgbClr val="ffffff"/>
+                  </a:solidFill>
+                </a:uFill>
+                <a:latin typeface="Arial"/>
+              </a:rPr>
+              <a:t>Cerebellum</a:t>
+            </a:r>
+            <a:endParaRPr b="0" lang="en-GB" sz="1800" spc="-1" strike="noStrike">
+              <a:solidFill>
+                <a:srgbClr val="000000"/>
+              </a:solidFill>
+              <a:uFill>
+                <a:solidFill>
+                  <a:srgbClr val="ffffff"/>
+                </a:solidFill>
+              </a:uFill>
+              <a:latin typeface="Arial"/>
+            </a:endParaRPr>
+          </a:p>
+          <a:p>
+            <a:pPr marL="216000" indent="-216000">
+              <a:buClr>
+                <a:srgbClr val="000000"/>
+              </a:buClr>
+              <a:buSzPct val="45000"/>
+              <a:buFont typeface="Wingdings" charset="2"/>
+              <a:buChar char=""/>
+            </a:pPr>
+            <a:r>
+              <a:rPr b="0" i="1" lang="en-GB" sz="1200" spc="-1" strike="noStrike">
+                <a:solidFill>
+                  <a:srgbClr val="000000"/>
+                </a:solidFill>
+                <a:uFill>
+                  <a:solidFill>
+                    <a:srgbClr val="ffffff"/>
+                  </a:solidFill>
+                </a:uFill>
+                <a:latin typeface="Arial"/>
+              </a:rPr>
+              <a:t>Maex and Schutter (1998)</a:t>
+            </a:r>
+            <a:r>
+              <a:rPr b="0" i="1" lang="en-GB" sz="1200" spc="-1" strike="noStrike">
+                <a:solidFill>
+                  <a:srgbClr val="000000"/>
+                </a:solidFill>
+                <a:uFill>
+                  <a:solidFill>
+                    <a:srgbClr val="ffffff"/>
+                  </a:solidFill>
+                </a:uFill>
+                <a:latin typeface="Arial"/>
+              </a:rPr>
+              <a:t>	</a:t>
+            </a:r>
+            <a:r>
+              <a:rPr b="0" lang="en-GB" sz="1200" spc="-1" strike="noStrike">
+                <a:solidFill>
+                  <a:srgbClr val="000000"/>
+                </a:solidFill>
+                <a:uFill>
+                  <a:solidFill>
+                    <a:srgbClr val="ffffff"/>
+                  </a:solidFill>
+                </a:uFill>
+                <a:latin typeface="Arial"/>
+              </a:rPr>
+              <a:t>	</a:t>
+            </a:r>
+            <a:endParaRPr b="0" lang="en-GB" sz="1800" spc="-1" strike="noStrike">
+              <a:solidFill>
+                <a:srgbClr val="000000"/>
+              </a:solidFill>
+              <a:uFill>
+                <a:solidFill>
+                  <a:srgbClr val="ffffff"/>
+                </a:solidFill>
+              </a:uFill>
+              <a:latin typeface="Arial"/>
+            </a:endParaRPr>
+          </a:p>
+          <a:p>
+            <a:pPr marL="216000" indent="-216000">
+              <a:buClr>
+                <a:srgbClr val="000000"/>
+              </a:buClr>
+              <a:buSzPct val="45000"/>
+              <a:buFont typeface="Wingdings" charset="2"/>
+              <a:buChar char=""/>
+            </a:pPr>
+            <a:r>
+              <a:rPr b="0" lang="en-GB" sz="1200" spc="-1" strike="noStrike">
+                <a:solidFill>
+                  <a:srgbClr val="000000"/>
+                </a:solidFill>
+                <a:uFill>
+                  <a:solidFill>
+                    <a:srgbClr val="ffffff"/>
+                  </a:solidFill>
+                </a:uFill>
+                <a:latin typeface="Arial"/>
+              </a:rPr>
+              <a:t>	</a:t>
+            </a:r>
+            <a:r>
+              <a:rPr b="1" lang="en-GB" sz="1200" spc="-1" strike="noStrike">
+                <a:solidFill>
+                  <a:srgbClr val="000000"/>
+                </a:solidFill>
+                <a:uFill>
+                  <a:solidFill>
+                    <a:srgbClr val="ffffff"/>
+                  </a:solidFill>
+                </a:uFill>
+                <a:latin typeface="Arial"/>
+              </a:rPr>
+              <a:t>Granule cell layer</a:t>
+            </a:r>
+            <a:r>
+              <a:rPr b="1" lang="en-GB" sz="1200" spc="-1" strike="noStrike">
+                <a:solidFill>
+                  <a:srgbClr val="000000"/>
+                </a:solidFill>
+                <a:uFill>
+                  <a:solidFill>
+                    <a:srgbClr val="ffffff"/>
+                  </a:solidFill>
+                </a:uFill>
+                <a:latin typeface="Arial"/>
+              </a:rPr>
+              <a:t>	</a:t>
+            </a:r>
+            <a:endParaRPr b="0" lang="en-GB" sz="1800" spc="-1" strike="noStrike">
+              <a:solidFill>
+                <a:srgbClr val="000000"/>
+              </a:solidFill>
+              <a:uFill>
+                <a:solidFill>
+                  <a:srgbClr val="ffffff"/>
+                </a:solidFill>
+              </a:uFill>
+              <a:latin typeface="Arial"/>
+            </a:endParaRPr>
+          </a:p>
+          <a:p>
+            <a:pPr marL="216000" indent="-216000">
+              <a:buClr>
+                <a:srgbClr val="000000"/>
+              </a:buClr>
+              <a:buSzPct val="45000"/>
+              <a:buFont typeface="Wingdings" charset="2"/>
+              <a:buChar char=""/>
+            </a:pPr>
+            <a:r>
+              <a:rPr b="0" i="1" lang="en-GB" sz="1200" spc="-1" strike="noStrike">
+                <a:solidFill>
+                  <a:srgbClr val="000000"/>
+                </a:solidFill>
+                <a:uFill>
+                  <a:solidFill>
+                    <a:srgbClr val="ffffff"/>
+                  </a:solidFill>
+                </a:uFill>
+                <a:latin typeface="Arial"/>
+              </a:rPr>
+              <a:t>Steuber and Saviane, based </a:t>
+            </a:r>
+            <a:endParaRPr b="0" lang="en-GB" sz="1800" spc="-1" strike="noStrike">
+              <a:solidFill>
+                <a:srgbClr val="000000"/>
+              </a:solidFill>
+              <a:uFill>
+                <a:solidFill>
+                  <a:srgbClr val="ffffff"/>
+                </a:solidFill>
+              </a:uFill>
+              <a:latin typeface="Arial"/>
+            </a:endParaRPr>
+          </a:p>
+          <a:p>
+            <a:pPr marL="216000" indent="-216000">
+              <a:buClr>
+                <a:srgbClr val="000000"/>
+              </a:buClr>
+              <a:buSzPct val="45000"/>
+              <a:buFont typeface="Wingdings" charset="2"/>
+              <a:buChar char=""/>
+            </a:pPr>
+            <a:r>
+              <a:rPr b="0" i="1" lang="en-GB" sz="1200" spc="-1" strike="noStrike">
+                <a:solidFill>
+                  <a:srgbClr val="000000"/>
+                </a:solidFill>
+                <a:uFill>
+                  <a:solidFill>
+                    <a:srgbClr val="ffffff"/>
+                  </a:solidFill>
+                </a:uFill>
+                <a:latin typeface="Arial"/>
+              </a:rPr>
+              <a:t>   </a:t>
+            </a:r>
+            <a:r>
+              <a:rPr b="0" i="1" lang="en-GB" sz="1200" spc="-1" strike="noStrike">
+                <a:solidFill>
+                  <a:srgbClr val="000000"/>
+                </a:solidFill>
+                <a:uFill>
+                  <a:solidFill>
+                    <a:srgbClr val="ffffff"/>
+                  </a:solidFill>
+                </a:uFill>
+                <a:latin typeface="Arial"/>
+              </a:rPr>
+              <a:t>on Berends et al. (2005)</a:t>
+            </a:r>
+            <a:endParaRPr b="0" lang="en-GB" sz="1800" spc="-1" strike="noStrike">
+              <a:solidFill>
+                <a:srgbClr val="000000"/>
+              </a:solidFill>
+              <a:uFill>
+                <a:solidFill>
+                  <a:srgbClr val="ffffff"/>
+                </a:solidFill>
+              </a:uFill>
+              <a:latin typeface="Arial"/>
+            </a:endParaRPr>
+          </a:p>
+          <a:p>
+            <a:pPr marL="216000" indent="-216000">
+              <a:buClr>
+                <a:srgbClr val="000000"/>
+              </a:buClr>
+              <a:buSzPct val="45000"/>
+              <a:buFont typeface="Wingdings" charset="2"/>
+              <a:buChar char=""/>
+            </a:pPr>
+            <a:r>
+              <a:rPr b="0" lang="en-GB" sz="1200" spc="-1" strike="noStrike">
+                <a:solidFill>
+                  <a:srgbClr val="000000"/>
+                </a:solidFill>
+                <a:uFill>
+                  <a:solidFill>
+                    <a:srgbClr val="ffffff"/>
+                  </a:solidFill>
+                </a:uFill>
+                <a:latin typeface="Arial"/>
+              </a:rPr>
+              <a:t>	</a:t>
+            </a:r>
+            <a:r>
+              <a:rPr b="1" lang="en-GB" sz="1200" spc="-1" strike="noStrike">
+                <a:solidFill>
+                  <a:srgbClr val="000000"/>
+                </a:solidFill>
+                <a:uFill>
+                  <a:solidFill>
+                    <a:srgbClr val="ffffff"/>
+                  </a:solidFill>
+                </a:uFill>
+                <a:latin typeface="Arial"/>
+              </a:rPr>
+              <a:t>Granule cell</a:t>
+            </a:r>
+            <a:endParaRPr b="0" lang="en-GB" sz="1800" spc="-1" strike="noStrike">
+              <a:solidFill>
+                <a:srgbClr val="000000"/>
+              </a:solidFill>
+              <a:uFill>
+                <a:solidFill>
+                  <a:srgbClr val="ffffff"/>
+                </a:solidFill>
+              </a:uFill>
+              <a:latin typeface="Arial"/>
+            </a:endParaRPr>
+          </a:p>
+          <a:p>
+            <a:pPr marL="216000" indent="-216000">
+              <a:buClr>
+                <a:srgbClr val="000000"/>
+              </a:buClr>
+              <a:buSzPct val="45000"/>
+              <a:buFont typeface="Wingdings" charset="2"/>
+              <a:buChar char=""/>
+            </a:pPr>
+            <a:r>
+              <a:rPr b="0" i="1" lang="en-GB" sz="1200" spc="-1" strike="noStrike">
+                <a:solidFill>
+                  <a:srgbClr val="000000"/>
+                </a:solidFill>
+                <a:uFill>
+                  <a:solidFill>
+                    <a:srgbClr val="ffffff"/>
+                  </a:solidFill>
+                </a:uFill>
+                <a:latin typeface="Arial"/>
+              </a:rPr>
+              <a:t>Vervaeke et al. (2010)</a:t>
+            </a:r>
+            <a:endParaRPr b="0" lang="en-GB" sz="1800" spc="-1" strike="noStrike">
+              <a:solidFill>
+                <a:srgbClr val="000000"/>
+              </a:solidFill>
+              <a:uFill>
+                <a:solidFill>
+                  <a:srgbClr val="ffffff"/>
+                </a:solidFill>
+              </a:uFill>
+              <a:latin typeface="Arial"/>
+            </a:endParaRPr>
+          </a:p>
+          <a:p>
+            <a:pPr marL="216000" indent="-216000">
+              <a:buClr>
+                <a:srgbClr val="000000"/>
+              </a:buClr>
+              <a:buSzPct val="45000"/>
+              <a:buFont typeface="Wingdings" charset="2"/>
+              <a:buChar char=""/>
+            </a:pPr>
+            <a:r>
+              <a:rPr b="0" lang="en-GB" sz="1200" spc="-1" strike="noStrike">
+                <a:solidFill>
+                  <a:srgbClr val="000000"/>
+                </a:solidFill>
+                <a:uFill>
+                  <a:solidFill>
+                    <a:srgbClr val="ffffff"/>
+                  </a:solidFill>
+                </a:uFill>
+                <a:latin typeface="Arial"/>
+              </a:rPr>
+              <a:t>	</a:t>
+            </a:r>
+            <a:r>
+              <a:rPr b="1" lang="en-GB" sz="1200" spc="-1" strike="noStrike">
+                <a:solidFill>
+                  <a:srgbClr val="000000"/>
+                </a:solidFill>
+                <a:uFill>
+                  <a:solidFill>
+                    <a:srgbClr val="ffffff"/>
+                  </a:solidFill>
+                </a:uFill>
+                <a:latin typeface="Arial"/>
+              </a:rPr>
+              <a:t>Golgi cell network</a:t>
+            </a:r>
+            <a:endParaRPr b="0" lang="en-GB" sz="1800" spc="-1" strike="noStrike">
+              <a:solidFill>
+                <a:srgbClr val="000000"/>
+              </a:solidFill>
+              <a:uFill>
+                <a:solidFill>
+                  <a:srgbClr val="ffffff"/>
+                </a:solidFill>
+              </a:uFill>
+              <a:latin typeface="Arial"/>
+            </a:endParaRPr>
+          </a:p>
+          <a:p>
+            <a:pPr marL="216000" indent="-216000">
+              <a:buClr>
+                <a:srgbClr val="000000"/>
+              </a:buClr>
+              <a:buSzPct val="45000"/>
+              <a:buFont typeface="Wingdings" charset="2"/>
+              <a:buChar char=""/>
+            </a:pPr>
+            <a:r>
+              <a:rPr b="0" i="1" lang="en-GB" sz="1200" spc="-1" strike="noStrike">
+                <a:solidFill>
+                  <a:srgbClr val="000000"/>
+                </a:solidFill>
+                <a:uFill>
+                  <a:solidFill>
+                    <a:srgbClr val="ffffff"/>
+                  </a:solidFill>
+                </a:uFill>
+                <a:latin typeface="Arial"/>
+              </a:rPr>
+              <a:t>Solinas et al. (2007a,b)</a:t>
+            </a:r>
+            <a:endParaRPr b="0" lang="en-GB" sz="1800" spc="-1" strike="noStrike">
+              <a:solidFill>
+                <a:srgbClr val="000000"/>
+              </a:solidFill>
+              <a:uFill>
+                <a:solidFill>
+                  <a:srgbClr val="ffffff"/>
+                </a:solidFill>
+              </a:uFill>
+              <a:latin typeface="Arial"/>
+            </a:endParaRPr>
+          </a:p>
+          <a:p>
+            <a:pPr marL="216000" indent="-216000">
+              <a:buClr>
+                <a:srgbClr val="000000"/>
+              </a:buClr>
+              <a:buSzPct val="45000"/>
+              <a:buFont typeface="Wingdings" charset="2"/>
+              <a:buChar char=""/>
+            </a:pPr>
+            <a:r>
+              <a:rPr b="0" lang="en-GB" sz="1200" spc="-1" strike="noStrike">
+                <a:solidFill>
+                  <a:srgbClr val="000000"/>
+                </a:solidFill>
+                <a:uFill>
+                  <a:solidFill>
+                    <a:srgbClr val="ffffff"/>
+                  </a:solidFill>
+                </a:uFill>
+                <a:latin typeface="Arial"/>
+              </a:rPr>
+              <a:t>	</a:t>
+            </a:r>
+            <a:r>
+              <a:rPr b="1" lang="en-GB" sz="1200" spc="-1" strike="noStrike">
+                <a:solidFill>
+                  <a:srgbClr val="000000"/>
+                </a:solidFill>
+                <a:uFill>
+                  <a:solidFill>
+                    <a:srgbClr val="ffffff"/>
+                  </a:solidFill>
+                </a:uFill>
+                <a:latin typeface="Arial"/>
+              </a:rPr>
+              <a:t>Granule cell, Golgi cell</a:t>
+            </a:r>
+            <a:r>
+              <a:rPr b="0" lang="en-GB" sz="1200" spc="-1" strike="noStrike">
+                <a:solidFill>
+                  <a:srgbClr val="000000"/>
+                </a:solidFill>
+                <a:uFill>
+                  <a:solidFill>
+                    <a:srgbClr val="ffffff"/>
+                  </a:solidFill>
+                </a:uFill>
+                <a:latin typeface="Arial"/>
+              </a:rPr>
+              <a:t>	</a:t>
+            </a:r>
+            <a:endParaRPr b="0" lang="en-GB" sz="1800" spc="-1" strike="noStrike">
+              <a:solidFill>
+                <a:srgbClr val="000000"/>
+              </a:solidFill>
+              <a:uFill>
+                <a:solidFill>
+                  <a:srgbClr val="ffffff"/>
+                </a:solidFill>
+              </a:uFill>
+              <a:latin typeface="Arial"/>
+            </a:endParaRPr>
+          </a:p>
+          <a:p>
+            <a:pPr marL="216000" indent="-216000">
+              <a:buClr>
+                <a:srgbClr val="000000"/>
+              </a:buClr>
+              <a:buSzPct val="45000"/>
+              <a:buFont typeface="Wingdings" charset="2"/>
+              <a:buChar char=""/>
+            </a:pPr>
+            <a:r>
+              <a:rPr b="0" i="1" lang="en-GB" sz="1200" spc="-1" strike="noStrike">
+                <a:solidFill>
+                  <a:srgbClr val="000000"/>
+                </a:solidFill>
+                <a:uFill>
+                  <a:solidFill>
+                    <a:srgbClr val="ffffff"/>
+                  </a:solidFill>
+                </a:uFill>
+                <a:latin typeface="Arial"/>
+              </a:rPr>
+              <a:t>De Schutter and Bower (1994)</a:t>
+            </a:r>
+            <a:endParaRPr b="0" lang="en-GB" sz="1800" spc="-1" strike="noStrike">
+              <a:solidFill>
+                <a:srgbClr val="000000"/>
+              </a:solidFill>
+              <a:uFill>
+                <a:solidFill>
+                  <a:srgbClr val="ffffff"/>
+                </a:solidFill>
+              </a:uFill>
+              <a:latin typeface="Arial"/>
+            </a:endParaRPr>
+          </a:p>
+          <a:p>
+            <a:pPr marL="216000" indent="-216000">
+              <a:buClr>
+                <a:srgbClr val="000000"/>
+              </a:buClr>
+              <a:buSzPct val="45000"/>
+              <a:buFont typeface="Wingdings" charset="2"/>
+              <a:buChar char=""/>
+            </a:pPr>
+            <a:r>
+              <a:rPr b="0" lang="en-GB" sz="1200" spc="-1" strike="noStrike">
+                <a:solidFill>
+                  <a:srgbClr val="000000"/>
+                </a:solidFill>
+                <a:uFill>
+                  <a:solidFill>
+                    <a:srgbClr val="ffffff"/>
+                  </a:solidFill>
+                </a:uFill>
+                <a:latin typeface="Arial"/>
+              </a:rPr>
+              <a:t>	</a:t>
+            </a:r>
+            <a:r>
+              <a:rPr b="1" lang="en-GB" sz="1200" spc="-1" strike="noStrike">
+                <a:solidFill>
+                  <a:srgbClr val="000000"/>
+                </a:solidFill>
+                <a:uFill>
+                  <a:solidFill>
+                    <a:srgbClr val="ffffff"/>
+                  </a:solidFill>
+                </a:uFill>
+                <a:latin typeface="Arial"/>
+              </a:rPr>
+              <a:t>Purkinje cell</a:t>
+            </a:r>
+            <a:endParaRPr b="0" lang="en-GB" sz="1800" spc="-1" strike="noStrike">
+              <a:solidFill>
+                <a:srgbClr val="000000"/>
+              </a:solidFill>
+              <a:uFill>
+                <a:solidFill>
+                  <a:srgbClr val="ffffff"/>
+                </a:solidFill>
+              </a:uFill>
+              <a:latin typeface="Arial"/>
+            </a:endParaRPr>
+          </a:p>
+          <a:p>
+            <a:pPr marL="216000" indent="-216000">
+              <a:buClr>
+                <a:srgbClr val="000000"/>
+              </a:buClr>
+              <a:buSzPct val="45000"/>
+              <a:buFont typeface="Wingdings" charset="2"/>
+              <a:buChar char=""/>
+            </a:pPr>
+            <a:r>
+              <a:rPr b="0" i="1" lang="en-GB" sz="1200" spc="-1" strike="noStrike">
+                <a:solidFill>
+                  <a:srgbClr val="000000"/>
+                </a:solidFill>
+                <a:uFill>
+                  <a:solidFill>
+                    <a:srgbClr val="ffffff"/>
+                  </a:solidFill>
+                </a:uFill>
+                <a:latin typeface="Arial"/>
+              </a:rPr>
+              <a:t>Steuber et al. (2011)</a:t>
+            </a:r>
+            <a:endParaRPr b="0" lang="en-GB" sz="1800" spc="-1" strike="noStrike">
+              <a:solidFill>
+                <a:srgbClr val="000000"/>
+              </a:solidFill>
+              <a:uFill>
+                <a:solidFill>
+                  <a:srgbClr val="ffffff"/>
+                </a:solidFill>
+              </a:uFill>
+              <a:latin typeface="Arial"/>
+            </a:endParaRPr>
+          </a:p>
+          <a:p>
+            <a:pPr marL="216000" indent="-216000">
+              <a:buClr>
+                <a:srgbClr val="000000"/>
+              </a:buClr>
+              <a:buSzPct val="45000"/>
+              <a:buFont typeface="Wingdings" charset="2"/>
+              <a:buChar char=""/>
+            </a:pPr>
+            <a:r>
+              <a:rPr b="1" lang="en-GB" sz="1200" spc="-1" strike="noStrike">
+                <a:solidFill>
+                  <a:srgbClr val="000000"/>
+                </a:solidFill>
+                <a:uFill>
+                  <a:solidFill>
+                    <a:srgbClr val="ffffff"/>
+                  </a:solidFill>
+                </a:uFill>
+                <a:latin typeface="Arial"/>
+              </a:rPr>
+              <a:t>	</a:t>
+            </a:r>
+            <a:r>
+              <a:rPr b="1" lang="en-GB" sz="1200" spc="-1" strike="noStrike">
+                <a:solidFill>
+                  <a:srgbClr val="000000"/>
+                </a:solidFill>
+                <a:uFill>
+                  <a:solidFill>
+                    <a:srgbClr val="ffffff"/>
+                  </a:solidFill>
+                </a:uFill>
+                <a:latin typeface="Arial"/>
+              </a:rPr>
+              <a:t>Cerebellar nucleus </a:t>
+            </a:r>
+            <a:endParaRPr b="0" lang="en-GB" sz="1800" spc="-1" strike="noStrike">
+              <a:solidFill>
+                <a:srgbClr val="000000"/>
+              </a:solidFill>
+              <a:uFill>
+                <a:solidFill>
+                  <a:srgbClr val="ffffff"/>
+                </a:solidFill>
+              </a:uFill>
+              <a:latin typeface="Arial"/>
+            </a:endParaRPr>
+          </a:p>
+          <a:p>
+            <a:pPr marL="216000" indent="-216000">
+              <a:buClr>
+                <a:srgbClr val="000000"/>
+              </a:buClr>
+              <a:buSzPct val="45000"/>
+              <a:buFont typeface="Wingdings" charset="2"/>
+              <a:buChar char=""/>
+            </a:pPr>
+            <a:r>
+              <a:rPr b="1" lang="en-GB" sz="1200" spc="-1" strike="noStrike">
+                <a:solidFill>
+                  <a:srgbClr val="000000"/>
+                </a:solidFill>
+                <a:uFill>
+                  <a:solidFill>
+                    <a:srgbClr val="ffffff"/>
+                  </a:solidFill>
+                </a:uFill>
+                <a:latin typeface="Arial"/>
+              </a:rPr>
+              <a:t>	</a:t>
+            </a:r>
+            <a:r>
+              <a:rPr b="1" lang="en-GB" sz="1200" spc="-1" strike="noStrike">
+                <a:solidFill>
+                  <a:srgbClr val="000000"/>
+                </a:solidFill>
+                <a:uFill>
+                  <a:solidFill>
+                    <a:srgbClr val="ffffff"/>
+                  </a:solidFill>
+                </a:uFill>
+                <a:latin typeface="Arial"/>
+              </a:rPr>
+              <a:t>neuron</a:t>
+            </a:r>
+            <a:endParaRPr b="0" lang="en-GB" sz="1800" spc="-1" strike="noStrike">
+              <a:solidFill>
+                <a:srgbClr val="000000"/>
+              </a:solidFill>
+              <a:uFill>
+                <a:solidFill>
+                  <a:srgbClr val="ffffff"/>
+                </a:solidFill>
+              </a:uFill>
+              <a:latin typeface="Arial"/>
+            </a:endParaRPr>
+          </a:p>
+          <a:p>
+            <a:pPr marL="216000" indent="-216000" algn="ctr">
+              <a:buClr>
+                <a:srgbClr val="000000"/>
+              </a:buClr>
+              <a:buSzPct val="45000"/>
+              <a:buFont typeface="Wingdings" charset="2"/>
+              <a:buChar char=""/>
+            </a:pPr>
+            <a:r>
+              <a:rPr b="0" lang="en-GB" sz="1200" spc="-1" strike="noStrike">
+                <a:solidFill>
+                  <a:srgbClr val="000000"/>
+                </a:solidFill>
+                <a:uFill>
+                  <a:solidFill>
+                    <a:srgbClr val="ffffff"/>
+                  </a:solidFill>
+                </a:uFill>
+                <a:latin typeface="Arial"/>
+              </a:rPr>
+              <a:t>  </a:t>
+            </a:r>
+            <a:endParaRPr b="0" lang="en-GB" sz="1800" spc="-1" strike="noStrike">
+              <a:solidFill>
+                <a:srgbClr val="000000"/>
+              </a:solidFill>
+              <a:uFill>
+                <a:solidFill>
+                  <a:srgbClr val="ffffff"/>
+                </a:solidFill>
+              </a:uFill>
+              <a:latin typeface="Arial"/>
+            </a:endParaRPr>
+          </a:p>
+          <a:p>
+            <a:pPr algn="ctr"/>
+            <a:r>
+              <a:rPr b="0" lang="en-GB" sz="1800" spc="-1" strike="noStrike">
+                <a:solidFill>
+                  <a:srgbClr val="cfe7e5"/>
+                </a:solidFill>
+                <a:uFill>
+                  <a:solidFill>
+                    <a:srgbClr val="ffffff"/>
+                  </a:solidFill>
+                </a:uFill>
+                <a:latin typeface="Arial"/>
+              </a:rPr>
+              <a:t> </a:t>
+            </a:r>
+            <a:endParaRPr b="0" lang="en-GB" sz="1800" spc="-1" strike="noStrike">
+              <a:solidFill>
+                <a:srgbClr val="000000"/>
+              </a:solidFill>
+              <a:uFill>
+                <a:solidFill>
+                  <a:srgbClr val="ffffff"/>
+                </a:solidFill>
+              </a:uFill>
+              <a:latin typeface="Arial"/>
+            </a:endParaRPr>
+          </a:p>
+          <a:p>
+            <a:pPr algn="ctr"/>
+            <a:r>
+              <a:rPr b="0" lang="en-GB" sz="1800" spc="-1" strike="noStrike">
+                <a:solidFill>
+                  <a:srgbClr val="cfe7e5"/>
+                </a:solidFill>
+                <a:uFill>
+                  <a:solidFill>
+                    <a:srgbClr val="ffffff"/>
+                  </a:solidFill>
+                </a:uFill>
+                <a:latin typeface="Arial"/>
+              </a:rPr>
+              <a:t> </a:t>
+            </a:r>
+            <a:endParaRPr b="0" lang="en-GB" sz="1800" spc="-1" strike="noStrike">
+              <a:solidFill>
+                <a:srgbClr val="000000"/>
+              </a:solidFill>
+              <a:uFill>
+                <a:solidFill>
+                  <a:srgbClr val="ffffff"/>
+                </a:solidFill>
+              </a:uFill>
+              <a:latin typeface="Arial"/>
+            </a:endParaRPr>
+          </a:p>
+        </p:txBody>
+      </p:sp>
+      <p:sp>
+        <p:nvSpPr>
+          <p:cNvPr id="88" name="CustomShape 4"/>
+          <p:cNvSpPr/>
+          <p:nvPr/>
+        </p:nvSpPr>
+        <p:spPr>
+          <a:xfrm>
+            <a:off x="4033080" y="1723320"/>
+            <a:ext cx="2717640" cy="755640"/>
+          </a:xfrm>
+          <a:custGeom>
+            <a:avLst/>
+            <a:gdLst/>
+            <a:ahLst/>
+            <a:rect l="0" t="0" r="r" b="b"/>
+            <a:pathLst>
+              <a:path w="7551" h="2101">
+                <a:moveTo>
+                  <a:pt x="90" y="0"/>
+                </a:moveTo>
+                <a:cubicBezTo>
+                  <a:pt x="45" y="0"/>
+                  <a:pt x="0" y="45"/>
+                  <a:pt x="0" y="90"/>
+                </a:cubicBezTo>
+                <a:lnTo>
+                  <a:pt x="0" y="2009"/>
+                </a:lnTo>
+                <a:cubicBezTo>
+                  <a:pt x="0" y="2054"/>
+                  <a:pt x="45" y="2100"/>
+                  <a:pt x="90" y="2100"/>
+                </a:cubicBezTo>
+                <a:lnTo>
+                  <a:pt x="7459" y="2100"/>
+                </a:lnTo>
+                <a:cubicBezTo>
+                  <a:pt x="7504" y="2100"/>
+                  <a:pt x="7550" y="2054"/>
+                  <a:pt x="7550" y="2009"/>
+                </a:cubicBezTo>
+                <a:lnTo>
+                  <a:pt x="7550" y="90"/>
+                </a:lnTo>
+                <a:cubicBezTo>
+                  <a:pt x="7550" y="45"/>
+                  <a:pt x="7504" y="0"/>
+                  <a:pt x="7459" y="0"/>
+                </a:cubicBezTo>
+                <a:lnTo>
+                  <a:pt x="90" y="0"/>
+                </a:lnTo>
+              </a:path>
+            </a:pathLst>
+          </a:custGeom>
+          <a:solidFill>
+            <a:srgbClr val="cfe7e5"/>
+          </a:solidFill>
+          <a:ln w="10800">
+            <a:solidFill>
+              <a:srgbClr val="808080"/>
+            </a:solidFill>
+            <a:miter/>
+          </a:ln>
+        </p:spPr>
+        <p:style>
+          <a:lnRef idx="0"/>
+          <a:fillRef idx="0"/>
+          <a:effectRef idx="0"/>
+          <a:fontRef idx="minor"/>
+        </p:style>
+        <p:txBody>
+          <a:bodyPr wrap="none" lIns="95400" rIns="95400" tIns="50400" bIns="50400"/>
+          <a:p>
+            <a:pPr algn="ctr"/>
+            <a:r>
+              <a:rPr b="1" lang="en-GB" sz="1400" spc="-1" strike="noStrike">
+                <a:solidFill>
+                  <a:srgbClr val="b80047"/>
+                </a:solidFill>
+                <a:uFill>
+                  <a:solidFill>
+                    <a:srgbClr val="ffffff"/>
+                  </a:solidFill>
+                </a:uFill>
+                <a:latin typeface="Arial"/>
+              </a:rPr>
+              <a:t>Olfactory Bulb</a:t>
+            </a:r>
+            <a:endParaRPr b="0" lang="en-GB" sz="1800" spc="-1" strike="noStrike">
+              <a:solidFill>
+                <a:srgbClr val="000000"/>
+              </a:solidFill>
+              <a:uFill>
+                <a:solidFill>
+                  <a:srgbClr val="ffffff"/>
+                </a:solidFill>
+              </a:uFill>
+              <a:latin typeface="Arial"/>
+            </a:endParaRPr>
+          </a:p>
+          <a:p>
+            <a:pPr marL="216000" indent="-216000">
+              <a:buClr>
+                <a:srgbClr val="000000"/>
+              </a:buClr>
+              <a:buSzPct val="45000"/>
+              <a:buFont typeface="Wingdings" charset="2"/>
+              <a:buChar char=""/>
+            </a:pPr>
+            <a:r>
+              <a:rPr b="0" i="1" lang="en-GB" sz="1200" spc="-1" strike="noStrike">
+                <a:solidFill>
+                  <a:srgbClr val="000000"/>
+                </a:solidFill>
+                <a:uFill>
+                  <a:solidFill>
+                    <a:srgbClr val="ffffff"/>
+                  </a:solidFill>
+                </a:uFill>
+                <a:latin typeface="Arial"/>
+              </a:rPr>
+              <a:t>Migliore et al (2014)</a:t>
+            </a:r>
+            <a:endParaRPr b="0" lang="en-GB" sz="1800" spc="-1" strike="noStrike">
+              <a:solidFill>
+                <a:srgbClr val="000000"/>
+              </a:solidFill>
+              <a:uFill>
+                <a:solidFill>
+                  <a:srgbClr val="ffffff"/>
+                </a:solidFill>
+              </a:uFill>
+              <a:latin typeface="Arial"/>
+            </a:endParaRPr>
+          </a:p>
+          <a:p>
+            <a:pPr marL="216000" indent="-216000">
+              <a:buClr>
+                <a:srgbClr val="000000"/>
+              </a:buClr>
+              <a:buSzPct val="45000"/>
+              <a:buFont typeface="Wingdings" charset="2"/>
+              <a:buChar char=""/>
+            </a:pPr>
+            <a:r>
+              <a:rPr b="1" lang="en-GB" sz="1200" spc="-1" strike="noStrike">
+                <a:solidFill>
+                  <a:srgbClr val="000000"/>
+                </a:solidFill>
+                <a:uFill>
+                  <a:solidFill>
+                    <a:srgbClr val="ffffff"/>
+                  </a:solidFill>
+                </a:uFill>
+                <a:latin typeface="Arial"/>
+              </a:rPr>
+              <a:t>	</a:t>
+            </a:r>
+            <a:r>
+              <a:rPr b="1" lang="en-GB" sz="1200" spc="-1" strike="noStrike">
+                <a:solidFill>
+                  <a:srgbClr val="000000"/>
+                </a:solidFill>
+                <a:uFill>
+                  <a:solidFill>
+                    <a:srgbClr val="ffffff"/>
+                  </a:solidFill>
+                </a:uFill>
+                <a:latin typeface="Arial"/>
+              </a:rPr>
+              <a:t>Olf. Bulb network model</a:t>
+            </a:r>
+            <a:endParaRPr b="0" lang="en-GB" sz="1800" spc="-1" strike="noStrike">
+              <a:solidFill>
+                <a:srgbClr val="000000"/>
+              </a:solidFill>
+              <a:uFill>
+                <a:solidFill>
+                  <a:srgbClr val="ffffff"/>
+                </a:solidFill>
+              </a:uFill>
+              <a:latin typeface="Arial"/>
+            </a:endParaRPr>
+          </a:p>
+          <a:p>
+            <a:pPr marL="216000" indent="-216000" algn="ctr">
+              <a:buClr>
+                <a:srgbClr val="000000"/>
+              </a:buClr>
+              <a:buSzPct val="45000"/>
+              <a:buFont typeface="Wingdings" charset="2"/>
+              <a:buChar char=""/>
+            </a:pPr>
+            <a:r>
+              <a:rPr b="0" i="1" lang="en-GB" sz="1200" spc="-1" strike="noStrike">
+                <a:solidFill>
+                  <a:srgbClr val="000000"/>
+                </a:solidFill>
+                <a:uFill>
+                  <a:solidFill>
+                    <a:srgbClr val="ffffff"/>
+                  </a:solidFill>
+                </a:uFill>
+                <a:latin typeface="Arial"/>
+              </a:rPr>
+              <a:t> </a:t>
+            </a:r>
+            <a:endParaRPr b="0" lang="en-GB" sz="1800" spc="-1" strike="noStrike">
+              <a:solidFill>
+                <a:srgbClr val="000000"/>
+              </a:solidFill>
+              <a:uFill>
+                <a:solidFill>
+                  <a:srgbClr val="ffffff"/>
+                </a:solidFill>
+              </a:uFill>
+              <a:latin typeface="Arial"/>
+            </a:endParaRPr>
+          </a:p>
+          <a:p>
+            <a:pPr marL="216000" indent="-216000" algn="ctr">
+              <a:buClr>
+                <a:srgbClr val="000000"/>
+              </a:buClr>
+              <a:buSzPct val="45000"/>
+              <a:buFont typeface="Wingdings" charset="2"/>
+              <a:buChar char=""/>
+            </a:pPr>
+            <a:r>
+              <a:rPr b="0" i="1" lang="en-GB" sz="1200" spc="-1" strike="noStrike">
+                <a:solidFill>
+                  <a:srgbClr val="000000"/>
+                </a:solidFill>
+                <a:uFill>
+                  <a:solidFill>
+                    <a:srgbClr val="ffffff"/>
+                  </a:solidFill>
+                </a:uFill>
+                <a:latin typeface="Arial"/>
+              </a:rPr>
+              <a:t>  </a:t>
+            </a:r>
+            <a:endParaRPr b="0" lang="en-GB" sz="1800" spc="-1" strike="noStrike">
+              <a:solidFill>
+                <a:srgbClr val="000000"/>
+              </a:solidFill>
+              <a:uFill>
+                <a:solidFill>
+                  <a:srgbClr val="ffffff"/>
+                </a:solidFill>
+              </a:uFill>
+              <a:latin typeface="Arial"/>
+            </a:endParaRPr>
+          </a:p>
+          <a:p>
+            <a:pPr marL="216000" indent="-216000" algn="ctr">
+              <a:buClr>
+                <a:srgbClr val="000000"/>
+              </a:buClr>
+              <a:buSzPct val="45000"/>
+              <a:buFont typeface="Wingdings" charset="2"/>
+              <a:buChar char=""/>
+            </a:pPr>
+            <a:r>
+              <a:rPr b="0" lang="en-GB" sz="1200" spc="-1" strike="noStrike">
+                <a:solidFill>
+                  <a:srgbClr val="000000"/>
+                </a:solidFill>
+                <a:uFill>
+                  <a:solidFill>
+                    <a:srgbClr val="ffffff"/>
+                  </a:solidFill>
+                </a:uFill>
+                <a:latin typeface="Arial"/>
+              </a:rPr>
+              <a:t>  </a:t>
+            </a:r>
+            <a:endParaRPr b="0" lang="en-GB" sz="1800" spc="-1" strike="noStrike">
+              <a:solidFill>
+                <a:srgbClr val="000000"/>
+              </a:solidFill>
+              <a:uFill>
+                <a:solidFill>
+                  <a:srgbClr val="ffffff"/>
+                </a:solidFill>
+              </a:uFill>
+              <a:latin typeface="Arial"/>
+            </a:endParaRPr>
+          </a:p>
+          <a:p>
+            <a:pPr algn="ctr"/>
+            <a:r>
+              <a:rPr b="0" lang="en-GB" sz="1800" spc="-1" strike="noStrike">
+                <a:solidFill>
+                  <a:srgbClr val="cfe7e5"/>
+                </a:solidFill>
+                <a:uFill>
+                  <a:solidFill>
+                    <a:srgbClr val="ffffff"/>
+                  </a:solidFill>
+                </a:uFill>
+                <a:latin typeface="Arial"/>
+              </a:rPr>
+              <a:t> </a:t>
+            </a:r>
+            <a:endParaRPr b="0" lang="en-GB" sz="1800" spc="-1" strike="noStrike">
+              <a:solidFill>
+                <a:srgbClr val="000000"/>
+              </a:solidFill>
+              <a:uFill>
+                <a:solidFill>
+                  <a:srgbClr val="ffffff"/>
+                </a:solidFill>
+              </a:uFill>
+              <a:latin typeface="Arial"/>
+            </a:endParaRPr>
+          </a:p>
+          <a:p>
+            <a:pPr algn="ctr"/>
+            <a:r>
+              <a:rPr b="0" lang="en-GB" sz="1800" spc="-1" strike="noStrike">
+                <a:solidFill>
+                  <a:srgbClr val="cfe7e5"/>
+                </a:solidFill>
+                <a:uFill>
+                  <a:solidFill>
+                    <a:srgbClr val="ffffff"/>
+                  </a:solidFill>
+                </a:uFill>
+                <a:latin typeface="Arial"/>
+              </a:rPr>
+              <a:t> </a:t>
+            </a:r>
+            <a:endParaRPr b="0" lang="en-GB" sz="1800" spc="-1" strike="noStrike">
+              <a:solidFill>
+                <a:srgbClr val="000000"/>
+              </a:solidFill>
+              <a:uFill>
+                <a:solidFill>
+                  <a:srgbClr val="ffffff"/>
+                </a:solidFill>
+              </a:uFill>
+              <a:latin typeface="Arial"/>
+            </a:endParaRPr>
+          </a:p>
+        </p:txBody>
+      </p:sp>
+      <p:sp>
+        <p:nvSpPr>
+          <p:cNvPr id="89" name="CustomShape 5"/>
+          <p:cNvSpPr/>
+          <p:nvPr/>
+        </p:nvSpPr>
+        <p:spPr>
+          <a:xfrm>
+            <a:off x="2666160" y="6131520"/>
+            <a:ext cx="3002040" cy="923760"/>
+          </a:xfrm>
+          <a:custGeom>
+            <a:avLst/>
+            <a:gdLst/>
+            <a:ahLst/>
+            <a:rect l="0" t="0" r="r" b="b"/>
+            <a:pathLst>
+              <a:path w="8341" h="2568">
+                <a:moveTo>
+                  <a:pt x="101" y="0"/>
+                </a:moveTo>
+                <a:cubicBezTo>
+                  <a:pt x="50" y="0"/>
+                  <a:pt x="0" y="50"/>
+                  <a:pt x="0" y="101"/>
+                </a:cubicBezTo>
+                <a:lnTo>
+                  <a:pt x="0" y="2465"/>
+                </a:lnTo>
+                <a:cubicBezTo>
+                  <a:pt x="0" y="2516"/>
+                  <a:pt x="50" y="2567"/>
+                  <a:pt x="101" y="2567"/>
+                </a:cubicBezTo>
+                <a:lnTo>
+                  <a:pt x="8238" y="2567"/>
+                </a:lnTo>
+                <a:cubicBezTo>
+                  <a:pt x="8289" y="2567"/>
+                  <a:pt x="8340" y="2516"/>
+                  <a:pt x="8340" y="2465"/>
+                </a:cubicBezTo>
+                <a:lnTo>
+                  <a:pt x="8340" y="101"/>
+                </a:lnTo>
+                <a:cubicBezTo>
+                  <a:pt x="8340" y="50"/>
+                  <a:pt x="8289" y="0"/>
+                  <a:pt x="8238" y="0"/>
+                </a:cubicBezTo>
+                <a:lnTo>
+                  <a:pt x="101" y="0"/>
+                </a:lnTo>
+              </a:path>
+            </a:pathLst>
+          </a:custGeom>
+          <a:solidFill>
+            <a:srgbClr val="cfe7e5"/>
+          </a:solidFill>
+          <a:ln w="10800">
+            <a:solidFill>
+              <a:srgbClr val="808080"/>
+            </a:solidFill>
+            <a:miter/>
+          </a:ln>
+        </p:spPr>
+        <p:style>
+          <a:lnRef idx="0"/>
+          <a:fillRef idx="0"/>
+          <a:effectRef idx="0"/>
+          <a:fontRef idx="minor"/>
+        </p:style>
+        <p:txBody>
+          <a:bodyPr wrap="none" lIns="95400" rIns="95400" tIns="50400" bIns="50400"/>
+          <a:p>
+            <a:pPr algn="ctr"/>
+            <a:r>
+              <a:rPr b="1" lang="en-GB" sz="1400" spc="-1" strike="noStrike">
+                <a:solidFill>
+                  <a:srgbClr val="b80047"/>
+                </a:solidFill>
+                <a:uFill>
+                  <a:solidFill>
+                    <a:srgbClr val="ffffff"/>
+                  </a:solidFill>
+                </a:uFill>
+                <a:latin typeface="Arial"/>
+              </a:rPr>
+              <a:t>Thalamus</a:t>
+            </a:r>
+            <a:endParaRPr b="0" lang="en-GB" sz="1800" spc="-1" strike="noStrike">
+              <a:solidFill>
+                <a:srgbClr val="000000"/>
+              </a:solidFill>
+              <a:uFill>
+                <a:solidFill>
+                  <a:srgbClr val="ffffff"/>
+                </a:solidFill>
+              </a:uFill>
+              <a:latin typeface="Arial"/>
+            </a:endParaRPr>
+          </a:p>
+          <a:p>
+            <a:pPr marL="216000" indent="-216000">
+              <a:buClr>
+                <a:srgbClr val="000000"/>
+              </a:buClr>
+              <a:buSzPct val="45000"/>
+              <a:buFont typeface="Wingdings" charset="2"/>
+              <a:buChar char=""/>
+            </a:pPr>
+            <a:r>
+              <a:rPr b="0" i="1" lang="en-GB" sz="1200" spc="-1" strike="noStrike">
+                <a:solidFill>
+                  <a:srgbClr val="000000"/>
+                </a:solidFill>
+                <a:uFill>
+                  <a:solidFill>
+                    <a:srgbClr val="ffffff"/>
+                  </a:solidFill>
+                </a:uFill>
+                <a:latin typeface="Arial"/>
+              </a:rPr>
+              <a:t>Traub et al. (2005)</a:t>
+            </a:r>
+            <a:endParaRPr b="0" lang="en-GB" sz="1800" spc="-1" strike="noStrike">
+              <a:solidFill>
+                <a:srgbClr val="000000"/>
+              </a:solidFill>
+              <a:uFill>
+                <a:solidFill>
+                  <a:srgbClr val="ffffff"/>
+                </a:solidFill>
+              </a:uFill>
+              <a:latin typeface="Arial"/>
+            </a:endParaRPr>
+          </a:p>
+          <a:p>
+            <a:pPr marL="216000" indent="-216000">
+              <a:buClr>
+                <a:srgbClr val="000000"/>
+              </a:buClr>
+              <a:buSzPct val="45000"/>
+              <a:buFont typeface="Wingdings" charset="2"/>
+              <a:buChar char=""/>
+            </a:pPr>
+            <a:r>
+              <a:rPr b="1" lang="en-GB" sz="1200" spc="-1" strike="noStrike">
+                <a:solidFill>
+                  <a:srgbClr val="000000"/>
+                </a:solidFill>
+                <a:uFill>
+                  <a:solidFill>
+                    <a:srgbClr val="ffffff"/>
+                  </a:solidFill>
+                </a:uFill>
+                <a:latin typeface="Arial"/>
+              </a:rPr>
+              <a:t>	</a:t>
+            </a:r>
+            <a:r>
+              <a:rPr b="1" lang="en-GB" sz="1200" spc="-1" strike="noStrike">
+                <a:solidFill>
+                  <a:srgbClr val="000000"/>
+                </a:solidFill>
+                <a:uFill>
+                  <a:solidFill>
+                    <a:srgbClr val="ffffff"/>
+                  </a:solidFill>
+                </a:uFill>
+                <a:latin typeface="Arial"/>
+              </a:rPr>
+              <a:t>Thalamocortical relay cell,</a:t>
+            </a:r>
+            <a:endParaRPr b="0" lang="en-GB" sz="1800" spc="-1" strike="noStrike">
+              <a:solidFill>
+                <a:srgbClr val="000000"/>
+              </a:solidFill>
+              <a:uFill>
+                <a:solidFill>
+                  <a:srgbClr val="ffffff"/>
+                </a:solidFill>
+              </a:uFill>
+              <a:latin typeface="Arial"/>
+            </a:endParaRPr>
+          </a:p>
+          <a:p>
+            <a:pPr marL="216000" indent="-216000">
+              <a:buClr>
+                <a:srgbClr val="000000"/>
+              </a:buClr>
+              <a:buSzPct val="45000"/>
+              <a:buFont typeface="Wingdings" charset="2"/>
+              <a:buChar char=""/>
+            </a:pPr>
+            <a:r>
+              <a:rPr b="1" lang="en-GB" sz="1200" spc="-1" strike="noStrike">
+                <a:solidFill>
+                  <a:srgbClr val="000000"/>
+                </a:solidFill>
+                <a:uFill>
+                  <a:solidFill>
+                    <a:srgbClr val="ffffff"/>
+                  </a:solidFill>
+                </a:uFill>
+                <a:latin typeface="Arial"/>
+              </a:rPr>
+              <a:t>	</a:t>
+            </a:r>
+            <a:r>
+              <a:rPr b="1" lang="en-GB" sz="1200" spc="-1" strike="noStrike">
+                <a:solidFill>
+                  <a:srgbClr val="000000"/>
+                </a:solidFill>
+                <a:uFill>
+                  <a:solidFill>
+                    <a:srgbClr val="ffffff"/>
+                  </a:solidFill>
+                </a:uFill>
+                <a:latin typeface="Arial"/>
+              </a:rPr>
+              <a:t>Nucleus reticularis thalami cell</a:t>
+            </a:r>
+            <a:endParaRPr b="0" lang="en-GB" sz="1800" spc="-1" strike="noStrike">
+              <a:solidFill>
+                <a:srgbClr val="000000"/>
+              </a:solidFill>
+              <a:uFill>
+                <a:solidFill>
+                  <a:srgbClr val="ffffff"/>
+                </a:solidFill>
+              </a:uFill>
+              <a:latin typeface="Arial"/>
+            </a:endParaRPr>
+          </a:p>
+          <a:p>
+            <a:pPr marL="216000" indent="-216000" algn="ctr">
+              <a:buClr>
+                <a:srgbClr val="000000"/>
+              </a:buClr>
+              <a:buSzPct val="45000"/>
+              <a:buFont typeface="Wingdings" charset="2"/>
+              <a:buChar char=""/>
+            </a:pPr>
+            <a:r>
+              <a:rPr b="1" lang="en-GB" sz="1200" spc="-1" strike="noStrike">
+                <a:solidFill>
+                  <a:srgbClr val="000000"/>
+                </a:solidFill>
+                <a:uFill>
+                  <a:solidFill>
+                    <a:srgbClr val="ffffff"/>
+                  </a:solidFill>
+                </a:uFill>
+                <a:latin typeface="Arial"/>
+              </a:rPr>
+              <a:t> </a:t>
+            </a:r>
+            <a:endParaRPr b="0" lang="en-GB" sz="1800" spc="-1" strike="noStrike">
+              <a:solidFill>
+                <a:srgbClr val="000000"/>
+              </a:solidFill>
+              <a:uFill>
+                <a:solidFill>
+                  <a:srgbClr val="ffffff"/>
+                </a:solidFill>
+              </a:uFill>
+              <a:latin typeface="Arial"/>
+            </a:endParaRPr>
+          </a:p>
+          <a:p>
+            <a:pPr marL="216000" indent="-216000" algn="ctr">
+              <a:buClr>
+                <a:srgbClr val="000000"/>
+              </a:buClr>
+              <a:buSzPct val="45000"/>
+              <a:buFont typeface="Wingdings" charset="2"/>
+              <a:buChar char=""/>
+            </a:pPr>
+            <a:r>
+              <a:rPr b="1" lang="en-GB" sz="1200" spc="-1" strike="noStrike">
+                <a:solidFill>
+                  <a:srgbClr val="000000"/>
+                </a:solidFill>
+                <a:uFill>
+                  <a:solidFill>
+                    <a:srgbClr val="ffffff"/>
+                  </a:solidFill>
+                </a:uFill>
+                <a:latin typeface="Arial"/>
+              </a:rPr>
+              <a:t>	</a:t>
+            </a:r>
+            <a:r>
+              <a:rPr b="1" lang="en-GB" sz="1200" spc="-1" strike="noStrike">
+                <a:solidFill>
+                  <a:srgbClr val="000000"/>
+                </a:solidFill>
+                <a:uFill>
+                  <a:solidFill>
+                    <a:srgbClr val="ffffff"/>
+                  </a:solidFill>
+                </a:uFill>
+                <a:latin typeface="Arial"/>
+              </a:rPr>
+              <a:t> </a:t>
+            </a:r>
+            <a:endParaRPr b="0" lang="en-GB" sz="1800" spc="-1" strike="noStrike">
+              <a:solidFill>
+                <a:srgbClr val="000000"/>
+              </a:solidFill>
+              <a:uFill>
+                <a:solidFill>
+                  <a:srgbClr val="ffffff"/>
+                </a:solidFill>
+              </a:uFill>
+              <a:latin typeface="Arial"/>
+            </a:endParaRPr>
+          </a:p>
+          <a:p>
+            <a:pPr marL="216000" indent="-216000" algn="ctr">
+              <a:buClr>
+                <a:srgbClr val="000000"/>
+              </a:buClr>
+              <a:buSzPct val="45000"/>
+              <a:buFont typeface="Wingdings" charset="2"/>
+              <a:buChar char=""/>
+            </a:pPr>
+            <a:r>
+              <a:rPr b="0" i="1" lang="en-GB" sz="1200" spc="-1" strike="noStrike">
+                <a:solidFill>
+                  <a:srgbClr val="000000"/>
+                </a:solidFill>
+                <a:uFill>
+                  <a:solidFill>
+                    <a:srgbClr val="ffffff"/>
+                  </a:solidFill>
+                </a:uFill>
+                <a:latin typeface="Arial"/>
+              </a:rPr>
+              <a:t>  </a:t>
+            </a:r>
+            <a:endParaRPr b="0" lang="en-GB" sz="1800" spc="-1" strike="noStrike">
+              <a:solidFill>
+                <a:srgbClr val="000000"/>
+              </a:solidFill>
+              <a:uFill>
+                <a:solidFill>
+                  <a:srgbClr val="ffffff"/>
+                </a:solidFill>
+              </a:uFill>
+              <a:latin typeface="Arial"/>
+            </a:endParaRPr>
+          </a:p>
+          <a:p>
+            <a:pPr marL="216000" indent="-216000" algn="ctr">
+              <a:buClr>
+                <a:srgbClr val="000000"/>
+              </a:buClr>
+              <a:buSzPct val="45000"/>
+              <a:buFont typeface="Wingdings" charset="2"/>
+              <a:buChar char=""/>
+            </a:pPr>
+            <a:r>
+              <a:rPr b="0" lang="en-GB" sz="1200" spc="-1" strike="noStrike">
+                <a:solidFill>
+                  <a:srgbClr val="000000"/>
+                </a:solidFill>
+                <a:uFill>
+                  <a:solidFill>
+                    <a:srgbClr val="ffffff"/>
+                  </a:solidFill>
+                </a:uFill>
+                <a:latin typeface="Arial"/>
+              </a:rPr>
+              <a:t>  </a:t>
+            </a:r>
+            <a:endParaRPr b="0" lang="en-GB" sz="1800" spc="-1" strike="noStrike">
+              <a:solidFill>
+                <a:srgbClr val="000000"/>
+              </a:solidFill>
+              <a:uFill>
+                <a:solidFill>
+                  <a:srgbClr val="ffffff"/>
+                </a:solidFill>
+              </a:uFill>
+              <a:latin typeface="Arial"/>
+            </a:endParaRPr>
+          </a:p>
+          <a:p>
+            <a:pPr algn="ctr"/>
+            <a:r>
+              <a:rPr b="0" lang="en-GB" sz="1800" spc="-1" strike="noStrike">
+                <a:solidFill>
+                  <a:srgbClr val="cfe7e5"/>
+                </a:solidFill>
+                <a:uFill>
+                  <a:solidFill>
+                    <a:srgbClr val="ffffff"/>
+                  </a:solidFill>
+                </a:uFill>
+                <a:latin typeface="Arial"/>
+              </a:rPr>
+              <a:t> </a:t>
+            </a:r>
+            <a:endParaRPr b="0" lang="en-GB" sz="1800" spc="-1" strike="noStrike">
+              <a:solidFill>
+                <a:srgbClr val="000000"/>
+              </a:solidFill>
+              <a:uFill>
+                <a:solidFill>
+                  <a:srgbClr val="ffffff"/>
+                </a:solidFill>
+              </a:uFill>
+              <a:latin typeface="Arial"/>
+            </a:endParaRPr>
+          </a:p>
+          <a:p>
+            <a:pPr algn="ctr"/>
+            <a:r>
+              <a:rPr b="0" lang="en-GB" sz="1800" spc="-1" strike="noStrike">
+                <a:solidFill>
+                  <a:srgbClr val="cfe7e5"/>
+                </a:solidFill>
+                <a:uFill>
+                  <a:solidFill>
+                    <a:srgbClr val="ffffff"/>
+                  </a:solidFill>
+                </a:uFill>
+                <a:latin typeface="Arial"/>
+              </a:rPr>
+              <a:t> </a:t>
+            </a:r>
+            <a:endParaRPr b="0" lang="en-GB" sz="1800" spc="-1" strike="noStrike">
+              <a:solidFill>
+                <a:srgbClr val="000000"/>
+              </a:solidFill>
+              <a:uFill>
+                <a:solidFill>
+                  <a:srgbClr val="ffffff"/>
+                </a:solidFill>
+              </a:uFill>
+              <a:latin typeface="Arial"/>
+            </a:endParaRPr>
+          </a:p>
+        </p:txBody>
+      </p:sp>
+      <p:sp>
+        <p:nvSpPr>
+          <p:cNvPr id="90" name="CustomShape 6"/>
+          <p:cNvSpPr/>
+          <p:nvPr/>
+        </p:nvSpPr>
+        <p:spPr>
+          <a:xfrm>
+            <a:off x="410400" y="5249160"/>
+            <a:ext cx="2181600" cy="1158840"/>
+          </a:xfrm>
+          <a:custGeom>
+            <a:avLst/>
+            <a:gdLst/>
+            <a:ahLst/>
+            <a:rect l="0" t="0" r="r" b="b"/>
+            <a:pathLst>
+              <a:path w="6061" h="3221">
+                <a:moveTo>
+                  <a:pt x="127" y="0"/>
+                </a:moveTo>
+                <a:cubicBezTo>
+                  <a:pt x="63" y="0"/>
+                  <a:pt x="0" y="63"/>
+                  <a:pt x="0" y="127"/>
+                </a:cubicBezTo>
+                <a:lnTo>
+                  <a:pt x="0" y="3092"/>
+                </a:lnTo>
+                <a:cubicBezTo>
+                  <a:pt x="0" y="3156"/>
+                  <a:pt x="63" y="3220"/>
+                  <a:pt x="127" y="3220"/>
+                </a:cubicBezTo>
+                <a:lnTo>
+                  <a:pt x="5933" y="3220"/>
+                </a:lnTo>
+                <a:cubicBezTo>
+                  <a:pt x="5996" y="3220"/>
+                  <a:pt x="6060" y="3156"/>
+                  <a:pt x="6060" y="3092"/>
+                </a:cubicBezTo>
+                <a:lnTo>
+                  <a:pt x="6060" y="127"/>
+                </a:lnTo>
+                <a:cubicBezTo>
+                  <a:pt x="6060" y="63"/>
+                  <a:pt x="5996" y="0"/>
+                  <a:pt x="5933" y="0"/>
+                </a:cubicBezTo>
+                <a:lnTo>
+                  <a:pt x="127" y="0"/>
+                </a:lnTo>
+              </a:path>
+            </a:pathLst>
+          </a:custGeom>
+          <a:solidFill>
+            <a:srgbClr val="cfe7e5"/>
+          </a:solidFill>
+          <a:ln w="10800">
+            <a:solidFill>
+              <a:srgbClr val="808080"/>
+            </a:solidFill>
+            <a:miter/>
+          </a:ln>
+        </p:spPr>
+        <p:style>
+          <a:lnRef idx="0"/>
+          <a:fillRef idx="0"/>
+          <a:effectRef idx="0"/>
+          <a:fontRef idx="minor"/>
+        </p:style>
+        <p:txBody>
+          <a:bodyPr wrap="none" lIns="95400" rIns="95400" tIns="50400" bIns="50400"/>
+          <a:p>
+            <a:pPr algn="ctr"/>
+            <a:r>
+              <a:rPr b="1" lang="en-GB" sz="1400" spc="-1" strike="noStrike">
+                <a:solidFill>
+                  <a:srgbClr val="b80047"/>
+                </a:solidFill>
+                <a:uFill>
+                  <a:solidFill>
+                    <a:srgbClr val="ffffff"/>
+                  </a:solidFill>
+                </a:uFill>
+                <a:latin typeface="Arial"/>
+              </a:rPr>
+              <a:t>Hippocampus</a:t>
+            </a:r>
+            <a:endParaRPr b="0" lang="en-GB" sz="1800" spc="-1" strike="noStrike">
+              <a:solidFill>
+                <a:srgbClr val="000000"/>
+              </a:solidFill>
+              <a:uFill>
+                <a:solidFill>
+                  <a:srgbClr val="ffffff"/>
+                </a:solidFill>
+              </a:uFill>
+              <a:latin typeface="Arial"/>
+            </a:endParaRPr>
+          </a:p>
+          <a:p>
+            <a:pPr marL="216000" indent="-216000">
+              <a:buClr>
+                <a:srgbClr val="000000"/>
+              </a:buClr>
+              <a:buSzPct val="45000"/>
+              <a:buFont typeface="Wingdings" charset="2"/>
+              <a:buChar char=""/>
+            </a:pPr>
+            <a:r>
+              <a:rPr b="0" i="1" lang="en-GB" sz="1200" spc="-1" strike="noStrike">
+                <a:solidFill>
+                  <a:srgbClr val="000000"/>
+                </a:solidFill>
+                <a:uFill>
+                  <a:solidFill>
+                    <a:srgbClr val="ffffff"/>
+                  </a:solidFill>
+                </a:uFill>
+                <a:latin typeface="Arial"/>
+              </a:rPr>
+              <a:t>Migliore et al. (2005)</a:t>
+            </a:r>
+            <a:endParaRPr b="0" lang="en-GB" sz="1800" spc="-1" strike="noStrike">
+              <a:solidFill>
+                <a:srgbClr val="000000"/>
+              </a:solidFill>
+              <a:uFill>
+                <a:solidFill>
+                  <a:srgbClr val="ffffff"/>
+                </a:solidFill>
+              </a:uFill>
+              <a:latin typeface="Arial"/>
+            </a:endParaRPr>
+          </a:p>
+          <a:p>
+            <a:pPr marL="216000" indent="-216000">
+              <a:buClr>
+                <a:srgbClr val="000000"/>
+              </a:buClr>
+              <a:buSzPct val="45000"/>
+              <a:buFont typeface="Wingdings" charset="2"/>
+              <a:buChar char=""/>
+            </a:pPr>
+            <a:r>
+              <a:rPr b="1" lang="en-GB" sz="1200" spc="-1" strike="noStrike">
+                <a:solidFill>
+                  <a:srgbClr val="000000"/>
+                </a:solidFill>
+                <a:uFill>
+                  <a:solidFill>
+                    <a:srgbClr val="ffffff"/>
+                  </a:solidFill>
+                </a:uFill>
+                <a:latin typeface="Arial"/>
+              </a:rPr>
+              <a:t>	</a:t>
+            </a:r>
+            <a:r>
+              <a:rPr b="1" lang="en-GB" sz="1200" spc="-1" strike="noStrike">
+                <a:solidFill>
+                  <a:srgbClr val="000000"/>
+                </a:solidFill>
+                <a:uFill>
+                  <a:solidFill>
+                    <a:srgbClr val="ffffff"/>
+                  </a:solidFill>
+                </a:uFill>
+                <a:latin typeface="Arial"/>
+              </a:rPr>
+              <a:t>CA1 Pyramidal cell</a:t>
+            </a:r>
+            <a:endParaRPr b="0" lang="en-GB" sz="1800" spc="-1" strike="noStrike">
+              <a:solidFill>
+                <a:srgbClr val="000000"/>
+              </a:solidFill>
+              <a:uFill>
+                <a:solidFill>
+                  <a:srgbClr val="ffffff"/>
+                </a:solidFill>
+              </a:uFill>
+              <a:latin typeface="Arial"/>
+            </a:endParaRPr>
+          </a:p>
+          <a:p>
+            <a:pPr marL="216000" indent="-216000">
+              <a:buClr>
+                <a:srgbClr val="000000"/>
+              </a:buClr>
+              <a:buSzPct val="45000"/>
+              <a:buFont typeface="Wingdings" charset="2"/>
+              <a:buChar char=""/>
+            </a:pPr>
+            <a:r>
+              <a:rPr b="0" i="1" lang="en-GB" sz="1200" spc="-1" strike="noStrike">
+                <a:solidFill>
+                  <a:srgbClr val="000000"/>
+                </a:solidFill>
+                <a:uFill>
+                  <a:solidFill>
+                    <a:srgbClr val="ffffff"/>
+                  </a:solidFill>
+                </a:uFill>
+                <a:latin typeface="Arial"/>
+              </a:rPr>
+              <a:t>Bezaire et al (2017)</a:t>
+            </a:r>
+            <a:endParaRPr b="0" lang="en-GB" sz="1800" spc="-1" strike="noStrike">
+              <a:solidFill>
+                <a:srgbClr val="000000"/>
+              </a:solidFill>
+              <a:uFill>
+                <a:solidFill>
+                  <a:srgbClr val="ffffff"/>
+                </a:solidFill>
+              </a:uFill>
+              <a:latin typeface="Arial"/>
+            </a:endParaRPr>
+          </a:p>
+          <a:p>
+            <a:pPr lvl="2" marL="648000" indent="-216000">
+              <a:buClr>
+                <a:srgbClr val="000000"/>
+              </a:buClr>
+              <a:buSzPct val="45000"/>
+              <a:buFont typeface="Wingdings" charset="2"/>
+              <a:buChar char=""/>
+            </a:pPr>
+            <a:r>
+              <a:rPr b="1" lang="en-GB" sz="1200" spc="-1" strike="noStrike">
+                <a:solidFill>
+                  <a:srgbClr val="000000"/>
+                </a:solidFill>
+                <a:uFill>
+                  <a:solidFill>
+                    <a:srgbClr val="ffffff"/>
+                  </a:solidFill>
+                </a:uFill>
+                <a:latin typeface="Arial"/>
+              </a:rPr>
+              <a:t>Full scale CA1</a:t>
+            </a:r>
+            <a:endParaRPr b="0" lang="en-GB" sz="1800" spc="-1" strike="noStrike">
+              <a:solidFill>
+                <a:srgbClr val="000000"/>
+              </a:solidFill>
+              <a:uFill>
+                <a:solidFill>
+                  <a:srgbClr val="ffffff"/>
+                </a:solidFill>
+              </a:uFill>
+              <a:latin typeface="Arial"/>
+            </a:endParaRPr>
+          </a:p>
+          <a:p>
+            <a:pPr marL="216000" indent="-216000">
+              <a:buClr>
+                <a:srgbClr val="000000"/>
+              </a:buClr>
+              <a:buSzPct val="45000"/>
+              <a:buFont typeface="Wingdings" charset="2"/>
+              <a:buChar char=""/>
+            </a:pPr>
+            <a:r>
+              <a:rPr b="1" lang="en-GB" sz="1200" spc="-1" strike="noStrike">
+                <a:solidFill>
+                  <a:srgbClr val="000000"/>
+                </a:solidFill>
+                <a:uFill>
+                  <a:solidFill>
+                    <a:srgbClr val="ffffff"/>
+                  </a:solidFill>
+                </a:uFill>
+                <a:latin typeface="Arial"/>
+              </a:rPr>
+              <a:t> </a:t>
+            </a:r>
+            <a:endParaRPr b="0" lang="en-GB" sz="1800" spc="-1" strike="noStrike">
+              <a:solidFill>
+                <a:srgbClr val="000000"/>
+              </a:solidFill>
+              <a:uFill>
+                <a:solidFill>
+                  <a:srgbClr val="ffffff"/>
+                </a:solidFill>
+              </a:uFill>
+              <a:latin typeface="Arial"/>
+            </a:endParaRPr>
+          </a:p>
+          <a:p>
+            <a:pPr marL="216000" indent="-216000" algn="ctr">
+              <a:buClr>
+                <a:srgbClr val="000000"/>
+              </a:buClr>
+              <a:buSzPct val="45000"/>
+              <a:buFont typeface="Wingdings" charset="2"/>
+              <a:buChar char=""/>
+            </a:pPr>
+            <a:r>
+              <a:rPr b="1" lang="en-GB" sz="1200" spc="-1" strike="noStrike">
+                <a:solidFill>
+                  <a:srgbClr val="000000"/>
+                </a:solidFill>
+                <a:uFill>
+                  <a:solidFill>
+                    <a:srgbClr val="ffffff"/>
+                  </a:solidFill>
+                </a:uFill>
+                <a:latin typeface="Arial"/>
+              </a:rPr>
+              <a:t>	</a:t>
+            </a:r>
+            <a:r>
+              <a:rPr b="1" lang="en-GB" sz="1200" spc="-1" strike="noStrike">
+                <a:solidFill>
+                  <a:srgbClr val="000000"/>
+                </a:solidFill>
+                <a:uFill>
+                  <a:solidFill>
+                    <a:srgbClr val="ffffff"/>
+                  </a:solidFill>
+                </a:uFill>
+                <a:latin typeface="Arial"/>
+              </a:rPr>
+              <a:t> </a:t>
+            </a:r>
+            <a:endParaRPr b="0" lang="en-GB" sz="1800" spc="-1" strike="noStrike">
+              <a:solidFill>
+                <a:srgbClr val="000000"/>
+              </a:solidFill>
+              <a:uFill>
+                <a:solidFill>
+                  <a:srgbClr val="ffffff"/>
+                </a:solidFill>
+              </a:uFill>
+              <a:latin typeface="Arial"/>
+            </a:endParaRPr>
+          </a:p>
+          <a:p>
+            <a:pPr marL="216000" indent="-216000" algn="ctr">
+              <a:buClr>
+                <a:srgbClr val="000000"/>
+              </a:buClr>
+              <a:buSzPct val="45000"/>
+              <a:buFont typeface="Wingdings" charset="2"/>
+              <a:buChar char=""/>
+            </a:pPr>
+            <a:r>
+              <a:rPr b="0" i="1" lang="en-GB" sz="1200" spc="-1" strike="noStrike">
+                <a:solidFill>
+                  <a:srgbClr val="000000"/>
+                </a:solidFill>
+                <a:uFill>
+                  <a:solidFill>
+                    <a:srgbClr val="ffffff"/>
+                  </a:solidFill>
+                </a:uFill>
+                <a:latin typeface="Arial"/>
+              </a:rPr>
+              <a:t>  </a:t>
+            </a:r>
+            <a:endParaRPr b="0" lang="en-GB" sz="1800" spc="-1" strike="noStrike">
+              <a:solidFill>
+                <a:srgbClr val="000000"/>
+              </a:solidFill>
+              <a:uFill>
+                <a:solidFill>
+                  <a:srgbClr val="ffffff"/>
+                </a:solidFill>
+              </a:uFill>
+              <a:latin typeface="Arial"/>
+            </a:endParaRPr>
+          </a:p>
+          <a:p>
+            <a:pPr marL="216000" indent="-216000" algn="ctr">
+              <a:buClr>
+                <a:srgbClr val="000000"/>
+              </a:buClr>
+              <a:buSzPct val="45000"/>
+              <a:buFont typeface="Wingdings" charset="2"/>
+              <a:buChar char=""/>
+            </a:pPr>
+            <a:r>
+              <a:rPr b="0" lang="en-GB" sz="1200" spc="-1" strike="noStrike">
+                <a:solidFill>
+                  <a:srgbClr val="000000"/>
+                </a:solidFill>
+                <a:uFill>
+                  <a:solidFill>
+                    <a:srgbClr val="ffffff"/>
+                  </a:solidFill>
+                </a:uFill>
+                <a:latin typeface="Arial"/>
+              </a:rPr>
+              <a:t>  </a:t>
+            </a:r>
+            <a:endParaRPr b="0" lang="en-GB" sz="1800" spc="-1" strike="noStrike">
+              <a:solidFill>
+                <a:srgbClr val="000000"/>
+              </a:solidFill>
+              <a:uFill>
+                <a:solidFill>
+                  <a:srgbClr val="ffffff"/>
+                </a:solidFill>
+              </a:uFill>
+              <a:latin typeface="Arial"/>
+            </a:endParaRPr>
+          </a:p>
+          <a:p>
+            <a:pPr algn="ctr"/>
+            <a:r>
+              <a:rPr b="0" lang="en-GB" sz="1800" spc="-1" strike="noStrike">
+                <a:solidFill>
+                  <a:srgbClr val="cfe7e5"/>
+                </a:solidFill>
+                <a:uFill>
+                  <a:solidFill>
+                    <a:srgbClr val="ffffff"/>
+                  </a:solidFill>
+                </a:uFill>
+                <a:latin typeface="Arial"/>
+              </a:rPr>
+              <a:t> </a:t>
+            </a:r>
+            <a:endParaRPr b="0" lang="en-GB" sz="1800" spc="-1" strike="noStrike">
+              <a:solidFill>
+                <a:srgbClr val="000000"/>
+              </a:solidFill>
+              <a:uFill>
+                <a:solidFill>
+                  <a:srgbClr val="ffffff"/>
+                </a:solidFill>
+              </a:uFill>
+              <a:latin typeface="Arial"/>
+            </a:endParaRPr>
+          </a:p>
+          <a:p>
+            <a:pPr algn="ctr"/>
+            <a:r>
+              <a:rPr b="0" lang="en-GB" sz="1800" spc="-1" strike="noStrike">
+                <a:solidFill>
+                  <a:srgbClr val="cfe7e5"/>
+                </a:solidFill>
+                <a:uFill>
+                  <a:solidFill>
+                    <a:srgbClr val="ffffff"/>
+                  </a:solidFill>
+                </a:uFill>
+                <a:latin typeface="Arial"/>
+              </a:rPr>
+              <a:t> </a:t>
+            </a:r>
+            <a:endParaRPr b="0" lang="en-GB" sz="1800" spc="-1" strike="noStrike">
+              <a:solidFill>
+                <a:srgbClr val="000000"/>
+              </a:solidFill>
+              <a:uFill>
+                <a:solidFill>
+                  <a:srgbClr val="ffffff"/>
+                </a:solidFill>
+              </a:uFill>
+              <a:latin typeface="Arial"/>
+            </a:endParaRPr>
+          </a:p>
+        </p:txBody>
+      </p:sp>
+      <p:sp>
+        <p:nvSpPr>
+          <p:cNvPr id="91" name="CustomShape 7"/>
+          <p:cNvSpPr/>
+          <p:nvPr/>
+        </p:nvSpPr>
+        <p:spPr>
+          <a:xfrm>
+            <a:off x="3071160" y="3542760"/>
+            <a:ext cx="1184040" cy="115920"/>
+          </a:xfrm>
+          <a:custGeom>
+            <a:avLst/>
+            <a:gdLst/>
+            <a:ahLst/>
+            <a:rect l="l" t="t" r="r" b="b"/>
+            <a:pathLst>
+              <a:path w="3287" h="321">
+                <a:moveTo>
+                  <a:pt x="0" y="321"/>
+                </a:moveTo>
+                <a:lnTo>
+                  <a:pt x="3287" y="0"/>
+                </a:lnTo>
+              </a:path>
+            </a:pathLst>
+          </a:custGeom>
+          <a:noFill/>
+          <a:ln w="36000">
+            <a:solidFill>
+              <a:srgbClr val="800000"/>
+            </a:solidFill>
+            <a:round/>
+            <a:tailEnd len="med" type="triangle" w="med"/>
+          </a:ln>
+        </p:spPr>
+        <p:style>
+          <a:lnRef idx="0"/>
+          <a:fillRef idx="0"/>
+          <a:effectRef idx="0"/>
+          <a:fontRef idx="minor"/>
+        </p:style>
+      </p:sp>
+      <p:sp>
+        <p:nvSpPr>
+          <p:cNvPr id="92" name="CustomShape 8"/>
+          <p:cNvSpPr/>
+          <p:nvPr/>
+        </p:nvSpPr>
+        <p:spPr>
+          <a:xfrm>
+            <a:off x="5064840" y="2453760"/>
+            <a:ext cx="387360" cy="871560"/>
+          </a:xfrm>
+          <a:custGeom>
+            <a:avLst/>
+            <a:gdLst/>
+            <a:ahLst/>
+            <a:rect l="l" t="t" r="r" b="b"/>
+            <a:pathLst>
+              <a:path w="2459" h="3661">
+                <a:moveTo>
+                  <a:pt x="2459" y="0"/>
+                </a:moveTo>
+                <a:lnTo>
+                  <a:pt x="0" y="3661"/>
+                </a:lnTo>
+              </a:path>
+            </a:pathLst>
+          </a:custGeom>
+          <a:noFill/>
+          <a:ln w="36000">
+            <a:solidFill>
+              <a:srgbClr val="800000"/>
+            </a:solidFill>
+            <a:round/>
+            <a:tailEnd len="med" type="triangle" w="med"/>
+          </a:ln>
+        </p:spPr>
+        <p:style>
+          <a:lnRef idx="0"/>
+          <a:fillRef idx="0"/>
+          <a:effectRef idx="0"/>
+          <a:fontRef idx="minor"/>
+        </p:style>
+      </p:sp>
+      <p:sp>
+        <p:nvSpPr>
+          <p:cNvPr id="93" name="CustomShape 9"/>
+          <p:cNvSpPr/>
+          <p:nvPr/>
+        </p:nvSpPr>
+        <p:spPr>
+          <a:xfrm>
+            <a:off x="2520000" y="4476240"/>
+            <a:ext cx="1609920" cy="851760"/>
+          </a:xfrm>
+          <a:custGeom>
+            <a:avLst/>
+            <a:gdLst/>
+            <a:ahLst/>
+            <a:rect l="l" t="t" r="r" b="b"/>
+            <a:pathLst>
+              <a:path w="6441" h="3394">
+                <a:moveTo>
+                  <a:pt x="0" y="3394"/>
+                </a:moveTo>
+                <a:lnTo>
+                  <a:pt x="6441" y="0"/>
+                </a:lnTo>
+              </a:path>
+            </a:pathLst>
+          </a:custGeom>
+          <a:noFill/>
+          <a:ln w="36000">
+            <a:solidFill>
+              <a:srgbClr val="800000"/>
+            </a:solidFill>
+            <a:round/>
+            <a:tailEnd len="med" type="triangle" w="med"/>
+          </a:ln>
+        </p:spPr>
+        <p:style>
+          <a:lnRef idx="0"/>
+          <a:fillRef idx="0"/>
+          <a:effectRef idx="0"/>
+          <a:fontRef idx="minor"/>
+        </p:style>
+      </p:sp>
+      <p:sp>
+        <p:nvSpPr>
+          <p:cNvPr id="94" name="CustomShape 10"/>
+          <p:cNvSpPr/>
+          <p:nvPr/>
+        </p:nvSpPr>
+        <p:spPr>
+          <a:xfrm>
+            <a:off x="3672000" y="4907880"/>
+            <a:ext cx="961200" cy="1284120"/>
+          </a:xfrm>
+          <a:custGeom>
+            <a:avLst/>
+            <a:gdLst/>
+            <a:ahLst/>
+            <a:rect l="l" t="t" r="r" b="b"/>
+            <a:pathLst>
+              <a:path w="1577" h="4918">
+                <a:moveTo>
+                  <a:pt x="0" y="4918"/>
+                </a:moveTo>
+                <a:lnTo>
+                  <a:pt x="1577" y="0"/>
+                </a:lnTo>
+              </a:path>
+            </a:pathLst>
+          </a:custGeom>
+          <a:noFill/>
+          <a:ln w="36000">
+            <a:solidFill>
+              <a:srgbClr val="800000"/>
+            </a:solidFill>
+            <a:round/>
+            <a:tailEnd len="med" type="triangle" w="med"/>
+          </a:ln>
+        </p:spPr>
+        <p:style>
+          <a:lnRef idx="0"/>
+          <a:fillRef idx="0"/>
+          <a:effectRef idx="0"/>
+          <a:fontRef idx="minor"/>
+        </p:style>
+      </p:sp>
+      <p:sp>
+        <p:nvSpPr>
+          <p:cNvPr id="95" name="CustomShape 11"/>
+          <p:cNvSpPr/>
+          <p:nvPr/>
+        </p:nvSpPr>
+        <p:spPr>
+          <a:xfrm>
+            <a:off x="5569920" y="3887280"/>
+            <a:ext cx="1531800" cy="438120"/>
+          </a:xfrm>
+          <a:custGeom>
+            <a:avLst/>
+            <a:gdLst/>
+            <a:ahLst/>
+            <a:rect l="l" t="t" r="r" b="b"/>
+            <a:pathLst>
+              <a:path w="4089" h="214">
+                <a:moveTo>
+                  <a:pt x="4089" y="0"/>
+                </a:moveTo>
+                <a:lnTo>
+                  <a:pt x="0" y="214"/>
+                </a:lnTo>
+              </a:path>
+            </a:pathLst>
+          </a:custGeom>
+          <a:noFill/>
+          <a:ln w="36000">
+            <a:solidFill>
+              <a:srgbClr val="800000"/>
+            </a:solidFill>
+            <a:round/>
+            <a:tailEnd len="med" type="triangle" w="med"/>
+          </a:ln>
+        </p:spPr>
+        <p:style>
+          <a:lnRef idx="0"/>
+          <a:fillRef idx="0"/>
+          <a:effectRef idx="0"/>
+          <a:fontRef idx="minor"/>
+        </p:style>
+      </p:sp>
+      <p:sp>
+        <p:nvSpPr>
+          <p:cNvPr id="96" name="CustomShape 12"/>
+          <p:cNvSpPr/>
+          <p:nvPr/>
+        </p:nvSpPr>
+        <p:spPr>
+          <a:xfrm>
+            <a:off x="6597000" y="5063400"/>
+            <a:ext cx="2733480" cy="916200"/>
+          </a:xfrm>
+          <a:custGeom>
+            <a:avLst/>
+            <a:gdLst/>
+            <a:ahLst/>
+            <a:rect l="0" t="0" r="r" b="b"/>
+            <a:pathLst>
+              <a:path w="7595" h="2547">
+                <a:moveTo>
+                  <a:pt x="109" y="0"/>
+                </a:moveTo>
+                <a:cubicBezTo>
+                  <a:pt x="54" y="0"/>
+                  <a:pt x="0" y="54"/>
+                  <a:pt x="0" y="109"/>
+                </a:cubicBezTo>
+                <a:lnTo>
+                  <a:pt x="0" y="2436"/>
+                </a:lnTo>
+                <a:cubicBezTo>
+                  <a:pt x="0" y="2491"/>
+                  <a:pt x="54" y="2546"/>
+                  <a:pt x="109" y="2546"/>
+                </a:cubicBezTo>
+                <a:lnTo>
+                  <a:pt x="7484" y="2546"/>
+                </a:lnTo>
+                <a:cubicBezTo>
+                  <a:pt x="7539" y="2546"/>
+                  <a:pt x="7594" y="2491"/>
+                  <a:pt x="7594" y="2436"/>
+                </a:cubicBezTo>
+                <a:lnTo>
+                  <a:pt x="7594" y="109"/>
+                </a:lnTo>
+                <a:cubicBezTo>
+                  <a:pt x="7594" y="54"/>
+                  <a:pt x="7539" y="0"/>
+                  <a:pt x="7484" y="0"/>
+                </a:cubicBezTo>
+                <a:lnTo>
+                  <a:pt x="109" y="0"/>
+                </a:lnTo>
+              </a:path>
+            </a:pathLst>
+          </a:custGeom>
+          <a:solidFill>
+            <a:srgbClr val="cfe7e5"/>
+          </a:solidFill>
+          <a:ln w="10800">
+            <a:solidFill>
+              <a:srgbClr val="808080"/>
+            </a:solidFill>
+            <a:miter/>
+          </a:ln>
+        </p:spPr>
+        <p:style>
+          <a:lnRef idx="0"/>
+          <a:fillRef idx="0"/>
+          <a:effectRef idx="0"/>
+          <a:fontRef idx="minor"/>
+        </p:style>
+        <p:txBody>
+          <a:bodyPr wrap="none" lIns="95400" rIns="95400" tIns="50400" bIns="50400"/>
+          <a:p>
+            <a:pPr algn="ctr"/>
+            <a:r>
+              <a:rPr b="1" lang="en-GB" sz="1400" spc="-1" strike="noStrike">
+                <a:solidFill>
+                  <a:srgbClr val="b80047"/>
+                </a:solidFill>
+                <a:uFill>
+                  <a:solidFill>
+                    <a:srgbClr val="ffffff"/>
+                  </a:solidFill>
+                </a:uFill>
+                <a:latin typeface="Arial"/>
+              </a:rPr>
+              <a:t>Abstract neuron models</a:t>
+            </a:r>
+            <a:endParaRPr b="0" lang="en-GB" sz="1800" spc="-1" strike="noStrike">
+              <a:solidFill>
+                <a:srgbClr val="000000"/>
+              </a:solidFill>
+              <a:uFill>
+                <a:solidFill>
+                  <a:srgbClr val="ffffff"/>
+                </a:solidFill>
+              </a:uFill>
+              <a:latin typeface="Arial"/>
+            </a:endParaRPr>
+          </a:p>
+          <a:p>
+            <a:pPr marL="216000" indent="-216000">
+              <a:buClr>
+                <a:srgbClr val="000000"/>
+              </a:buClr>
+              <a:buSzPct val="45000"/>
+              <a:buFont typeface="Wingdings" charset="2"/>
+              <a:buChar char=""/>
+            </a:pPr>
+            <a:r>
+              <a:rPr b="0" i="1" lang="en-GB" sz="1200" spc="-1" strike="noStrike">
+                <a:solidFill>
+                  <a:srgbClr val="000000"/>
+                </a:solidFill>
+                <a:uFill>
+                  <a:solidFill>
+                    <a:srgbClr val="ffffff"/>
+                  </a:solidFill>
+                </a:uFill>
+                <a:latin typeface="Arial"/>
+              </a:rPr>
+              <a:t>Izhikevich (2003)</a:t>
+            </a:r>
+            <a:endParaRPr b="0" lang="en-GB" sz="1800" spc="-1" strike="noStrike">
+              <a:solidFill>
+                <a:srgbClr val="000000"/>
+              </a:solidFill>
+              <a:uFill>
+                <a:solidFill>
+                  <a:srgbClr val="ffffff"/>
+                </a:solidFill>
+              </a:uFill>
+              <a:latin typeface="Arial"/>
+            </a:endParaRPr>
+          </a:p>
+          <a:p>
+            <a:pPr marL="216000" indent="-216000">
+              <a:buClr>
+                <a:srgbClr val="000000"/>
+              </a:buClr>
+              <a:buSzPct val="45000"/>
+              <a:buFont typeface="Wingdings" charset="2"/>
+              <a:buChar char=""/>
+            </a:pPr>
+            <a:r>
+              <a:rPr b="0" i="1" lang="en-GB" sz="1200" spc="-1" strike="noStrike">
+                <a:solidFill>
+                  <a:srgbClr val="000000"/>
+                </a:solidFill>
+                <a:uFill>
+                  <a:solidFill>
+                    <a:srgbClr val="ffffff"/>
+                  </a:solidFill>
+                </a:uFill>
+                <a:latin typeface="Arial"/>
+              </a:rPr>
+              <a:t>Morris &amp; Lecar (1981)</a:t>
+            </a:r>
+            <a:endParaRPr b="0" lang="en-GB" sz="1800" spc="-1" strike="noStrike">
+              <a:solidFill>
+                <a:srgbClr val="000000"/>
+              </a:solidFill>
+              <a:uFill>
+                <a:solidFill>
+                  <a:srgbClr val="ffffff"/>
+                </a:solidFill>
+              </a:uFill>
+              <a:latin typeface="Arial"/>
+            </a:endParaRPr>
+          </a:p>
+          <a:p>
+            <a:pPr marL="216000" indent="-216000">
+              <a:buClr>
+                <a:srgbClr val="000000"/>
+              </a:buClr>
+              <a:buSzPct val="45000"/>
+              <a:buFont typeface="Wingdings" charset="2"/>
+              <a:buChar char=""/>
+            </a:pPr>
+            <a:r>
+              <a:rPr b="0" i="1" lang="en-GB" sz="1200" spc="-1" strike="noStrike">
+                <a:solidFill>
+                  <a:srgbClr val="000000"/>
+                </a:solidFill>
+                <a:uFill>
+                  <a:solidFill>
+                    <a:srgbClr val="ffffff"/>
+                  </a:solidFill>
+                </a:uFill>
+                <a:latin typeface="Arial"/>
+              </a:rPr>
+              <a:t>FitzHugh &amp; Nagumo (1969)</a:t>
+            </a:r>
+            <a:endParaRPr b="0" lang="en-GB" sz="1800" spc="-1" strike="noStrike">
+              <a:solidFill>
+                <a:srgbClr val="000000"/>
+              </a:solidFill>
+              <a:uFill>
+                <a:solidFill>
+                  <a:srgbClr val="ffffff"/>
+                </a:solidFill>
+              </a:uFill>
+              <a:latin typeface="Arial"/>
+            </a:endParaRPr>
+          </a:p>
+          <a:p>
+            <a:pPr marL="216000" indent="-216000">
+              <a:buClr>
+                <a:srgbClr val="000000"/>
+              </a:buClr>
+              <a:buSzPct val="45000"/>
+              <a:buFont typeface="Wingdings" charset="2"/>
+              <a:buChar char=""/>
+            </a:pPr>
+            <a:r>
+              <a:rPr b="0" i="1" lang="en-GB" sz="1200" spc="-1" strike="noStrike">
+                <a:solidFill>
+                  <a:srgbClr val="000000"/>
+                </a:solidFill>
+                <a:uFill>
+                  <a:solidFill>
+                    <a:srgbClr val="ffffff"/>
+                  </a:solidFill>
+                </a:uFill>
+                <a:latin typeface="Arial"/>
+              </a:rPr>
+              <a:t> </a:t>
+            </a:r>
+            <a:endParaRPr b="0" lang="en-GB" sz="1800" spc="-1" strike="noStrike">
+              <a:solidFill>
+                <a:srgbClr val="000000"/>
+              </a:solidFill>
+              <a:uFill>
+                <a:solidFill>
+                  <a:srgbClr val="ffffff"/>
+                </a:solidFill>
+              </a:uFill>
+              <a:latin typeface="Arial"/>
+            </a:endParaRPr>
+          </a:p>
+          <a:p>
+            <a:pPr marL="216000" indent="-216000" algn="ctr">
+              <a:buClr>
+                <a:srgbClr val="000000"/>
+              </a:buClr>
+              <a:buSzPct val="45000"/>
+              <a:buFont typeface="Wingdings" charset="2"/>
+              <a:buChar char=""/>
+            </a:pPr>
+            <a:r>
+              <a:rPr b="0" i="1" lang="en-GB" sz="1200" spc="-1" strike="noStrike">
+                <a:solidFill>
+                  <a:srgbClr val="000000"/>
+                </a:solidFill>
+                <a:uFill>
+                  <a:solidFill>
+                    <a:srgbClr val="ffffff"/>
+                  </a:solidFill>
+                </a:uFill>
+                <a:latin typeface="Arial"/>
+              </a:rPr>
+              <a:t>  </a:t>
+            </a:r>
+            <a:endParaRPr b="0" lang="en-GB" sz="1800" spc="-1" strike="noStrike">
+              <a:solidFill>
+                <a:srgbClr val="000000"/>
+              </a:solidFill>
+              <a:uFill>
+                <a:solidFill>
+                  <a:srgbClr val="ffffff"/>
+                </a:solidFill>
+              </a:uFill>
+              <a:latin typeface="Arial"/>
+            </a:endParaRPr>
+          </a:p>
+          <a:p>
+            <a:pPr marL="216000" indent="-216000" algn="ctr">
+              <a:buClr>
+                <a:srgbClr val="000000"/>
+              </a:buClr>
+              <a:buSzPct val="45000"/>
+              <a:buFont typeface="Wingdings" charset="2"/>
+              <a:buChar char=""/>
+            </a:pPr>
+            <a:r>
+              <a:rPr b="0" lang="en-GB" sz="1200" spc="-1" strike="noStrike">
+                <a:solidFill>
+                  <a:srgbClr val="000000"/>
+                </a:solidFill>
+                <a:uFill>
+                  <a:solidFill>
+                    <a:srgbClr val="ffffff"/>
+                  </a:solidFill>
+                </a:uFill>
+                <a:latin typeface="Arial"/>
+              </a:rPr>
+              <a:t>  </a:t>
+            </a:r>
+            <a:endParaRPr b="0" lang="en-GB" sz="1800" spc="-1" strike="noStrike">
+              <a:solidFill>
+                <a:srgbClr val="000000"/>
+              </a:solidFill>
+              <a:uFill>
+                <a:solidFill>
+                  <a:srgbClr val="ffffff"/>
+                </a:solidFill>
+              </a:uFill>
+              <a:latin typeface="Arial"/>
+            </a:endParaRPr>
+          </a:p>
+          <a:p>
+            <a:pPr algn="ctr"/>
+            <a:r>
+              <a:rPr b="0" lang="en-GB" sz="1800" spc="-1" strike="noStrike">
+                <a:solidFill>
+                  <a:srgbClr val="cfe7e5"/>
+                </a:solidFill>
+                <a:uFill>
+                  <a:solidFill>
+                    <a:srgbClr val="ffffff"/>
+                  </a:solidFill>
+                </a:uFill>
+                <a:latin typeface="Arial"/>
+              </a:rPr>
+              <a:t> </a:t>
+            </a:r>
+            <a:endParaRPr b="0" lang="en-GB" sz="1800" spc="-1" strike="noStrike">
+              <a:solidFill>
+                <a:srgbClr val="000000"/>
+              </a:solidFill>
+              <a:uFill>
+                <a:solidFill>
+                  <a:srgbClr val="ffffff"/>
+                </a:solidFill>
+              </a:uFill>
+              <a:latin typeface="Arial"/>
+            </a:endParaRPr>
+          </a:p>
+          <a:p>
+            <a:pPr algn="ctr"/>
+            <a:r>
+              <a:rPr b="0" lang="en-GB" sz="1800" spc="-1" strike="noStrike">
+                <a:solidFill>
+                  <a:srgbClr val="cfe7e5"/>
+                </a:solidFill>
+                <a:uFill>
+                  <a:solidFill>
+                    <a:srgbClr val="ffffff"/>
+                  </a:solidFill>
+                </a:uFill>
+                <a:latin typeface="Arial"/>
+              </a:rPr>
+              <a:t> </a:t>
+            </a:r>
+            <a:endParaRPr b="0" lang="en-GB" sz="1800" spc="-1" strike="noStrike">
+              <a:solidFill>
+                <a:srgbClr val="000000"/>
+              </a:solidFill>
+              <a:uFill>
+                <a:solidFill>
+                  <a:srgbClr val="ffffff"/>
+                </a:solidFill>
+              </a:uFill>
+              <a:latin typeface="Arial"/>
+            </a:endParaRPr>
+          </a:p>
+        </p:txBody>
+      </p:sp>
+      <p:sp>
+        <p:nvSpPr>
+          <p:cNvPr id="97" name="CustomShape 13"/>
+          <p:cNvSpPr/>
+          <p:nvPr/>
+        </p:nvSpPr>
+        <p:spPr>
+          <a:xfrm flipH="1">
+            <a:off x="5445000" y="4644360"/>
+            <a:ext cx="1189080" cy="550800"/>
+          </a:xfrm>
+          <a:custGeom>
+            <a:avLst/>
+            <a:gdLst/>
+            <a:ahLst/>
+            <a:rect l="l" t="t" r="r" b="b"/>
+            <a:pathLst>
+              <a:path w="1577" h="4918">
+                <a:moveTo>
+                  <a:pt x="0" y="4918"/>
+                </a:moveTo>
+                <a:lnTo>
+                  <a:pt x="1577" y="0"/>
+                </a:lnTo>
+              </a:path>
+            </a:pathLst>
+          </a:custGeom>
+          <a:noFill/>
+          <a:ln w="36000">
+            <a:solidFill>
+              <a:srgbClr val="800000"/>
+            </a:solidFill>
+            <a:round/>
+            <a:tailEnd len="med" type="triangle" w="med"/>
+          </a:ln>
+        </p:spPr>
+        <p:style>
+          <a:lnRef idx="0"/>
+          <a:fillRef idx="0"/>
+          <a:effectRef idx="0"/>
+          <a:fontRef idx="minor"/>
+        </p:style>
+      </p:sp>
+      <p:sp>
+        <p:nvSpPr>
+          <p:cNvPr id="98" name="CustomShape 14"/>
+          <p:cNvSpPr/>
+          <p:nvPr/>
+        </p:nvSpPr>
+        <p:spPr>
+          <a:xfrm>
+            <a:off x="6144480" y="6277680"/>
+            <a:ext cx="2970360" cy="755640"/>
+          </a:xfrm>
+          <a:custGeom>
+            <a:avLst/>
+            <a:gdLst/>
+            <a:ahLst/>
+            <a:rect l="0" t="0" r="r" b="b"/>
+            <a:pathLst>
+              <a:path w="8253" h="2101">
+                <a:moveTo>
+                  <a:pt x="90" y="0"/>
+                </a:moveTo>
+                <a:cubicBezTo>
+                  <a:pt x="45" y="0"/>
+                  <a:pt x="0" y="45"/>
+                  <a:pt x="0" y="90"/>
+                </a:cubicBezTo>
+                <a:lnTo>
+                  <a:pt x="0" y="2009"/>
+                </a:lnTo>
+                <a:cubicBezTo>
+                  <a:pt x="0" y="2054"/>
+                  <a:pt x="45" y="2100"/>
+                  <a:pt x="90" y="2100"/>
+                </a:cubicBezTo>
+                <a:lnTo>
+                  <a:pt x="8161" y="2100"/>
+                </a:lnTo>
+                <a:cubicBezTo>
+                  <a:pt x="8206" y="2100"/>
+                  <a:pt x="8252" y="2054"/>
+                  <a:pt x="8252" y="2009"/>
+                </a:cubicBezTo>
+                <a:lnTo>
+                  <a:pt x="8252" y="90"/>
+                </a:lnTo>
+                <a:cubicBezTo>
+                  <a:pt x="8252" y="45"/>
+                  <a:pt x="8206" y="0"/>
+                  <a:pt x="8161" y="0"/>
+                </a:cubicBezTo>
+                <a:lnTo>
+                  <a:pt x="90" y="0"/>
+                </a:lnTo>
+              </a:path>
+            </a:pathLst>
+          </a:custGeom>
+          <a:solidFill>
+            <a:srgbClr val="cfe7e5"/>
+          </a:solidFill>
+          <a:ln w="10800">
+            <a:solidFill>
+              <a:srgbClr val="808080"/>
+            </a:solidFill>
+            <a:miter/>
+          </a:ln>
+        </p:spPr>
+        <p:style>
+          <a:lnRef idx="0"/>
+          <a:fillRef idx="0"/>
+          <a:effectRef idx="0"/>
+          <a:fontRef idx="minor"/>
+        </p:style>
+        <p:txBody>
+          <a:bodyPr wrap="none" lIns="95400" rIns="95400" tIns="50400" bIns="50400"/>
+          <a:p>
+            <a:pPr algn="ctr"/>
+            <a:r>
+              <a:rPr b="1" lang="en-GB" sz="1400" spc="-1" strike="noStrike">
+                <a:solidFill>
+                  <a:srgbClr val="b80047"/>
+                </a:solidFill>
+                <a:uFill>
+                  <a:solidFill>
+                    <a:srgbClr val="ffffff"/>
+                  </a:solidFill>
+                </a:uFill>
+                <a:latin typeface="Arial"/>
+              </a:rPr>
+              <a:t>C elegans</a:t>
+            </a:r>
+            <a:endParaRPr b="0" lang="en-GB" sz="1800" spc="-1" strike="noStrike">
+              <a:solidFill>
+                <a:srgbClr val="000000"/>
+              </a:solidFill>
+              <a:uFill>
+                <a:solidFill>
+                  <a:srgbClr val="ffffff"/>
+                </a:solidFill>
+              </a:uFill>
+              <a:latin typeface="Arial"/>
+            </a:endParaRPr>
+          </a:p>
+          <a:p>
+            <a:pPr marL="216000" indent="-216000">
+              <a:buClr>
+                <a:srgbClr val="000000"/>
+              </a:buClr>
+              <a:buSzPct val="45000"/>
+              <a:buFont typeface="Wingdings" charset="2"/>
+              <a:buChar char=""/>
+            </a:pPr>
+            <a:r>
+              <a:rPr b="0" i="1" lang="en-GB" sz="1200" spc="-1" strike="noStrike">
+                <a:solidFill>
+                  <a:srgbClr val="000000"/>
+                </a:solidFill>
+                <a:uFill>
+                  <a:solidFill>
+                    <a:srgbClr val="ffffff"/>
+                  </a:solidFill>
+                </a:uFill>
+                <a:latin typeface="Arial"/>
+              </a:rPr>
+              <a:t>OpenWorm project</a:t>
+            </a:r>
+            <a:endParaRPr b="0" lang="en-GB" sz="1800" spc="-1" strike="noStrike">
+              <a:solidFill>
+                <a:srgbClr val="000000"/>
+              </a:solidFill>
+              <a:uFill>
+                <a:solidFill>
+                  <a:srgbClr val="ffffff"/>
+                </a:solidFill>
+              </a:uFill>
+              <a:latin typeface="Arial"/>
+            </a:endParaRPr>
+          </a:p>
+          <a:p>
+            <a:pPr marL="216000" indent="-216000">
+              <a:buClr>
+                <a:srgbClr val="000000"/>
+              </a:buClr>
+              <a:buSzPct val="45000"/>
+              <a:buFont typeface="Wingdings" charset="2"/>
+              <a:buChar char=""/>
+            </a:pPr>
+            <a:r>
+              <a:rPr b="1" lang="en-GB" sz="1200" spc="-1" strike="noStrike">
+                <a:solidFill>
+                  <a:srgbClr val="000000"/>
+                </a:solidFill>
+                <a:uFill>
+                  <a:solidFill>
+                    <a:srgbClr val="ffffff"/>
+                  </a:solidFill>
+                </a:uFill>
+                <a:latin typeface="Arial"/>
+              </a:rPr>
+              <a:t>302 cell connectome</a:t>
+            </a:r>
+            <a:endParaRPr b="0" lang="en-GB" sz="1800" spc="-1" strike="noStrike">
+              <a:solidFill>
+                <a:srgbClr val="000000"/>
+              </a:solidFill>
+              <a:uFill>
+                <a:solidFill>
+                  <a:srgbClr val="ffffff"/>
+                </a:solidFill>
+              </a:uFill>
+              <a:latin typeface="Arial"/>
+            </a:endParaRPr>
+          </a:p>
+          <a:p>
+            <a:pPr marL="216000" indent="-216000">
+              <a:buClr>
+                <a:srgbClr val="000000"/>
+              </a:buClr>
+              <a:buSzPct val="45000"/>
+              <a:buFont typeface="Wingdings" charset="2"/>
+              <a:buChar char=""/>
+            </a:pPr>
+            <a:r>
+              <a:rPr b="0" i="1" lang="en-GB" sz="1200" spc="-1" strike="noStrike">
+                <a:solidFill>
+                  <a:srgbClr val="000000"/>
+                </a:solidFill>
+                <a:uFill>
+                  <a:solidFill>
+                    <a:srgbClr val="ffffff"/>
+                  </a:solidFill>
+                </a:uFill>
+                <a:latin typeface="Arial"/>
+              </a:rPr>
+              <a:t> </a:t>
+            </a:r>
+            <a:endParaRPr b="0" lang="en-GB" sz="1800" spc="-1" strike="noStrike">
+              <a:solidFill>
+                <a:srgbClr val="000000"/>
+              </a:solidFill>
+              <a:uFill>
+                <a:solidFill>
+                  <a:srgbClr val="ffffff"/>
+                </a:solidFill>
+              </a:uFill>
+              <a:latin typeface="Arial"/>
+            </a:endParaRPr>
+          </a:p>
+          <a:p>
+            <a:pPr marL="216000" indent="-216000">
+              <a:buClr>
+                <a:srgbClr val="000000"/>
+              </a:buClr>
+              <a:buSzPct val="45000"/>
+              <a:buFont typeface="Wingdings" charset="2"/>
+              <a:buChar char=""/>
+            </a:pPr>
+            <a:r>
+              <a:rPr b="0" i="1" lang="en-GB" sz="1200" spc="-1" strike="noStrike">
+                <a:solidFill>
+                  <a:srgbClr val="000000"/>
+                </a:solidFill>
+                <a:uFill>
+                  <a:solidFill>
+                    <a:srgbClr val="ffffff"/>
+                  </a:solidFill>
+                </a:uFill>
+                <a:latin typeface="Arial"/>
+              </a:rPr>
+              <a:t>  </a:t>
+            </a:r>
+            <a:endParaRPr b="0" lang="en-GB" sz="1800" spc="-1" strike="noStrike">
+              <a:solidFill>
+                <a:srgbClr val="000000"/>
+              </a:solidFill>
+              <a:uFill>
+                <a:solidFill>
+                  <a:srgbClr val="ffffff"/>
+                </a:solidFill>
+              </a:uFill>
+              <a:latin typeface="Arial"/>
+            </a:endParaRPr>
+          </a:p>
+          <a:p>
+            <a:pPr marL="216000" indent="-216000" algn="ctr">
+              <a:buClr>
+                <a:srgbClr val="000000"/>
+              </a:buClr>
+              <a:buSzPct val="45000"/>
+              <a:buFont typeface="Wingdings" charset="2"/>
+              <a:buChar char=""/>
+            </a:pPr>
+            <a:r>
+              <a:rPr b="0" lang="en-GB" sz="1200" spc="-1" strike="noStrike">
+                <a:solidFill>
+                  <a:srgbClr val="000000"/>
+                </a:solidFill>
+                <a:uFill>
+                  <a:solidFill>
+                    <a:srgbClr val="ffffff"/>
+                  </a:solidFill>
+                </a:uFill>
+                <a:latin typeface="Arial"/>
+              </a:rPr>
+              <a:t>  </a:t>
+            </a:r>
+            <a:endParaRPr b="0" lang="en-GB" sz="1800" spc="-1" strike="noStrike">
+              <a:solidFill>
+                <a:srgbClr val="000000"/>
+              </a:solidFill>
+              <a:uFill>
+                <a:solidFill>
+                  <a:srgbClr val="ffffff"/>
+                </a:solidFill>
+              </a:uFill>
+              <a:latin typeface="Arial"/>
+            </a:endParaRPr>
+          </a:p>
+          <a:p>
+            <a:pPr algn="ctr"/>
+            <a:r>
+              <a:rPr b="0" lang="en-GB" sz="1800" spc="-1" strike="noStrike">
+                <a:solidFill>
+                  <a:srgbClr val="cfe7e5"/>
+                </a:solidFill>
+                <a:uFill>
+                  <a:solidFill>
+                    <a:srgbClr val="ffffff"/>
+                  </a:solidFill>
+                </a:uFill>
+                <a:latin typeface="Arial"/>
+              </a:rPr>
+              <a:t> </a:t>
+            </a:r>
+            <a:endParaRPr b="0" lang="en-GB" sz="1800" spc="-1" strike="noStrike">
+              <a:solidFill>
+                <a:srgbClr val="000000"/>
+              </a:solidFill>
+              <a:uFill>
+                <a:solidFill>
+                  <a:srgbClr val="ffffff"/>
+                </a:solidFill>
+              </a:uFill>
+              <a:latin typeface="Arial"/>
+            </a:endParaRPr>
+          </a:p>
+          <a:p>
+            <a:pPr algn="ctr"/>
+            <a:r>
+              <a:rPr b="0" lang="en-GB" sz="1800" spc="-1" strike="noStrike">
+                <a:solidFill>
+                  <a:srgbClr val="cfe7e5"/>
+                </a:solidFill>
+                <a:uFill>
+                  <a:solidFill>
+                    <a:srgbClr val="ffffff"/>
+                  </a:solidFill>
+                </a:uFill>
+                <a:latin typeface="Arial"/>
+              </a:rPr>
+              <a:t> </a:t>
+            </a:r>
+            <a:endParaRPr b="0" lang="en-GB" sz="1800" spc="-1" strike="noStrike">
+              <a:solidFill>
+                <a:srgbClr val="000000"/>
+              </a:solidFill>
+              <a:uFill>
+                <a:solidFill>
+                  <a:srgbClr val="ffffff"/>
+                </a:solidFill>
+              </a:uFill>
+              <a:latin typeface="Arial"/>
+            </a:endParaRPr>
+          </a:p>
+        </p:txBody>
+      </p:sp>
+      <p:sp>
+        <p:nvSpPr>
+          <p:cNvPr id="99" name="CustomShape 15"/>
+          <p:cNvSpPr/>
+          <p:nvPr/>
+        </p:nvSpPr>
+        <p:spPr>
+          <a:xfrm flipH="1">
+            <a:off x="5058000" y="4801680"/>
+            <a:ext cx="1238040" cy="1501560"/>
+          </a:xfrm>
+          <a:custGeom>
+            <a:avLst/>
+            <a:gdLst/>
+            <a:ahLst/>
+            <a:rect l="l" t="t" r="r" b="b"/>
+            <a:pathLst>
+              <a:path w="1577" h="4918">
+                <a:moveTo>
+                  <a:pt x="0" y="4918"/>
+                </a:moveTo>
+                <a:lnTo>
+                  <a:pt x="1577" y="0"/>
+                </a:lnTo>
+              </a:path>
+            </a:pathLst>
+          </a:custGeom>
+          <a:noFill/>
+          <a:ln w="36000">
+            <a:solidFill>
+              <a:srgbClr val="800000"/>
+            </a:solidFill>
+            <a:round/>
+            <a:tailEnd len="med" type="triangle" w="med"/>
+          </a:ln>
+        </p:spPr>
+        <p:style>
+          <a:lnRef idx="0"/>
+          <a:fillRef idx="0"/>
+          <a:effectRef idx="0"/>
+          <a:fontRef idx="minor"/>
+        </p:style>
       </p:sp>
     </p:spTree>
   </p:cSld>
@@ -5417,425 +9134,98 @@
           <a:chExt cx="0" cy="0"/>
         </a:xfrm>
       </p:grpSpPr>
-      <p:sp>
-        <p:nvSpPr>
-          <p:cNvPr id="91" name="CustomShape 1"/>
-          <p:cNvSpPr/>
+      <p:pic>
+        <p:nvPicPr>
+          <p:cNvPr id="100" name="" descr=""/>
+          <p:cNvPicPr/>
           <p:nvPr/>
-        </p:nvSpPr>
-        <p:spPr>
-          <a:xfrm>
-            <a:off x="739800" y="693720"/>
-            <a:ext cx="6316200" cy="3425400"/>
+        </p:nvPicPr>
+        <p:blipFill>
+          <a:blip r:embed="rId1"/>
+          <a:stretch/>
+        </p:blipFill>
+        <p:spPr>
+          <a:xfrm>
+            <a:off x="0" y="4165200"/>
+            <a:ext cx="5013000" cy="2638440"/>
           </a:xfrm>
           <a:prstGeom prst="rect">
             <a:avLst/>
           </a:prstGeom>
-          <a:noFill/>
           <a:ln>
             <a:noFill/>
           </a:ln>
         </p:spPr>
-        <p:style>
-          <a:lnRef idx="0"/>
-          <a:fillRef idx="0"/>
-          <a:effectRef idx="0"/>
-          <a:fontRef idx="minor"/>
-        </p:style>
-        <p:txBody>
-          <a:bodyPr lIns="90000" rIns="90000" tIns="60840" bIns="45000"/>
-          <a:p>
-            <a:pPr>
-              <a:lnSpc>
-                <a:spcPct val="100000"/>
-              </a:lnSpc>
-            </a:pPr>
-            <a:r>
-              <a:rPr b="0" i="1" lang="en-GB" sz="1800" spc="-1" strike="noStrike">
-                <a:solidFill>
-                  <a:srgbClr val="808080"/>
-                </a:solidFill>
-                <a:uFill>
-                  <a:solidFill>
-                    <a:srgbClr val="ffffff"/>
-                  </a:solidFill>
-                </a:uFill>
-                <a:latin typeface="Arial"/>
-                <a:ea typeface="Noto Sans CJK SC Regular"/>
-              </a:rPr>
-              <a:t>Optional 3</a:t>
-            </a:r>
-            <a:r>
-              <a:rPr b="0" i="1" lang="en-GB" sz="1800" spc="-1" strike="noStrike" baseline="33000">
-                <a:solidFill>
-                  <a:srgbClr val="808080"/>
-                </a:solidFill>
-                <a:uFill>
-                  <a:solidFill>
-                    <a:srgbClr val="ffffff"/>
-                  </a:solidFill>
-                </a:uFill>
-                <a:latin typeface="Arial"/>
-                <a:ea typeface="Noto Sans CJK SC Regular"/>
-              </a:rPr>
-              <a:t>rd</a:t>
-            </a:r>
-            <a:r>
-              <a:rPr b="0" i="1" lang="en-GB" sz="1800" spc="-1" strike="noStrike">
-                <a:solidFill>
-                  <a:srgbClr val="808080"/>
-                </a:solidFill>
-                <a:uFill>
-                  <a:solidFill>
-                    <a:srgbClr val="ffffff"/>
-                  </a:solidFill>
-                </a:uFill>
-                <a:latin typeface="Arial"/>
-                <a:ea typeface="Noto Sans CJK SC Regular"/>
-              </a:rPr>
-              <a:t> slide…</a:t>
-            </a:r>
-            <a:endParaRPr b="0" lang="en-GB" sz="1800" spc="-1" strike="noStrike">
-              <a:solidFill>
-                <a:srgbClr val="000000"/>
-              </a:solidFill>
-              <a:uFill>
-                <a:solidFill>
-                  <a:srgbClr val="ffffff"/>
-                </a:solidFill>
-              </a:uFill>
-              <a:latin typeface="Arial"/>
-            </a:endParaRPr>
-          </a:p>
-          <a:p>
-            <a:pPr>
-              <a:lnSpc>
-                <a:spcPct val="100000"/>
-              </a:lnSpc>
-            </a:pPr>
-            <a:endParaRPr b="0" lang="en-GB" sz="1800" spc="-1" strike="noStrike">
-              <a:solidFill>
-                <a:srgbClr val="000000"/>
-              </a:solidFill>
-              <a:uFill>
-                <a:solidFill>
-                  <a:srgbClr val="ffffff"/>
-                </a:solidFill>
-              </a:uFill>
-              <a:latin typeface="Arial"/>
-            </a:endParaRPr>
-          </a:p>
-          <a:p>
-            <a:pPr>
-              <a:lnSpc>
-                <a:spcPct val="100000"/>
-              </a:lnSpc>
-            </a:pPr>
-            <a:endParaRPr b="0" lang="en-GB" sz="1800" spc="-1" strike="noStrike">
-              <a:solidFill>
-                <a:srgbClr val="000000"/>
-              </a:solidFill>
-              <a:uFill>
-                <a:solidFill>
-                  <a:srgbClr val="ffffff"/>
-                </a:solidFill>
-              </a:uFill>
-              <a:latin typeface="Arial"/>
-            </a:endParaRPr>
-          </a:p>
-          <a:p>
-            <a:pPr>
-              <a:lnSpc>
-                <a:spcPct val="100000"/>
-              </a:lnSpc>
-            </a:pPr>
-            <a:endParaRPr b="0" lang="en-GB" sz="1800" spc="-1" strike="noStrike">
-              <a:solidFill>
-                <a:srgbClr val="000000"/>
-              </a:solidFill>
-              <a:uFill>
-                <a:solidFill>
-                  <a:srgbClr val="ffffff"/>
-                </a:solidFill>
-              </a:uFill>
-              <a:latin typeface="Arial"/>
-            </a:endParaRPr>
-          </a:p>
-          <a:p>
-            <a:pPr>
-              <a:lnSpc>
-                <a:spcPct val="100000"/>
-              </a:lnSpc>
-            </a:pPr>
-            <a:endParaRPr b="0" lang="en-GB" sz="1800" spc="-1" strike="noStrike">
-              <a:solidFill>
-                <a:srgbClr val="000000"/>
-              </a:solidFill>
-              <a:uFill>
-                <a:solidFill>
-                  <a:srgbClr val="ffffff"/>
-                </a:solidFill>
-              </a:uFill>
-              <a:latin typeface="Arial"/>
-            </a:endParaRPr>
-          </a:p>
-          <a:p>
-            <a:pPr>
-              <a:lnSpc>
-                <a:spcPct val="100000"/>
-              </a:lnSpc>
-            </a:pPr>
-            <a:r>
-              <a:rPr b="0" i="1" lang="en-GB" sz="1800" spc="-1" strike="noStrike">
-                <a:solidFill>
-                  <a:srgbClr val="808080"/>
-                </a:solidFill>
-                <a:uFill>
-                  <a:solidFill>
-                    <a:srgbClr val="ffffff"/>
-                  </a:solidFill>
-                </a:uFill>
-                <a:latin typeface="Arial"/>
-                <a:ea typeface="Noto Sans CJK SC Regular"/>
-              </a:rPr>
-              <a:t>General requests:</a:t>
-            </a:r>
-            <a:endParaRPr b="0" lang="en-GB" sz="1800" spc="-1" strike="noStrike">
-              <a:solidFill>
-                <a:srgbClr val="000000"/>
-              </a:solidFill>
-              <a:uFill>
-                <a:solidFill>
-                  <a:srgbClr val="ffffff"/>
-                </a:solidFill>
-              </a:uFill>
-              <a:latin typeface="Arial"/>
-            </a:endParaRPr>
-          </a:p>
-          <a:p>
-            <a:pPr>
-              <a:lnSpc>
-                <a:spcPct val="100000"/>
-              </a:lnSpc>
-            </a:pPr>
-            <a:endParaRPr b="0" lang="en-GB" sz="1800" spc="-1" strike="noStrike">
-              <a:solidFill>
-                <a:srgbClr val="000000"/>
-              </a:solidFill>
-              <a:uFill>
-                <a:solidFill>
-                  <a:srgbClr val="ffffff"/>
-                </a:solidFill>
-              </a:uFill>
-              <a:latin typeface="Arial"/>
-            </a:endParaRPr>
-          </a:p>
-          <a:p>
-            <a:pPr>
-              <a:lnSpc>
-                <a:spcPct val="100000"/>
-              </a:lnSpc>
-            </a:pPr>
-            <a:r>
-              <a:rPr b="0" i="1" lang="en-GB" sz="1800" spc="-1" strike="noStrike">
-                <a:solidFill>
-                  <a:srgbClr val="808080"/>
-                </a:solidFill>
-                <a:uFill>
-                  <a:solidFill>
-                    <a:srgbClr val="ffffff"/>
-                  </a:solidFill>
-                </a:uFill>
-                <a:latin typeface="Arial"/>
-                <a:ea typeface="Noto Sans CJK SC Regular"/>
-              </a:rPr>
-              <a:t>- Please favour graphical content over text where possible </a:t>
-            </a:r>
-            <a:endParaRPr b="0" lang="en-GB" sz="1800" spc="-1" strike="noStrike">
-              <a:solidFill>
-                <a:srgbClr val="000000"/>
-              </a:solidFill>
-              <a:uFill>
-                <a:solidFill>
-                  <a:srgbClr val="ffffff"/>
-                </a:solidFill>
-              </a:uFill>
-              <a:latin typeface="Arial"/>
-            </a:endParaRPr>
-          </a:p>
-          <a:p>
-            <a:pPr>
-              <a:lnSpc>
-                <a:spcPct val="100000"/>
-              </a:lnSpc>
-            </a:pPr>
-            <a:endParaRPr b="0" lang="en-GB" sz="1800" spc="-1" strike="noStrike">
-              <a:solidFill>
-                <a:srgbClr val="000000"/>
-              </a:solidFill>
-              <a:uFill>
-                <a:solidFill>
-                  <a:srgbClr val="ffffff"/>
-                </a:solidFill>
-              </a:uFill>
-              <a:latin typeface="Arial"/>
-            </a:endParaRPr>
-          </a:p>
-          <a:p>
-            <a:pPr>
-              <a:lnSpc>
-                <a:spcPct val="100000"/>
-              </a:lnSpc>
-            </a:pPr>
-            <a:r>
-              <a:rPr b="0" i="1" lang="en-GB" sz="1800" spc="-1" strike="noStrike">
-                <a:solidFill>
-                  <a:srgbClr val="808080"/>
-                </a:solidFill>
-                <a:uFill>
-                  <a:solidFill>
-                    <a:srgbClr val="ffffff"/>
-                  </a:solidFill>
-                </a:uFill>
-                <a:latin typeface="Arial"/>
-                <a:ea typeface="Noto Sans CJK SC Regular"/>
-              </a:rPr>
-              <a:t>- Please don’t use animation (use multiple slides if required)</a:t>
-            </a:r>
-            <a:endParaRPr b="0" lang="en-GB" sz="1800" spc="-1" strike="noStrike">
-              <a:solidFill>
-                <a:srgbClr val="000000"/>
-              </a:solidFill>
-              <a:uFill>
-                <a:solidFill>
-                  <a:srgbClr val="ffffff"/>
-                </a:solidFill>
-              </a:uFill>
-              <a:latin typeface="Arial"/>
-            </a:endParaRPr>
-          </a:p>
-          <a:p>
-            <a:pPr>
-              <a:lnSpc>
-                <a:spcPct val="100000"/>
-              </a:lnSpc>
-            </a:pPr>
-            <a:endParaRPr b="0" lang="en-GB" sz="1800" spc="-1" strike="noStrike">
-              <a:solidFill>
-                <a:srgbClr val="000000"/>
-              </a:solidFill>
-              <a:uFill>
-                <a:solidFill>
-                  <a:srgbClr val="ffffff"/>
-                </a:solidFill>
-              </a:uFill>
-              <a:latin typeface="Arial"/>
-            </a:endParaRPr>
-          </a:p>
-          <a:p>
-            <a:pPr>
-              <a:lnSpc>
-                <a:spcPct val="100000"/>
-              </a:lnSpc>
-            </a:pPr>
-            <a:r>
-              <a:rPr b="0" i="1" lang="en-GB" sz="1800" spc="-1" strike="noStrike">
-                <a:solidFill>
-                  <a:srgbClr val="808080"/>
-                </a:solidFill>
-                <a:uFill>
-                  <a:solidFill>
-                    <a:srgbClr val="ffffff"/>
-                  </a:solidFill>
-                </a:uFill>
-                <a:latin typeface="Arial"/>
-                <a:ea typeface="Noto Sans CJK SC Regular"/>
-              </a:rPr>
-              <a:t>- Try to keep to font Arial</a:t>
-            </a:r>
-            <a:endParaRPr b="0" lang="en-GB" sz="1800" spc="-1" strike="noStrike">
-              <a:solidFill>
-                <a:srgbClr val="000000"/>
-              </a:solidFill>
-              <a:uFill>
-                <a:solidFill>
-                  <a:srgbClr val="ffffff"/>
-                </a:solidFill>
-              </a:uFill>
-              <a:latin typeface="Arial"/>
-            </a:endParaRPr>
-          </a:p>
-          <a:p>
-            <a:pPr>
-              <a:lnSpc>
-                <a:spcPct val="100000"/>
-              </a:lnSpc>
-            </a:pPr>
-            <a:endParaRPr b="0" lang="en-GB" sz="1800" spc="-1" strike="noStrike">
-              <a:solidFill>
-                <a:srgbClr val="000000"/>
-              </a:solidFill>
-              <a:uFill>
-                <a:solidFill>
-                  <a:srgbClr val="ffffff"/>
-                </a:solidFill>
-              </a:uFill>
-              <a:latin typeface="Arial"/>
-            </a:endParaRPr>
-          </a:p>
-          <a:p>
-            <a:pPr>
-              <a:lnSpc>
-                <a:spcPct val="100000"/>
-              </a:lnSpc>
-            </a:pPr>
-            <a:r>
-              <a:rPr b="0" i="1" lang="en-GB" sz="1800" spc="-1" strike="noStrike">
-                <a:solidFill>
-                  <a:srgbClr val="808080"/>
-                </a:solidFill>
-                <a:uFill>
-                  <a:solidFill>
-                    <a:srgbClr val="ffffff"/>
-                  </a:solidFill>
-                </a:uFill>
-                <a:latin typeface="Arial"/>
-                <a:ea typeface="Noto Sans CJK SC Regular"/>
-              </a:rPr>
-              <a:t>- Save slides as .pptx (Powerpoint 2007-2013); slides will be concatenated into a single PDF presentation</a:t>
-            </a:r>
-            <a:endParaRPr b="0" lang="en-GB" sz="1800" spc="-1" strike="noStrike">
-              <a:solidFill>
-                <a:srgbClr val="000000"/>
-              </a:solidFill>
-              <a:uFill>
-                <a:solidFill>
-                  <a:srgbClr val="ffffff"/>
-                </a:solidFill>
-              </a:uFill>
-              <a:latin typeface="Arial"/>
-            </a:endParaRPr>
-          </a:p>
-          <a:p>
-            <a:pPr>
-              <a:lnSpc>
-                <a:spcPct val="100000"/>
-              </a:lnSpc>
-            </a:pPr>
-            <a:endParaRPr b="0" lang="en-GB" sz="1800" spc="-1" strike="noStrike">
-              <a:solidFill>
-                <a:srgbClr val="000000"/>
-              </a:solidFill>
-              <a:uFill>
-                <a:solidFill>
-                  <a:srgbClr val="ffffff"/>
-                </a:solidFill>
-              </a:uFill>
-              <a:latin typeface="Arial"/>
-            </a:endParaRPr>
-          </a:p>
-        </p:txBody>
-      </p:sp>
+      </p:pic>
+      <p:pic>
+        <p:nvPicPr>
+          <p:cNvPr id="101" name="" descr=""/>
+          <p:cNvPicPr/>
+          <p:nvPr/>
+        </p:nvPicPr>
+        <p:blipFill>
+          <a:blip r:embed="rId2"/>
+          <a:stretch/>
+        </p:blipFill>
+        <p:spPr>
+          <a:xfrm>
+            <a:off x="0" y="0"/>
+            <a:ext cx="5040000" cy="3529440"/>
+          </a:xfrm>
+          <a:prstGeom prst="rect">
+            <a:avLst/>
+          </a:prstGeom>
+          <a:ln>
+            <a:noFill/>
+          </a:ln>
+        </p:spPr>
+      </p:pic>
+      <p:pic>
+        <p:nvPicPr>
+          <p:cNvPr id="102" name="" descr=""/>
+          <p:cNvPicPr/>
+          <p:nvPr/>
+        </p:nvPicPr>
+        <p:blipFill>
+          <a:blip r:embed="rId3"/>
+          <a:stretch/>
+        </p:blipFill>
+        <p:spPr>
+          <a:xfrm>
+            <a:off x="5076720" y="-19800"/>
+            <a:ext cx="5004000" cy="3619800"/>
+          </a:xfrm>
+          <a:prstGeom prst="rect">
+            <a:avLst/>
+          </a:prstGeom>
+          <a:ln>
+            <a:noFill/>
+          </a:ln>
+        </p:spPr>
+      </p:pic>
+      <p:pic>
+        <p:nvPicPr>
+          <p:cNvPr id="103" name="" descr=""/>
+          <p:cNvPicPr/>
+          <p:nvPr/>
+        </p:nvPicPr>
+        <p:blipFill>
+          <a:blip r:embed="rId4"/>
+          <a:stretch/>
+        </p:blipFill>
+        <p:spPr>
+          <a:xfrm>
+            <a:off x="5106960" y="3816000"/>
+            <a:ext cx="4959720" cy="3765240"/>
+          </a:xfrm>
+          <a:prstGeom prst="rect">
+            <a:avLst/>
+          </a:prstGeom>
+          <a:ln>
+            <a:noFill/>
+          </a:ln>
+        </p:spPr>
+      </p:pic>
     </p:spTree>
   </p:cSld>
   <p:timing>
